--- a/Documentação/Doc. MCT/Documentos/Projeto - Sistema IFSP LIFE - 3^ Téc. Informática.pptx
+++ b/Documentação/Doc. MCT/Documentos/Projeto - Sistema IFSP LIFE - 3^ Téc. Informática.pptx
@@ -5,7 +5,7 @@
     <p:sldMasterId id="2147483648" r:id="rId1"/>
   </p:sldMasterIdLst>
   <p:notesMasterIdLst>
-    <p:notesMasterId r:id="rId21"/>
+    <p:notesMasterId r:id="rId11"/>
   </p:notesMasterIdLst>
   <p:sldIdLst>
     <p:sldId id="256" r:id="rId2"/>
@@ -14,36 +14,26 @@
     <p:sldId id="259" r:id="rId5"/>
     <p:sldId id="260" r:id="rId6"/>
     <p:sldId id="261" r:id="rId7"/>
-    <p:sldId id="263" r:id="rId8"/>
-    <p:sldId id="267" r:id="rId9"/>
-    <p:sldId id="268" r:id="rId10"/>
-    <p:sldId id="269" r:id="rId11"/>
-    <p:sldId id="270" r:id="rId12"/>
-    <p:sldId id="271" r:id="rId13"/>
-    <p:sldId id="272" r:id="rId14"/>
-    <p:sldId id="273" r:id="rId15"/>
-    <p:sldId id="274" r:id="rId16"/>
-    <p:sldId id="275" r:id="rId17"/>
-    <p:sldId id="264" r:id="rId18"/>
-    <p:sldId id="265" r:id="rId19"/>
-    <p:sldId id="266" r:id="rId20"/>
+    <p:sldId id="264" r:id="rId8"/>
+    <p:sldId id="265" r:id="rId9"/>
+    <p:sldId id="266" r:id="rId10"/>
   </p:sldIdLst>
   <p:sldSz cx="18288000" cy="10287000"/>
   <p:notesSz cx="6858000" cy="9144000"/>
   <p:embeddedFontLst>
     <p:embeddedFont>
       <p:font typeface="Calibri" panose="020F0502020204030204" pitchFamily="34" charset="0"/>
-      <p:regular r:id="rId22"/>
-      <p:bold r:id="rId23"/>
-      <p:italic r:id="rId24"/>
-      <p:boldItalic r:id="rId25"/>
+      <p:regular r:id="rId12"/>
+      <p:bold r:id="rId13"/>
+      <p:italic r:id="rId14"/>
+      <p:boldItalic r:id="rId15"/>
     </p:embeddedFont>
     <p:embeddedFont>
       <p:font typeface="Poppins" panose="00000500000000000000" pitchFamily="2" charset="0"/>
-      <p:regular r:id="rId26"/>
-      <p:bold r:id="rId27"/>
-      <p:italic r:id="rId28"/>
-      <p:boldItalic r:id="rId29"/>
+      <p:regular r:id="rId16"/>
+      <p:bold r:id="rId17"/>
+      <p:italic r:id="rId18"/>
+      <p:boldItalic r:id="rId19"/>
     </p:embeddedFont>
   </p:embeddedFontLst>
   <p:defaultTextStyle>
@@ -291,7 +281,7 @@
       </p15:sldGuideLst>
     </p:ext>
     <p:ext uri="GoogleSlidesCustomDataVersion2">
-      <go:slidesCustomData xmlns="" xmlns:mc="http://schemas.openxmlformats.org/markup-compatibility/2006" xmlns:mv="urn:schemas-microsoft-com:mac:vml" xmlns:c="http://schemas.openxmlformats.org/drawingml/2006/chart" xmlns:dgm="http://schemas.openxmlformats.org/drawingml/2006/diagram" xmlns:o="urn:schemas-microsoft-com:office:office" xmlns:v="urn:schemas-microsoft-com:vml" xmlns:pvml="urn:schemas-microsoft-com:office:powerpoint" xmlns:com="http://schemas.openxmlformats.org/drawingml/2006/compatibility" xmlns:p14="http://schemas.microsoft.com/office/powerpoint/2010/main" xmlns:p15="http://schemas.microsoft.com/office/powerpoint/2012/main" xmlns:ahyp="http://schemas.microsoft.com/office/drawing/2018/hyperlinkcolor" xmlns:go="http://customooxmlschemas.google.com/" r:id="rId30" roundtripDataSignature="AMtx7mhSqo8+4qSX0buJ0RwR854CN2pp8g=="/>
+      <go:slidesCustomData xmlns:go="http://customooxmlschemas.google.com/" xmlns:ahyp="http://schemas.microsoft.com/office/drawing/2018/hyperlinkcolor" xmlns:p15="http://schemas.microsoft.com/office/powerpoint/2012/main" xmlns:p14="http://schemas.microsoft.com/office/powerpoint/2010/main" xmlns:com="http://schemas.openxmlformats.org/drawingml/2006/compatibility" xmlns:pvml="urn:schemas-microsoft-com:office:powerpoint" xmlns:v="urn:schemas-microsoft-com:vml" xmlns:o="urn:schemas-microsoft-com:office:office" xmlns:dgm="http://schemas.openxmlformats.org/drawingml/2006/diagram" xmlns:c="http://schemas.openxmlformats.org/drawingml/2006/chart" xmlns:mv="urn:schemas-microsoft-com:mac:vml" xmlns:mc="http://schemas.openxmlformats.org/markup-compatibility/2006" xmlns="" r:id="rId30" roundtripDataSignature="AMtx7mhSqo8+4qSX0buJ0RwR854CN2pp8g=="/>
     </p:ext>
   </p:extLst>
 </p:presentation>
@@ -842,1081 +832,6 @@
 </p:notes>
 </file>
 
-<file path=ppt/notesSlides/notesSlide10.xml><?xml version="1.0" encoding="utf-8"?>
-<p:notes xmlns:a="http://schemas.openxmlformats.org/drawingml/2006/main" xmlns:r="http://schemas.openxmlformats.org/officeDocument/2006/relationships" xmlns:p="http://schemas.openxmlformats.org/presentationml/2006/main" showMasterSp="0" showMasterPhAnim="0">
-  <p:cSld>
-    <p:spTree>
-      <p:nvGrpSpPr>
-        <p:cNvPr id="1" name="Shape 160"/>
-        <p:cNvGrpSpPr/>
-        <p:nvPr/>
-      </p:nvGrpSpPr>
-      <p:grpSpPr>
-        <a:xfrm>
-          <a:off x="0" y="0"/>
-          <a:ext cx="0" cy="0"/>
-          <a:chOff x="0" y="0"/>
-          <a:chExt cx="0" cy="0"/>
-        </a:xfrm>
-      </p:grpSpPr>
-      <p:sp>
-        <p:nvSpPr>
-          <p:cNvPr id="161" name="Google Shape;161;g1e4423acacb_0_22:notes"/>
-          <p:cNvSpPr txBox="1">
-            <a:spLocks noGrp="1"/>
-          </p:cNvSpPr>
-          <p:nvPr>
-            <p:ph type="body" idx="1"/>
-          </p:nvPr>
-        </p:nvSpPr>
-        <p:spPr>
-          <a:xfrm>
-            <a:off x="685800" y="4343400"/>
-            <a:ext cx="5486400" cy="4114800"/>
-          </a:xfrm>
-          <a:prstGeom prst="rect">
-            <a:avLst/>
-          </a:prstGeom>
-        </p:spPr>
-        <p:txBody>
-          <a:bodyPr spcFirstLastPara="1" wrap="square" lIns="91425" tIns="91425" rIns="91425" bIns="91425" anchor="t" anchorCtr="0">
-            <a:noAutofit/>
-          </a:bodyPr>
-          <a:lstStyle/>
-          <a:p>
-            <a:pPr marL="0" lvl="0" indent="0" algn="l" rtl="0">
-              <a:spcBef>
-                <a:spcPts val="0"/>
-              </a:spcBef>
-              <a:spcAft>
-                <a:spcPts val="0"/>
-              </a:spcAft>
-              <a:buNone/>
-            </a:pPr>
-            <a:endParaRPr/>
-          </a:p>
-        </p:txBody>
-      </p:sp>
-      <p:sp>
-        <p:nvSpPr>
-          <p:cNvPr id="162" name="Google Shape;162;g1e4423acacb_0_22:notes"/>
-          <p:cNvSpPr>
-            <a:spLocks noGrp="1" noRot="1" noChangeAspect="1"/>
-          </p:cNvSpPr>
-          <p:nvPr>
-            <p:ph type="sldImg" idx="2"/>
-          </p:nvPr>
-        </p:nvSpPr>
-        <p:spPr>
-          <a:xfrm>
-            <a:off x="381000" y="685800"/>
-            <a:ext cx="6096000" cy="3429000"/>
-          </a:xfrm>
-          <a:custGeom>
-            <a:avLst/>
-            <a:gdLst/>
-            <a:ahLst/>
-            <a:cxnLst/>
-            <a:rect l="l" t="t" r="r" b="b"/>
-            <a:pathLst>
-              <a:path w="120000" h="120000" extrusionOk="0">
-                <a:moveTo>
-                  <a:pt x="0" y="0"/>
-                </a:moveTo>
-                <a:lnTo>
-                  <a:pt x="120000" y="0"/>
-                </a:lnTo>
-                <a:lnTo>
-                  <a:pt x="120000" y="120000"/>
-                </a:lnTo>
-                <a:lnTo>
-                  <a:pt x="0" y="120000"/>
-                </a:lnTo>
-                <a:close/>
-              </a:path>
-            </a:pathLst>
-          </a:custGeom>
-        </p:spPr>
-      </p:sp>
-    </p:spTree>
-    <p:extLst>
-      <p:ext uri="{BB962C8B-B14F-4D97-AF65-F5344CB8AC3E}">
-        <p14:creationId xmlns:p14="http://schemas.microsoft.com/office/powerpoint/2010/main" val="1474049677"/>
-      </p:ext>
-    </p:extLst>
-  </p:cSld>
-  <p:clrMapOvr>
-    <a:masterClrMapping/>
-  </p:clrMapOvr>
-</p:notes>
-</file>
-
-<file path=ppt/notesSlides/notesSlide11.xml><?xml version="1.0" encoding="utf-8"?>
-<p:notes xmlns:a="http://schemas.openxmlformats.org/drawingml/2006/main" xmlns:r="http://schemas.openxmlformats.org/officeDocument/2006/relationships" xmlns:p="http://schemas.openxmlformats.org/presentationml/2006/main" showMasterSp="0" showMasterPhAnim="0">
-  <p:cSld>
-    <p:spTree>
-      <p:nvGrpSpPr>
-        <p:cNvPr id="1" name="Shape 160"/>
-        <p:cNvGrpSpPr/>
-        <p:nvPr/>
-      </p:nvGrpSpPr>
-      <p:grpSpPr>
-        <a:xfrm>
-          <a:off x="0" y="0"/>
-          <a:ext cx="0" cy="0"/>
-          <a:chOff x="0" y="0"/>
-          <a:chExt cx="0" cy="0"/>
-        </a:xfrm>
-      </p:grpSpPr>
-      <p:sp>
-        <p:nvSpPr>
-          <p:cNvPr id="161" name="Google Shape;161;g1e4423acacb_0_22:notes"/>
-          <p:cNvSpPr txBox="1">
-            <a:spLocks noGrp="1"/>
-          </p:cNvSpPr>
-          <p:nvPr>
-            <p:ph type="body" idx="1"/>
-          </p:nvPr>
-        </p:nvSpPr>
-        <p:spPr>
-          <a:xfrm>
-            <a:off x="685800" y="4343400"/>
-            <a:ext cx="5486400" cy="4114800"/>
-          </a:xfrm>
-          <a:prstGeom prst="rect">
-            <a:avLst/>
-          </a:prstGeom>
-        </p:spPr>
-        <p:txBody>
-          <a:bodyPr spcFirstLastPara="1" wrap="square" lIns="91425" tIns="91425" rIns="91425" bIns="91425" anchor="t" anchorCtr="0">
-            <a:noAutofit/>
-          </a:bodyPr>
-          <a:lstStyle/>
-          <a:p>
-            <a:pPr marL="0" lvl="0" indent="0" algn="l" rtl="0">
-              <a:spcBef>
-                <a:spcPts val="0"/>
-              </a:spcBef>
-              <a:spcAft>
-                <a:spcPts val="0"/>
-              </a:spcAft>
-              <a:buNone/>
-            </a:pPr>
-            <a:endParaRPr/>
-          </a:p>
-        </p:txBody>
-      </p:sp>
-      <p:sp>
-        <p:nvSpPr>
-          <p:cNvPr id="162" name="Google Shape;162;g1e4423acacb_0_22:notes"/>
-          <p:cNvSpPr>
-            <a:spLocks noGrp="1" noRot="1" noChangeAspect="1"/>
-          </p:cNvSpPr>
-          <p:nvPr>
-            <p:ph type="sldImg" idx="2"/>
-          </p:nvPr>
-        </p:nvSpPr>
-        <p:spPr>
-          <a:xfrm>
-            <a:off x="381000" y="685800"/>
-            <a:ext cx="6096000" cy="3429000"/>
-          </a:xfrm>
-          <a:custGeom>
-            <a:avLst/>
-            <a:gdLst/>
-            <a:ahLst/>
-            <a:cxnLst/>
-            <a:rect l="l" t="t" r="r" b="b"/>
-            <a:pathLst>
-              <a:path w="120000" h="120000" extrusionOk="0">
-                <a:moveTo>
-                  <a:pt x="0" y="0"/>
-                </a:moveTo>
-                <a:lnTo>
-                  <a:pt x="120000" y="0"/>
-                </a:lnTo>
-                <a:lnTo>
-                  <a:pt x="120000" y="120000"/>
-                </a:lnTo>
-                <a:lnTo>
-                  <a:pt x="0" y="120000"/>
-                </a:lnTo>
-                <a:close/>
-              </a:path>
-            </a:pathLst>
-          </a:custGeom>
-        </p:spPr>
-      </p:sp>
-    </p:spTree>
-    <p:extLst>
-      <p:ext uri="{BB962C8B-B14F-4D97-AF65-F5344CB8AC3E}">
-        <p14:creationId xmlns:p14="http://schemas.microsoft.com/office/powerpoint/2010/main" val="1262300130"/>
-      </p:ext>
-    </p:extLst>
-  </p:cSld>
-  <p:clrMapOvr>
-    <a:masterClrMapping/>
-  </p:clrMapOvr>
-</p:notes>
-</file>
-
-<file path=ppt/notesSlides/notesSlide12.xml><?xml version="1.0" encoding="utf-8"?>
-<p:notes xmlns:a="http://schemas.openxmlformats.org/drawingml/2006/main" xmlns:r="http://schemas.openxmlformats.org/officeDocument/2006/relationships" xmlns:p="http://schemas.openxmlformats.org/presentationml/2006/main" showMasterSp="0" showMasterPhAnim="0">
-  <p:cSld>
-    <p:spTree>
-      <p:nvGrpSpPr>
-        <p:cNvPr id="1" name="Shape 160"/>
-        <p:cNvGrpSpPr/>
-        <p:nvPr/>
-      </p:nvGrpSpPr>
-      <p:grpSpPr>
-        <a:xfrm>
-          <a:off x="0" y="0"/>
-          <a:ext cx="0" cy="0"/>
-          <a:chOff x="0" y="0"/>
-          <a:chExt cx="0" cy="0"/>
-        </a:xfrm>
-      </p:grpSpPr>
-      <p:sp>
-        <p:nvSpPr>
-          <p:cNvPr id="161" name="Google Shape;161;g1e4423acacb_0_22:notes"/>
-          <p:cNvSpPr txBox="1">
-            <a:spLocks noGrp="1"/>
-          </p:cNvSpPr>
-          <p:nvPr>
-            <p:ph type="body" idx="1"/>
-          </p:nvPr>
-        </p:nvSpPr>
-        <p:spPr>
-          <a:xfrm>
-            <a:off x="685800" y="4343400"/>
-            <a:ext cx="5486400" cy="4114800"/>
-          </a:xfrm>
-          <a:prstGeom prst="rect">
-            <a:avLst/>
-          </a:prstGeom>
-        </p:spPr>
-        <p:txBody>
-          <a:bodyPr spcFirstLastPara="1" wrap="square" lIns="91425" tIns="91425" rIns="91425" bIns="91425" anchor="t" anchorCtr="0">
-            <a:noAutofit/>
-          </a:bodyPr>
-          <a:lstStyle/>
-          <a:p>
-            <a:pPr marL="0" lvl="0" indent="0" algn="l" rtl="0">
-              <a:spcBef>
-                <a:spcPts val="0"/>
-              </a:spcBef>
-              <a:spcAft>
-                <a:spcPts val="0"/>
-              </a:spcAft>
-              <a:buNone/>
-            </a:pPr>
-            <a:endParaRPr/>
-          </a:p>
-        </p:txBody>
-      </p:sp>
-      <p:sp>
-        <p:nvSpPr>
-          <p:cNvPr id="162" name="Google Shape;162;g1e4423acacb_0_22:notes"/>
-          <p:cNvSpPr>
-            <a:spLocks noGrp="1" noRot="1" noChangeAspect="1"/>
-          </p:cNvSpPr>
-          <p:nvPr>
-            <p:ph type="sldImg" idx="2"/>
-          </p:nvPr>
-        </p:nvSpPr>
-        <p:spPr>
-          <a:xfrm>
-            <a:off x="381000" y="685800"/>
-            <a:ext cx="6096000" cy="3429000"/>
-          </a:xfrm>
-          <a:custGeom>
-            <a:avLst/>
-            <a:gdLst/>
-            <a:ahLst/>
-            <a:cxnLst/>
-            <a:rect l="l" t="t" r="r" b="b"/>
-            <a:pathLst>
-              <a:path w="120000" h="120000" extrusionOk="0">
-                <a:moveTo>
-                  <a:pt x="0" y="0"/>
-                </a:moveTo>
-                <a:lnTo>
-                  <a:pt x="120000" y="0"/>
-                </a:lnTo>
-                <a:lnTo>
-                  <a:pt x="120000" y="120000"/>
-                </a:lnTo>
-                <a:lnTo>
-                  <a:pt x="0" y="120000"/>
-                </a:lnTo>
-                <a:close/>
-              </a:path>
-            </a:pathLst>
-          </a:custGeom>
-        </p:spPr>
-      </p:sp>
-    </p:spTree>
-    <p:extLst>
-      <p:ext uri="{BB962C8B-B14F-4D97-AF65-F5344CB8AC3E}">
-        <p14:creationId xmlns:p14="http://schemas.microsoft.com/office/powerpoint/2010/main" val="3895322572"/>
-      </p:ext>
-    </p:extLst>
-  </p:cSld>
-  <p:clrMapOvr>
-    <a:masterClrMapping/>
-  </p:clrMapOvr>
-</p:notes>
-</file>
-
-<file path=ppt/notesSlides/notesSlide13.xml><?xml version="1.0" encoding="utf-8"?>
-<p:notes xmlns:a="http://schemas.openxmlformats.org/drawingml/2006/main" xmlns:r="http://schemas.openxmlformats.org/officeDocument/2006/relationships" xmlns:p="http://schemas.openxmlformats.org/presentationml/2006/main" showMasterSp="0" showMasterPhAnim="0">
-  <p:cSld>
-    <p:spTree>
-      <p:nvGrpSpPr>
-        <p:cNvPr id="1" name="Shape 160"/>
-        <p:cNvGrpSpPr/>
-        <p:nvPr/>
-      </p:nvGrpSpPr>
-      <p:grpSpPr>
-        <a:xfrm>
-          <a:off x="0" y="0"/>
-          <a:ext cx="0" cy="0"/>
-          <a:chOff x="0" y="0"/>
-          <a:chExt cx="0" cy="0"/>
-        </a:xfrm>
-      </p:grpSpPr>
-      <p:sp>
-        <p:nvSpPr>
-          <p:cNvPr id="161" name="Google Shape;161;g1e4423acacb_0_22:notes"/>
-          <p:cNvSpPr txBox="1">
-            <a:spLocks noGrp="1"/>
-          </p:cNvSpPr>
-          <p:nvPr>
-            <p:ph type="body" idx="1"/>
-          </p:nvPr>
-        </p:nvSpPr>
-        <p:spPr>
-          <a:xfrm>
-            <a:off x="685800" y="4343400"/>
-            <a:ext cx="5486400" cy="4114800"/>
-          </a:xfrm>
-          <a:prstGeom prst="rect">
-            <a:avLst/>
-          </a:prstGeom>
-        </p:spPr>
-        <p:txBody>
-          <a:bodyPr spcFirstLastPara="1" wrap="square" lIns="91425" tIns="91425" rIns="91425" bIns="91425" anchor="t" anchorCtr="0">
-            <a:noAutofit/>
-          </a:bodyPr>
-          <a:lstStyle/>
-          <a:p>
-            <a:pPr marL="0" lvl="0" indent="0" algn="l" rtl="0">
-              <a:spcBef>
-                <a:spcPts val="0"/>
-              </a:spcBef>
-              <a:spcAft>
-                <a:spcPts val="0"/>
-              </a:spcAft>
-              <a:buNone/>
-            </a:pPr>
-            <a:endParaRPr/>
-          </a:p>
-        </p:txBody>
-      </p:sp>
-      <p:sp>
-        <p:nvSpPr>
-          <p:cNvPr id="162" name="Google Shape;162;g1e4423acacb_0_22:notes"/>
-          <p:cNvSpPr>
-            <a:spLocks noGrp="1" noRot="1" noChangeAspect="1"/>
-          </p:cNvSpPr>
-          <p:nvPr>
-            <p:ph type="sldImg" idx="2"/>
-          </p:nvPr>
-        </p:nvSpPr>
-        <p:spPr>
-          <a:xfrm>
-            <a:off x="381000" y="685800"/>
-            <a:ext cx="6096000" cy="3429000"/>
-          </a:xfrm>
-          <a:custGeom>
-            <a:avLst/>
-            <a:gdLst/>
-            <a:ahLst/>
-            <a:cxnLst/>
-            <a:rect l="l" t="t" r="r" b="b"/>
-            <a:pathLst>
-              <a:path w="120000" h="120000" extrusionOk="0">
-                <a:moveTo>
-                  <a:pt x="0" y="0"/>
-                </a:moveTo>
-                <a:lnTo>
-                  <a:pt x="120000" y="0"/>
-                </a:lnTo>
-                <a:lnTo>
-                  <a:pt x="120000" y="120000"/>
-                </a:lnTo>
-                <a:lnTo>
-                  <a:pt x="0" y="120000"/>
-                </a:lnTo>
-                <a:close/>
-              </a:path>
-            </a:pathLst>
-          </a:custGeom>
-        </p:spPr>
-      </p:sp>
-    </p:spTree>
-    <p:extLst>
-      <p:ext uri="{BB962C8B-B14F-4D97-AF65-F5344CB8AC3E}">
-        <p14:creationId xmlns:p14="http://schemas.microsoft.com/office/powerpoint/2010/main" val="386946584"/>
-      </p:ext>
-    </p:extLst>
-  </p:cSld>
-  <p:clrMapOvr>
-    <a:masterClrMapping/>
-  </p:clrMapOvr>
-</p:notes>
-</file>
-
-<file path=ppt/notesSlides/notesSlide14.xml><?xml version="1.0" encoding="utf-8"?>
-<p:notes xmlns:a="http://schemas.openxmlformats.org/drawingml/2006/main" xmlns:r="http://schemas.openxmlformats.org/officeDocument/2006/relationships" xmlns:p="http://schemas.openxmlformats.org/presentationml/2006/main" showMasterSp="0" showMasterPhAnim="0">
-  <p:cSld>
-    <p:spTree>
-      <p:nvGrpSpPr>
-        <p:cNvPr id="1" name="Shape 160"/>
-        <p:cNvGrpSpPr/>
-        <p:nvPr/>
-      </p:nvGrpSpPr>
-      <p:grpSpPr>
-        <a:xfrm>
-          <a:off x="0" y="0"/>
-          <a:ext cx="0" cy="0"/>
-          <a:chOff x="0" y="0"/>
-          <a:chExt cx="0" cy="0"/>
-        </a:xfrm>
-      </p:grpSpPr>
-      <p:sp>
-        <p:nvSpPr>
-          <p:cNvPr id="161" name="Google Shape;161;g1e4423acacb_0_22:notes"/>
-          <p:cNvSpPr txBox="1">
-            <a:spLocks noGrp="1"/>
-          </p:cNvSpPr>
-          <p:nvPr>
-            <p:ph type="body" idx="1"/>
-          </p:nvPr>
-        </p:nvSpPr>
-        <p:spPr>
-          <a:xfrm>
-            <a:off x="685800" y="4343400"/>
-            <a:ext cx="5486400" cy="4114800"/>
-          </a:xfrm>
-          <a:prstGeom prst="rect">
-            <a:avLst/>
-          </a:prstGeom>
-        </p:spPr>
-        <p:txBody>
-          <a:bodyPr spcFirstLastPara="1" wrap="square" lIns="91425" tIns="91425" rIns="91425" bIns="91425" anchor="t" anchorCtr="0">
-            <a:noAutofit/>
-          </a:bodyPr>
-          <a:lstStyle/>
-          <a:p>
-            <a:pPr marL="0" lvl="0" indent="0" algn="l" rtl="0">
-              <a:spcBef>
-                <a:spcPts val="0"/>
-              </a:spcBef>
-              <a:spcAft>
-                <a:spcPts val="0"/>
-              </a:spcAft>
-              <a:buNone/>
-            </a:pPr>
-            <a:endParaRPr/>
-          </a:p>
-        </p:txBody>
-      </p:sp>
-      <p:sp>
-        <p:nvSpPr>
-          <p:cNvPr id="162" name="Google Shape;162;g1e4423acacb_0_22:notes"/>
-          <p:cNvSpPr>
-            <a:spLocks noGrp="1" noRot="1" noChangeAspect="1"/>
-          </p:cNvSpPr>
-          <p:nvPr>
-            <p:ph type="sldImg" idx="2"/>
-          </p:nvPr>
-        </p:nvSpPr>
-        <p:spPr>
-          <a:xfrm>
-            <a:off x="381000" y="685800"/>
-            <a:ext cx="6096000" cy="3429000"/>
-          </a:xfrm>
-          <a:custGeom>
-            <a:avLst/>
-            <a:gdLst/>
-            <a:ahLst/>
-            <a:cxnLst/>
-            <a:rect l="l" t="t" r="r" b="b"/>
-            <a:pathLst>
-              <a:path w="120000" h="120000" extrusionOk="0">
-                <a:moveTo>
-                  <a:pt x="0" y="0"/>
-                </a:moveTo>
-                <a:lnTo>
-                  <a:pt x="120000" y="0"/>
-                </a:lnTo>
-                <a:lnTo>
-                  <a:pt x="120000" y="120000"/>
-                </a:lnTo>
-                <a:lnTo>
-                  <a:pt x="0" y="120000"/>
-                </a:lnTo>
-                <a:close/>
-              </a:path>
-            </a:pathLst>
-          </a:custGeom>
-        </p:spPr>
-      </p:sp>
-    </p:spTree>
-    <p:extLst>
-      <p:ext uri="{BB962C8B-B14F-4D97-AF65-F5344CB8AC3E}">
-        <p14:creationId xmlns:p14="http://schemas.microsoft.com/office/powerpoint/2010/main" val="54519327"/>
-      </p:ext>
-    </p:extLst>
-  </p:cSld>
-  <p:clrMapOvr>
-    <a:masterClrMapping/>
-  </p:clrMapOvr>
-</p:notes>
-</file>
-
-<file path=ppt/notesSlides/notesSlide15.xml><?xml version="1.0" encoding="utf-8"?>
-<p:notes xmlns:a="http://schemas.openxmlformats.org/drawingml/2006/main" xmlns:r="http://schemas.openxmlformats.org/officeDocument/2006/relationships" xmlns:p="http://schemas.openxmlformats.org/presentationml/2006/main" showMasterSp="0" showMasterPhAnim="0">
-  <p:cSld>
-    <p:spTree>
-      <p:nvGrpSpPr>
-        <p:cNvPr id="1" name="Shape 160"/>
-        <p:cNvGrpSpPr/>
-        <p:nvPr/>
-      </p:nvGrpSpPr>
-      <p:grpSpPr>
-        <a:xfrm>
-          <a:off x="0" y="0"/>
-          <a:ext cx="0" cy="0"/>
-          <a:chOff x="0" y="0"/>
-          <a:chExt cx="0" cy="0"/>
-        </a:xfrm>
-      </p:grpSpPr>
-      <p:sp>
-        <p:nvSpPr>
-          <p:cNvPr id="161" name="Google Shape;161;g1e4423acacb_0_22:notes"/>
-          <p:cNvSpPr txBox="1">
-            <a:spLocks noGrp="1"/>
-          </p:cNvSpPr>
-          <p:nvPr>
-            <p:ph type="body" idx="1"/>
-          </p:nvPr>
-        </p:nvSpPr>
-        <p:spPr>
-          <a:xfrm>
-            <a:off x="685800" y="4343400"/>
-            <a:ext cx="5486400" cy="4114800"/>
-          </a:xfrm>
-          <a:prstGeom prst="rect">
-            <a:avLst/>
-          </a:prstGeom>
-        </p:spPr>
-        <p:txBody>
-          <a:bodyPr spcFirstLastPara="1" wrap="square" lIns="91425" tIns="91425" rIns="91425" bIns="91425" anchor="t" anchorCtr="0">
-            <a:noAutofit/>
-          </a:bodyPr>
-          <a:lstStyle/>
-          <a:p>
-            <a:pPr marL="0" lvl="0" indent="0" algn="l" rtl="0">
-              <a:spcBef>
-                <a:spcPts val="0"/>
-              </a:spcBef>
-              <a:spcAft>
-                <a:spcPts val="0"/>
-              </a:spcAft>
-              <a:buNone/>
-            </a:pPr>
-            <a:endParaRPr/>
-          </a:p>
-        </p:txBody>
-      </p:sp>
-      <p:sp>
-        <p:nvSpPr>
-          <p:cNvPr id="162" name="Google Shape;162;g1e4423acacb_0_22:notes"/>
-          <p:cNvSpPr>
-            <a:spLocks noGrp="1" noRot="1" noChangeAspect="1"/>
-          </p:cNvSpPr>
-          <p:nvPr>
-            <p:ph type="sldImg" idx="2"/>
-          </p:nvPr>
-        </p:nvSpPr>
-        <p:spPr>
-          <a:xfrm>
-            <a:off x="381000" y="685800"/>
-            <a:ext cx="6096000" cy="3429000"/>
-          </a:xfrm>
-          <a:custGeom>
-            <a:avLst/>
-            <a:gdLst/>
-            <a:ahLst/>
-            <a:cxnLst/>
-            <a:rect l="l" t="t" r="r" b="b"/>
-            <a:pathLst>
-              <a:path w="120000" h="120000" extrusionOk="0">
-                <a:moveTo>
-                  <a:pt x="0" y="0"/>
-                </a:moveTo>
-                <a:lnTo>
-                  <a:pt x="120000" y="0"/>
-                </a:lnTo>
-                <a:lnTo>
-                  <a:pt x="120000" y="120000"/>
-                </a:lnTo>
-                <a:lnTo>
-                  <a:pt x="0" y="120000"/>
-                </a:lnTo>
-                <a:close/>
-              </a:path>
-            </a:pathLst>
-          </a:custGeom>
-        </p:spPr>
-      </p:sp>
-    </p:spTree>
-    <p:extLst>
-      <p:ext uri="{BB962C8B-B14F-4D97-AF65-F5344CB8AC3E}">
-        <p14:creationId xmlns:p14="http://schemas.microsoft.com/office/powerpoint/2010/main" val="618245954"/>
-      </p:ext>
-    </p:extLst>
-  </p:cSld>
-  <p:clrMapOvr>
-    <a:masterClrMapping/>
-  </p:clrMapOvr>
-</p:notes>
-</file>
-
-<file path=ppt/notesSlides/notesSlide16.xml><?xml version="1.0" encoding="utf-8"?>
-<p:notes xmlns:a="http://schemas.openxmlformats.org/drawingml/2006/main" xmlns:r="http://schemas.openxmlformats.org/officeDocument/2006/relationships" xmlns:p="http://schemas.openxmlformats.org/presentationml/2006/main" showMasterSp="0" showMasterPhAnim="0">
-  <p:cSld>
-    <p:spTree>
-      <p:nvGrpSpPr>
-        <p:cNvPr id="1" name="Shape 160"/>
-        <p:cNvGrpSpPr/>
-        <p:nvPr/>
-      </p:nvGrpSpPr>
-      <p:grpSpPr>
-        <a:xfrm>
-          <a:off x="0" y="0"/>
-          <a:ext cx="0" cy="0"/>
-          <a:chOff x="0" y="0"/>
-          <a:chExt cx="0" cy="0"/>
-        </a:xfrm>
-      </p:grpSpPr>
-      <p:sp>
-        <p:nvSpPr>
-          <p:cNvPr id="161" name="Google Shape;161;g1e4423acacb_0_22:notes"/>
-          <p:cNvSpPr txBox="1">
-            <a:spLocks noGrp="1"/>
-          </p:cNvSpPr>
-          <p:nvPr>
-            <p:ph type="body" idx="1"/>
-          </p:nvPr>
-        </p:nvSpPr>
-        <p:spPr>
-          <a:xfrm>
-            <a:off x="685800" y="4343400"/>
-            <a:ext cx="5486400" cy="4114800"/>
-          </a:xfrm>
-          <a:prstGeom prst="rect">
-            <a:avLst/>
-          </a:prstGeom>
-        </p:spPr>
-        <p:txBody>
-          <a:bodyPr spcFirstLastPara="1" wrap="square" lIns="91425" tIns="91425" rIns="91425" bIns="91425" anchor="t" anchorCtr="0">
-            <a:noAutofit/>
-          </a:bodyPr>
-          <a:lstStyle/>
-          <a:p>
-            <a:pPr marL="0" lvl="0" indent="0" algn="l" rtl="0">
-              <a:spcBef>
-                <a:spcPts val="0"/>
-              </a:spcBef>
-              <a:spcAft>
-                <a:spcPts val="0"/>
-              </a:spcAft>
-              <a:buNone/>
-            </a:pPr>
-            <a:endParaRPr/>
-          </a:p>
-        </p:txBody>
-      </p:sp>
-      <p:sp>
-        <p:nvSpPr>
-          <p:cNvPr id="162" name="Google Shape;162;g1e4423acacb_0_22:notes"/>
-          <p:cNvSpPr>
-            <a:spLocks noGrp="1" noRot="1" noChangeAspect="1"/>
-          </p:cNvSpPr>
-          <p:nvPr>
-            <p:ph type="sldImg" idx="2"/>
-          </p:nvPr>
-        </p:nvSpPr>
-        <p:spPr>
-          <a:xfrm>
-            <a:off x="381000" y="685800"/>
-            <a:ext cx="6096000" cy="3429000"/>
-          </a:xfrm>
-          <a:custGeom>
-            <a:avLst/>
-            <a:gdLst/>
-            <a:ahLst/>
-            <a:cxnLst/>
-            <a:rect l="l" t="t" r="r" b="b"/>
-            <a:pathLst>
-              <a:path w="120000" h="120000" extrusionOk="0">
-                <a:moveTo>
-                  <a:pt x="0" y="0"/>
-                </a:moveTo>
-                <a:lnTo>
-                  <a:pt x="120000" y="0"/>
-                </a:lnTo>
-                <a:lnTo>
-                  <a:pt x="120000" y="120000"/>
-                </a:lnTo>
-                <a:lnTo>
-                  <a:pt x="0" y="120000"/>
-                </a:lnTo>
-                <a:close/>
-              </a:path>
-            </a:pathLst>
-          </a:custGeom>
-        </p:spPr>
-      </p:sp>
-    </p:spTree>
-    <p:extLst>
-      <p:ext uri="{BB962C8B-B14F-4D97-AF65-F5344CB8AC3E}">
-        <p14:creationId xmlns:p14="http://schemas.microsoft.com/office/powerpoint/2010/main" val="2024038408"/>
-      </p:ext>
-    </p:extLst>
-  </p:cSld>
-  <p:clrMapOvr>
-    <a:masterClrMapping/>
-  </p:clrMapOvr>
-</p:notes>
-</file>
-
-<file path=ppt/notesSlides/notesSlide17.xml><?xml version="1.0" encoding="utf-8"?>
-<p:notes xmlns:a="http://schemas.openxmlformats.org/drawingml/2006/main" xmlns:r="http://schemas.openxmlformats.org/officeDocument/2006/relationships" xmlns:p="http://schemas.openxmlformats.org/presentationml/2006/main" showMasterSp="0" showMasterPhAnim="0">
-  <p:cSld>
-    <p:spTree>
-      <p:nvGrpSpPr>
-        <p:cNvPr id="1" name="Shape 170"/>
-        <p:cNvGrpSpPr/>
-        <p:nvPr/>
-      </p:nvGrpSpPr>
-      <p:grpSpPr>
-        <a:xfrm>
-          <a:off x="0" y="0"/>
-          <a:ext cx="0" cy="0"/>
-          <a:chOff x="0" y="0"/>
-          <a:chExt cx="0" cy="0"/>
-        </a:xfrm>
-      </p:grpSpPr>
-      <p:sp>
-        <p:nvSpPr>
-          <p:cNvPr id="171" name="Google Shape;171;p9:notes"/>
-          <p:cNvSpPr txBox="1">
-            <a:spLocks noGrp="1"/>
-          </p:cNvSpPr>
-          <p:nvPr>
-            <p:ph type="body" idx="1"/>
-          </p:nvPr>
-        </p:nvSpPr>
-        <p:spPr>
-          <a:xfrm>
-            <a:off x="685800" y="4343400"/>
-            <a:ext cx="5486400" cy="4114800"/>
-          </a:xfrm>
-          <a:prstGeom prst="rect">
-            <a:avLst/>
-          </a:prstGeom>
-        </p:spPr>
-        <p:txBody>
-          <a:bodyPr spcFirstLastPara="1" wrap="square" lIns="91425" tIns="91425" rIns="91425" bIns="91425" anchor="t" anchorCtr="0">
-            <a:noAutofit/>
-          </a:bodyPr>
-          <a:lstStyle/>
-          <a:p>
-            <a:pPr marL="0" lvl="0" indent="0" algn="l" rtl="0">
-              <a:spcBef>
-                <a:spcPts val="0"/>
-              </a:spcBef>
-              <a:spcAft>
-                <a:spcPts val="0"/>
-              </a:spcAft>
-              <a:buNone/>
-            </a:pPr>
-            <a:endParaRPr/>
-          </a:p>
-        </p:txBody>
-      </p:sp>
-      <p:sp>
-        <p:nvSpPr>
-          <p:cNvPr id="172" name="Google Shape;172;p9:notes"/>
-          <p:cNvSpPr>
-            <a:spLocks noGrp="1" noRot="1" noChangeAspect="1"/>
-          </p:cNvSpPr>
-          <p:nvPr>
-            <p:ph type="sldImg" idx="2"/>
-          </p:nvPr>
-        </p:nvSpPr>
-        <p:spPr>
-          <a:xfrm>
-            <a:off x="381000" y="685800"/>
-            <a:ext cx="6096000" cy="3429000"/>
-          </a:xfrm>
-          <a:custGeom>
-            <a:avLst/>
-            <a:gdLst/>
-            <a:ahLst/>
-            <a:cxnLst/>
-            <a:rect l="l" t="t" r="r" b="b"/>
-            <a:pathLst>
-              <a:path w="120000" h="120000" extrusionOk="0">
-                <a:moveTo>
-                  <a:pt x="0" y="0"/>
-                </a:moveTo>
-                <a:lnTo>
-                  <a:pt x="120000" y="0"/>
-                </a:lnTo>
-                <a:lnTo>
-                  <a:pt x="120000" y="120000"/>
-                </a:lnTo>
-                <a:lnTo>
-                  <a:pt x="0" y="120000"/>
-                </a:lnTo>
-                <a:close/>
-              </a:path>
-            </a:pathLst>
-          </a:custGeom>
-        </p:spPr>
-      </p:sp>
-    </p:spTree>
-  </p:cSld>
-  <p:clrMapOvr>
-    <a:masterClrMapping/>
-  </p:clrMapOvr>
-</p:notes>
-</file>
-
-<file path=ppt/notesSlides/notesSlide18.xml><?xml version="1.0" encoding="utf-8"?>
-<p:notes xmlns:a="http://schemas.openxmlformats.org/drawingml/2006/main" xmlns:r="http://schemas.openxmlformats.org/officeDocument/2006/relationships" xmlns:p="http://schemas.openxmlformats.org/presentationml/2006/main" showMasterSp="0" showMasterPhAnim="0">
-  <p:cSld>
-    <p:spTree>
-      <p:nvGrpSpPr>
-        <p:cNvPr id="1" name="Shape 183"/>
-        <p:cNvGrpSpPr/>
-        <p:nvPr/>
-      </p:nvGrpSpPr>
-      <p:grpSpPr>
-        <a:xfrm>
-          <a:off x="0" y="0"/>
-          <a:ext cx="0" cy="0"/>
-          <a:chOff x="0" y="0"/>
-          <a:chExt cx="0" cy="0"/>
-        </a:xfrm>
-      </p:grpSpPr>
-      <p:sp>
-        <p:nvSpPr>
-          <p:cNvPr id="184" name="Google Shape;184;p10:notes"/>
-          <p:cNvSpPr txBox="1">
-            <a:spLocks noGrp="1"/>
-          </p:cNvSpPr>
-          <p:nvPr>
-            <p:ph type="body" idx="1"/>
-          </p:nvPr>
-        </p:nvSpPr>
-        <p:spPr>
-          <a:xfrm>
-            <a:off x="685800" y="4343400"/>
-            <a:ext cx="5486400" cy="4114800"/>
-          </a:xfrm>
-          <a:prstGeom prst="rect">
-            <a:avLst/>
-          </a:prstGeom>
-        </p:spPr>
-        <p:txBody>
-          <a:bodyPr spcFirstLastPara="1" wrap="square" lIns="91425" tIns="91425" rIns="91425" bIns="91425" anchor="t" anchorCtr="0">
-            <a:noAutofit/>
-          </a:bodyPr>
-          <a:lstStyle/>
-          <a:p>
-            <a:pPr marL="0" lvl="0" indent="0" algn="l" rtl="0">
-              <a:spcBef>
-                <a:spcPts val="0"/>
-              </a:spcBef>
-              <a:spcAft>
-                <a:spcPts val="0"/>
-              </a:spcAft>
-              <a:buNone/>
-            </a:pPr>
-            <a:endParaRPr/>
-          </a:p>
-        </p:txBody>
-      </p:sp>
-      <p:sp>
-        <p:nvSpPr>
-          <p:cNvPr id="185" name="Google Shape;185;p10:notes"/>
-          <p:cNvSpPr>
-            <a:spLocks noGrp="1" noRot="1" noChangeAspect="1"/>
-          </p:cNvSpPr>
-          <p:nvPr>
-            <p:ph type="sldImg" idx="2"/>
-          </p:nvPr>
-        </p:nvSpPr>
-        <p:spPr>
-          <a:xfrm>
-            <a:off x="381000" y="685800"/>
-            <a:ext cx="6096000" cy="3429000"/>
-          </a:xfrm>
-          <a:custGeom>
-            <a:avLst/>
-            <a:gdLst/>
-            <a:ahLst/>
-            <a:cxnLst/>
-            <a:rect l="l" t="t" r="r" b="b"/>
-            <a:pathLst>
-              <a:path w="120000" h="120000" extrusionOk="0">
-                <a:moveTo>
-                  <a:pt x="0" y="0"/>
-                </a:moveTo>
-                <a:lnTo>
-                  <a:pt x="120000" y="0"/>
-                </a:lnTo>
-                <a:lnTo>
-                  <a:pt x="120000" y="120000"/>
-                </a:lnTo>
-                <a:lnTo>
-                  <a:pt x="0" y="120000"/>
-                </a:lnTo>
-                <a:close/>
-              </a:path>
-            </a:pathLst>
-          </a:custGeom>
-        </p:spPr>
-      </p:sp>
-    </p:spTree>
-  </p:cSld>
-  <p:clrMapOvr>
-    <a:masterClrMapping/>
-  </p:clrMapOvr>
-</p:notes>
-</file>
-
-<file path=ppt/notesSlides/notesSlide19.xml><?xml version="1.0" encoding="utf-8"?>
-<p:notes xmlns:a="http://schemas.openxmlformats.org/drawingml/2006/main" xmlns:r="http://schemas.openxmlformats.org/officeDocument/2006/relationships" xmlns:p="http://schemas.openxmlformats.org/presentationml/2006/main" showMasterSp="0" showMasterPhAnim="0">
-  <p:cSld>
-    <p:spTree>
-      <p:nvGrpSpPr>
-        <p:cNvPr id="1" name="Shape 193"/>
-        <p:cNvGrpSpPr/>
-        <p:nvPr/>
-      </p:nvGrpSpPr>
-      <p:grpSpPr>
-        <a:xfrm>
-          <a:off x="0" y="0"/>
-          <a:ext cx="0" cy="0"/>
-          <a:chOff x="0" y="0"/>
-          <a:chExt cx="0" cy="0"/>
-        </a:xfrm>
-      </p:grpSpPr>
-      <p:sp>
-        <p:nvSpPr>
-          <p:cNvPr id="194" name="Google Shape;194;p11:notes"/>
-          <p:cNvSpPr txBox="1">
-            <a:spLocks noGrp="1"/>
-          </p:cNvSpPr>
-          <p:nvPr>
-            <p:ph type="body" idx="1"/>
-          </p:nvPr>
-        </p:nvSpPr>
-        <p:spPr>
-          <a:xfrm>
-            <a:off x="685800" y="4343400"/>
-            <a:ext cx="5486400" cy="4114800"/>
-          </a:xfrm>
-          <a:prstGeom prst="rect">
-            <a:avLst/>
-          </a:prstGeom>
-        </p:spPr>
-        <p:txBody>
-          <a:bodyPr spcFirstLastPara="1" wrap="square" lIns="91425" tIns="91425" rIns="91425" bIns="91425" anchor="t" anchorCtr="0">
-            <a:noAutofit/>
-          </a:bodyPr>
-          <a:lstStyle/>
-          <a:p>
-            <a:pPr marL="0" lvl="0" indent="0" algn="l" rtl="0">
-              <a:spcBef>
-                <a:spcPts val="0"/>
-              </a:spcBef>
-              <a:spcAft>
-                <a:spcPts val="0"/>
-              </a:spcAft>
-              <a:buNone/>
-            </a:pPr>
-            <a:endParaRPr/>
-          </a:p>
-        </p:txBody>
-      </p:sp>
-      <p:sp>
-        <p:nvSpPr>
-          <p:cNvPr id="195" name="Google Shape;195;p11:notes"/>
-          <p:cNvSpPr>
-            <a:spLocks noGrp="1" noRot="1" noChangeAspect="1"/>
-          </p:cNvSpPr>
-          <p:nvPr>
-            <p:ph type="sldImg" idx="2"/>
-          </p:nvPr>
-        </p:nvSpPr>
-        <p:spPr>
-          <a:xfrm>
-            <a:off x="381000" y="685800"/>
-            <a:ext cx="6096000" cy="3429000"/>
-          </a:xfrm>
-          <a:custGeom>
-            <a:avLst/>
-            <a:gdLst/>
-            <a:ahLst/>
-            <a:cxnLst/>
-            <a:rect l="l" t="t" r="r" b="b"/>
-            <a:pathLst>
-              <a:path w="120000" h="120000" extrusionOk="0">
-                <a:moveTo>
-                  <a:pt x="0" y="0"/>
-                </a:moveTo>
-                <a:lnTo>
-                  <a:pt x="120000" y="0"/>
-                </a:lnTo>
-                <a:lnTo>
-                  <a:pt x="120000" y="120000"/>
-                </a:lnTo>
-                <a:lnTo>
-                  <a:pt x="0" y="120000"/>
-                </a:lnTo>
-                <a:close/>
-              </a:path>
-            </a:pathLst>
-          </a:custGeom>
-        </p:spPr>
-      </p:sp>
-    </p:spTree>
-  </p:cSld>
-  <p:clrMapOvr>
-    <a:masterClrMapping/>
-  </p:clrMapOvr>
-</p:notes>
-</file>
-
 <file path=ppt/notesSlides/notesSlide2.xml><?xml version="1.0" encoding="utf-8"?>
 <p:notes xmlns:a="http://schemas.openxmlformats.org/drawingml/2006/main" xmlns:r="http://schemas.openxmlformats.org/officeDocument/2006/relationships" xmlns:p="http://schemas.openxmlformats.org/presentationml/2006/main" showMasterSp="0" showMasterPhAnim="0">
   <p:cSld>
@@ -2442,7 +1357,7 @@
   <p:cSld>
     <p:spTree>
       <p:nvGrpSpPr>
-        <p:cNvPr id="1" name="Shape 160"/>
+        <p:cNvPr id="1" name="Shape 170"/>
         <p:cNvGrpSpPr/>
         <p:nvPr/>
       </p:nvGrpSpPr>
@@ -2456,7 +1371,7 @@
       </p:grpSpPr>
       <p:sp>
         <p:nvSpPr>
-          <p:cNvPr id="161" name="Google Shape;161;g1e4423acacb_0_22:notes"/>
+          <p:cNvPr id="171" name="Google Shape;171;p9:notes"/>
           <p:cNvSpPr txBox="1">
             <a:spLocks noGrp="1"/>
           </p:cNvSpPr>
@@ -2494,7 +1409,7 @@
       </p:sp>
       <p:sp>
         <p:nvSpPr>
-          <p:cNvPr id="162" name="Google Shape;162;g1e4423acacb_0_22:notes"/>
+          <p:cNvPr id="172" name="Google Shape;172;p9:notes"/>
           <p:cNvSpPr>
             <a:spLocks noGrp="1" noRot="1" noChangeAspect="1"/>
           </p:cNvSpPr>
@@ -2546,7 +1461,7 @@
   <p:cSld>
     <p:spTree>
       <p:nvGrpSpPr>
-        <p:cNvPr id="1" name="Shape 160"/>
+        <p:cNvPr id="1" name="Shape 183"/>
         <p:cNvGrpSpPr/>
         <p:nvPr/>
       </p:nvGrpSpPr>
@@ -2560,7 +1475,7 @@
       </p:grpSpPr>
       <p:sp>
         <p:nvSpPr>
-          <p:cNvPr id="161" name="Google Shape;161;g1e4423acacb_0_22:notes"/>
+          <p:cNvPr id="184" name="Google Shape;184;p10:notes"/>
           <p:cNvSpPr txBox="1">
             <a:spLocks noGrp="1"/>
           </p:cNvSpPr>
@@ -2598,7 +1513,7 @@
       </p:sp>
       <p:sp>
         <p:nvSpPr>
-          <p:cNvPr id="162" name="Google Shape;162;g1e4423acacb_0_22:notes"/>
+          <p:cNvPr id="185" name="Google Shape;185;p10:notes"/>
           <p:cNvSpPr>
             <a:spLocks noGrp="1" noRot="1" noChangeAspect="1"/>
           </p:cNvSpPr>
@@ -2638,11 +1553,6 @@
         </p:spPr>
       </p:sp>
     </p:spTree>
-    <p:extLst>
-      <p:ext uri="{BB962C8B-B14F-4D97-AF65-F5344CB8AC3E}">
-        <p14:creationId xmlns:p14="http://schemas.microsoft.com/office/powerpoint/2010/main" val="961297452"/>
-      </p:ext>
-    </p:extLst>
   </p:cSld>
   <p:clrMapOvr>
     <a:masterClrMapping/>
@@ -2655,7 +1565,7 @@
   <p:cSld>
     <p:spTree>
       <p:nvGrpSpPr>
-        <p:cNvPr id="1" name="Shape 160"/>
+        <p:cNvPr id="1" name="Shape 193"/>
         <p:cNvGrpSpPr/>
         <p:nvPr/>
       </p:nvGrpSpPr>
@@ -2669,7 +1579,7 @@
       </p:grpSpPr>
       <p:sp>
         <p:nvSpPr>
-          <p:cNvPr id="161" name="Google Shape;161;g1e4423acacb_0_22:notes"/>
+          <p:cNvPr id="194" name="Google Shape;194;p11:notes"/>
           <p:cNvSpPr txBox="1">
             <a:spLocks noGrp="1"/>
           </p:cNvSpPr>
@@ -2707,7 +1617,7 @@
       </p:sp>
       <p:sp>
         <p:nvSpPr>
-          <p:cNvPr id="162" name="Google Shape;162;g1e4423acacb_0_22:notes"/>
+          <p:cNvPr id="195" name="Google Shape;195;p11:notes"/>
           <p:cNvSpPr>
             <a:spLocks noGrp="1" noRot="1" noChangeAspect="1"/>
           </p:cNvSpPr>
@@ -2747,11 +1657,6 @@
         </p:spPr>
       </p:sp>
     </p:spTree>
-    <p:extLst>
-      <p:ext uri="{BB962C8B-B14F-4D97-AF65-F5344CB8AC3E}">
-        <p14:creationId xmlns:p14="http://schemas.microsoft.com/office/powerpoint/2010/main" val="3868721764"/>
-      </p:ext>
-    </p:extLst>
   </p:cSld>
   <p:clrMapOvr>
     <a:masterClrMapping/>
@@ -13297,2640 +12202,6 @@
           </a:ln>
         </p:spPr>
       </p:pic>
-      <p:pic>
-        <p:nvPicPr>
-          <p:cNvPr id="3" name="Imagem 2">
-            <a:extLst>
-              <a:ext uri="{FF2B5EF4-FFF2-40B4-BE49-F238E27FC236}">
-                <a16:creationId xmlns:a16="http://schemas.microsoft.com/office/drawing/2014/main" id="{38DF0B1B-A4AD-DDFA-D589-0EFA5982405A}"/>
-              </a:ext>
-            </a:extLst>
-          </p:cNvPr>
-          <p:cNvPicPr>
-            <a:picLocks noChangeAspect="1"/>
-          </p:cNvPicPr>
-          <p:nvPr/>
-        </p:nvPicPr>
-        <p:blipFill>
-          <a:blip r:embed="rId5"/>
-          <a:stretch>
-            <a:fillRect/>
-          </a:stretch>
-        </p:blipFill>
-        <p:spPr>
-          <a:xfrm>
-            <a:off x="12075889" y="8620125"/>
-            <a:ext cx="5792838" cy="1448210"/>
-          </a:xfrm>
-          <a:prstGeom prst="rect">
-            <a:avLst/>
-          </a:prstGeom>
-        </p:spPr>
-      </p:pic>
-    </p:spTree>
-  </p:cSld>
-  <p:clrMapOvr>
-    <a:masterClrMapping/>
-  </p:clrMapOvr>
-</p:sld>
-</file>
-
-<file path=ppt/slides/slide10.xml><?xml version="1.0" encoding="utf-8"?>
-<p:sld xmlns:a="http://schemas.openxmlformats.org/drawingml/2006/main" xmlns:r="http://schemas.openxmlformats.org/officeDocument/2006/relationships" xmlns:p="http://schemas.openxmlformats.org/presentationml/2006/main">
-  <p:cSld>
-    <p:spTree>
-      <p:nvGrpSpPr>
-        <p:cNvPr id="1" name="Shape 163"/>
-        <p:cNvGrpSpPr/>
-        <p:nvPr/>
-      </p:nvGrpSpPr>
-      <p:grpSpPr>
-        <a:xfrm>
-          <a:off x="0" y="0"/>
-          <a:ext cx="0" cy="0"/>
-          <a:chOff x="0" y="0"/>
-          <a:chExt cx="0" cy="0"/>
-        </a:xfrm>
-      </p:grpSpPr>
-      <p:pic>
-        <p:nvPicPr>
-          <p:cNvPr id="4" name="Imagem 3">
-            <a:extLst>
-              <a:ext uri="{FF2B5EF4-FFF2-40B4-BE49-F238E27FC236}">
-                <a16:creationId xmlns:a16="http://schemas.microsoft.com/office/drawing/2014/main" id="{2CC58624-4F66-6124-5B50-AE7E04C02916}"/>
-              </a:ext>
-            </a:extLst>
-          </p:cNvPr>
-          <p:cNvPicPr>
-            <a:picLocks noChangeAspect="1"/>
-          </p:cNvPicPr>
-          <p:nvPr/>
-        </p:nvPicPr>
-        <p:blipFill>
-          <a:blip r:embed="rId3"/>
-          <a:stretch>
-            <a:fillRect/>
-          </a:stretch>
-        </p:blipFill>
-        <p:spPr>
-          <a:xfrm>
-            <a:off x="-741721" y="-110067"/>
-            <a:ext cx="19466436" cy="10507134"/>
-          </a:xfrm>
-          <a:prstGeom prst="rect">
-            <a:avLst/>
-          </a:prstGeom>
-        </p:spPr>
-      </p:pic>
-    </p:spTree>
-    <p:extLst>
-      <p:ext uri="{BB962C8B-B14F-4D97-AF65-F5344CB8AC3E}">
-        <p14:creationId xmlns:p14="http://schemas.microsoft.com/office/powerpoint/2010/main" val="2295930307"/>
-      </p:ext>
-    </p:extLst>
-  </p:cSld>
-  <p:clrMapOvr>
-    <a:masterClrMapping/>
-  </p:clrMapOvr>
-</p:sld>
-</file>
-
-<file path=ppt/slides/slide11.xml><?xml version="1.0" encoding="utf-8"?>
-<p:sld xmlns:a="http://schemas.openxmlformats.org/drawingml/2006/main" xmlns:r="http://schemas.openxmlformats.org/officeDocument/2006/relationships" xmlns:p="http://schemas.openxmlformats.org/presentationml/2006/main">
-  <p:cSld>
-    <p:spTree>
-      <p:nvGrpSpPr>
-        <p:cNvPr id="1" name="Shape 163"/>
-        <p:cNvGrpSpPr/>
-        <p:nvPr/>
-      </p:nvGrpSpPr>
-      <p:grpSpPr>
-        <a:xfrm>
-          <a:off x="0" y="0"/>
-          <a:ext cx="0" cy="0"/>
-          <a:chOff x="0" y="0"/>
-          <a:chExt cx="0" cy="0"/>
-        </a:xfrm>
-      </p:grpSpPr>
-      <p:pic>
-        <p:nvPicPr>
-          <p:cNvPr id="4" name="Imagem 3">
-            <a:extLst>
-              <a:ext uri="{FF2B5EF4-FFF2-40B4-BE49-F238E27FC236}">
-                <a16:creationId xmlns:a16="http://schemas.microsoft.com/office/drawing/2014/main" id="{6CCFD449-A97C-3DAB-4014-43B4C69EE2E8}"/>
-              </a:ext>
-            </a:extLst>
-          </p:cNvPr>
-          <p:cNvPicPr>
-            <a:picLocks noChangeAspect="1"/>
-          </p:cNvPicPr>
-          <p:nvPr/>
-        </p:nvPicPr>
-        <p:blipFill>
-          <a:blip r:embed="rId3"/>
-          <a:stretch>
-            <a:fillRect/>
-          </a:stretch>
-        </p:blipFill>
-        <p:spPr>
-          <a:xfrm>
-            <a:off x="-413426" y="0"/>
-            <a:ext cx="18870759" cy="10287000"/>
-          </a:xfrm>
-          <a:prstGeom prst="rect">
-            <a:avLst/>
-          </a:prstGeom>
-        </p:spPr>
-      </p:pic>
-    </p:spTree>
-    <p:extLst>
-      <p:ext uri="{BB962C8B-B14F-4D97-AF65-F5344CB8AC3E}">
-        <p14:creationId xmlns:p14="http://schemas.microsoft.com/office/powerpoint/2010/main" val="1150204869"/>
-      </p:ext>
-    </p:extLst>
-  </p:cSld>
-  <p:clrMapOvr>
-    <a:masterClrMapping/>
-  </p:clrMapOvr>
-</p:sld>
-</file>
-
-<file path=ppt/slides/slide12.xml><?xml version="1.0" encoding="utf-8"?>
-<p:sld xmlns:a="http://schemas.openxmlformats.org/drawingml/2006/main" xmlns:r="http://schemas.openxmlformats.org/officeDocument/2006/relationships" xmlns:p="http://schemas.openxmlformats.org/presentationml/2006/main">
-  <p:cSld>
-    <p:spTree>
-      <p:nvGrpSpPr>
-        <p:cNvPr id="1" name="Shape 163"/>
-        <p:cNvGrpSpPr/>
-        <p:nvPr/>
-      </p:nvGrpSpPr>
-      <p:grpSpPr>
-        <a:xfrm>
-          <a:off x="0" y="0"/>
-          <a:ext cx="0" cy="0"/>
-          <a:chOff x="0" y="0"/>
-          <a:chExt cx="0" cy="0"/>
-        </a:xfrm>
-      </p:grpSpPr>
-      <p:pic>
-        <p:nvPicPr>
-          <p:cNvPr id="4" name="Imagem 3">
-            <a:extLst>
-              <a:ext uri="{FF2B5EF4-FFF2-40B4-BE49-F238E27FC236}">
-                <a16:creationId xmlns:a16="http://schemas.microsoft.com/office/drawing/2014/main" id="{7E937D4F-24A5-77E4-3B74-40612690AEE0}"/>
-              </a:ext>
-            </a:extLst>
-          </p:cNvPr>
-          <p:cNvPicPr>
-            <a:picLocks noChangeAspect="1"/>
-          </p:cNvPicPr>
-          <p:nvPr/>
-        </p:nvPicPr>
-        <p:blipFill>
-          <a:blip r:embed="rId3"/>
-          <a:stretch>
-            <a:fillRect/>
-          </a:stretch>
-        </p:blipFill>
-        <p:spPr>
-          <a:xfrm>
-            <a:off x="-528414" y="0"/>
-            <a:ext cx="19222814" cy="10287000"/>
-          </a:xfrm>
-          <a:prstGeom prst="rect">
-            <a:avLst/>
-          </a:prstGeom>
-        </p:spPr>
-      </p:pic>
-    </p:spTree>
-    <p:extLst>
-      <p:ext uri="{BB962C8B-B14F-4D97-AF65-F5344CB8AC3E}">
-        <p14:creationId xmlns:p14="http://schemas.microsoft.com/office/powerpoint/2010/main" val="2612541022"/>
-      </p:ext>
-    </p:extLst>
-  </p:cSld>
-  <p:clrMapOvr>
-    <a:masterClrMapping/>
-  </p:clrMapOvr>
-</p:sld>
-</file>
-
-<file path=ppt/slides/slide13.xml><?xml version="1.0" encoding="utf-8"?>
-<p:sld xmlns:a="http://schemas.openxmlformats.org/drawingml/2006/main" xmlns:r="http://schemas.openxmlformats.org/officeDocument/2006/relationships" xmlns:p="http://schemas.openxmlformats.org/presentationml/2006/main">
-  <p:cSld>
-    <p:spTree>
-      <p:nvGrpSpPr>
-        <p:cNvPr id="1" name="Shape 163"/>
-        <p:cNvGrpSpPr/>
-        <p:nvPr/>
-      </p:nvGrpSpPr>
-      <p:grpSpPr>
-        <a:xfrm>
-          <a:off x="0" y="0"/>
-          <a:ext cx="0" cy="0"/>
-          <a:chOff x="0" y="0"/>
-          <a:chExt cx="0" cy="0"/>
-        </a:xfrm>
-      </p:grpSpPr>
-      <p:pic>
-        <p:nvPicPr>
-          <p:cNvPr id="4" name="Imagem 3">
-            <a:extLst>
-              <a:ext uri="{FF2B5EF4-FFF2-40B4-BE49-F238E27FC236}">
-                <a16:creationId xmlns:a16="http://schemas.microsoft.com/office/drawing/2014/main" id="{EFCC69E3-FCFC-3E26-A2A4-0F80C1FE8C90}"/>
-              </a:ext>
-            </a:extLst>
-          </p:cNvPr>
-          <p:cNvPicPr>
-            <a:picLocks noChangeAspect="1"/>
-          </p:cNvPicPr>
-          <p:nvPr/>
-        </p:nvPicPr>
-        <p:blipFill>
-          <a:blip r:embed="rId3"/>
-          <a:stretch>
-            <a:fillRect/>
-          </a:stretch>
-        </p:blipFill>
-        <p:spPr>
-          <a:xfrm>
-            <a:off x="-372929" y="-1"/>
-            <a:ext cx="18660929" cy="10287002"/>
-          </a:xfrm>
-          <a:prstGeom prst="rect">
-            <a:avLst/>
-          </a:prstGeom>
-        </p:spPr>
-      </p:pic>
-    </p:spTree>
-    <p:extLst>
-      <p:ext uri="{BB962C8B-B14F-4D97-AF65-F5344CB8AC3E}">
-        <p14:creationId xmlns:p14="http://schemas.microsoft.com/office/powerpoint/2010/main" val="766099489"/>
-      </p:ext>
-    </p:extLst>
-  </p:cSld>
-  <p:clrMapOvr>
-    <a:masterClrMapping/>
-  </p:clrMapOvr>
-</p:sld>
-</file>
-
-<file path=ppt/slides/slide14.xml><?xml version="1.0" encoding="utf-8"?>
-<p:sld xmlns:a="http://schemas.openxmlformats.org/drawingml/2006/main" xmlns:r="http://schemas.openxmlformats.org/officeDocument/2006/relationships" xmlns:p="http://schemas.openxmlformats.org/presentationml/2006/main">
-  <p:cSld>
-    <p:spTree>
-      <p:nvGrpSpPr>
-        <p:cNvPr id="1" name="Shape 163"/>
-        <p:cNvGrpSpPr/>
-        <p:nvPr/>
-      </p:nvGrpSpPr>
-      <p:grpSpPr>
-        <a:xfrm>
-          <a:off x="0" y="0"/>
-          <a:ext cx="0" cy="0"/>
-          <a:chOff x="0" y="0"/>
-          <a:chExt cx="0" cy="0"/>
-        </a:xfrm>
-      </p:grpSpPr>
-      <p:pic>
-        <p:nvPicPr>
-          <p:cNvPr id="4" name="Imagem 3">
-            <a:extLst>
-              <a:ext uri="{FF2B5EF4-FFF2-40B4-BE49-F238E27FC236}">
-                <a16:creationId xmlns:a16="http://schemas.microsoft.com/office/drawing/2014/main" id="{96302D34-ADD4-A414-1CE6-AE0C5748BEF9}"/>
-              </a:ext>
-            </a:extLst>
-          </p:cNvPr>
-          <p:cNvPicPr>
-            <a:picLocks noChangeAspect="1"/>
-          </p:cNvPicPr>
-          <p:nvPr/>
-        </p:nvPicPr>
-        <p:blipFill>
-          <a:blip r:embed="rId3"/>
-          <a:stretch>
-            <a:fillRect/>
-          </a:stretch>
-        </p:blipFill>
-        <p:spPr>
-          <a:xfrm>
-            <a:off x="0" y="-85746"/>
-            <a:ext cx="18288000" cy="10368513"/>
-          </a:xfrm>
-          <a:prstGeom prst="rect">
-            <a:avLst/>
-          </a:prstGeom>
-        </p:spPr>
-      </p:pic>
-    </p:spTree>
-    <p:extLst>
-      <p:ext uri="{BB962C8B-B14F-4D97-AF65-F5344CB8AC3E}">
-        <p14:creationId xmlns:p14="http://schemas.microsoft.com/office/powerpoint/2010/main" val="1239515079"/>
-      </p:ext>
-    </p:extLst>
-  </p:cSld>
-  <p:clrMapOvr>
-    <a:masterClrMapping/>
-  </p:clrMapOvr>
-</p:sld>
-</file>
-
-<file path=ppt/slides/slide15.xml><?xml version="1.0" encoding="utf-8"?>
-<p:sld xmlns:a="http://schemas.openxmlformats.org/drawingml/2006/main" xmlns:r="http://schemas.openxmlformats.org/officeDocument/2006/relationships" xmlns:p="http://schemas.openxmlformats.org/presentationml/2006/main">
-  <p:cSld>
-    <p:spTree>
-      <p:nvGrpSpPr>
-        <p:cNvPr id="1" name="Shape 163"/>
-        <p:cNvGrpSpPr/>
-        <p:nvPr/>
-      </p:nvGrpSpPr>
-      <p:grpSpPr>
-        <a:xfrm>
-          <a:off x="0" y="0"/>
-          <a:ext cx="0" cy="0"/>
-          <a:chOff x="0" y="0"/>
-          <a:chExt cx="0" cy="0"/>
-        </a:xfrm>
-      </p:grpSpPr>
-      <p:pic>
-        <p:nvPicPr>
-          <p:cNvPr id="4" name="Imagem 3">
-            <a:extLst>
-              <a:ext uri="{FF2B5EF4-FFF2-40B4-BE49-F238E27FC236}">
-                <a16:creationId xmlns:a16="http://schemas.microsoft.com/office/drawing/2014/main" id="{E3DB2E81-E217-5774-42D5-CD88AF79D86E}"/>
-              </a:ext>
-            </a:extLst>
-          </p:cNvPr>
-          <p:cNvPicPr>
-            <a:picLocks noChangeAspect="1"/>
-          </p:cNvPicPr>
-          <p:nvPr/>
-        </p:nvPicPr>
-        <p:blipFill>
-          <a:blip r:embed="rId3"/>
-          <a:stretch>
-            <a:fillRect/>
-          </a:stretch>
-        </p:blipFill>
-        <p:spPr>
-          <a:xfrm>
-            <a:off x="-234048" y="0"/>
-            <a:ext cx="18522048" cy="10287000"/>
-          </a:xfrm>
-          <a:prstGeom prst="rect">
-            <a:avLst/>
-          </a:prstGeom>
-        </p:spPr>
-      </p:pic>
-    </p:spTree>
-    <p:extLst>
-      <p:ext uri="{BB962C8B-B14F-4D97-AF65-F5344CB8AC3E}">
-        <p14:creationId xmlns:p14="http://schemas.microsoft.com/office/powerpoint/2010/main" val="1273385648"/>
-      </p:ext>
-    </p:extLst>
-  </p:cSld>
-  <p:clrMapOvr>
-    <a:masterClrMapping/>
-  </p:clrMapOvr>
-</p:sld>
-</file>
-
-<file path=ppt/slides/slide16.xml><?xml version="1.0" encoding="utf-8"?>
-<p:sld xmlns:a="http://schemas.openxmlformats.org/drawingml/2006/main" xmlns:r="http://schemas.openxmlformats.org/officeDocument/2006/relationships" xmlns:p="http://schemas.openxmlformats.org/presentationml/2006/main">
-  <p:cSld>
-    <p:spTree>
-      <p:nvGrpSpPr>
-        <p:cNvPr id="1" name="Shape 163"/>
-        <p:cNvGrpSpPr/>
-        <p:nvPr/>
-      </p:nvGrpSpPr>
-      <p:grpSpPr>
-        <a:xfrm>
-          <a:off x="0" y="0"/>
-          <a:ext cx="0" cy="0"/>
-          <a:chOff x="0" y="0"/>
-          <a:chExt cx="0" cy="0"/>
-        </a:xfrm>
-      </p:grpSpPr>
-      <p:pic>
-        <p:nvPicPr>
-          <p:cNvPr id="4" name="Imagem 3">
-            <a:extLst>
-              <a:ext uri="{FF2B5EF4-FFF2-40B4-BE49-F238E27FC236}">
-                <a16:creationId xmlns:a16="http://schemas.microsoft.com/office/drawing/2014/main" id="{62A6A0B8-C6B2-336D-1637-819D67BD11B6}"/>
-              </a:ext>
-            </a:extLst>
-          </p:cNvPr>
-          <p:cNvPicPr>
-            <a:picLocks noChangeAspect="1"/>
-          </p:cNvPicPr>
-          <p:nvPr/>
-        </p:nvPicPr>
-        <p:blipFill>
-          <a:blip r:embed="rId3"/>
-          <a:stretch>
-            <a:fillRect/>
-          </a:stretch>
-        </p:blipFill>
-        <p:spPr>
-          <a:xfrm>
-            <a:off x="0" y="0"/>
-            <a:ext cx="18287999" cy="10481733"/>
-          </a:xfrm>
-          <a:prstGeom prst="rect">
-            <a:avLst/>
-          </a:prstGeom>
-        </p:spPr>
-      </p:pic>
-    </p:spTree>
-    <p:extLst>
-      <p:ext uri="{BB962C8B-B14F-4D97-AF65-F5344CB8AC3E}">
-        <p14:creationId xmlns:p14="http://schemas.microsoft.com/office/powerpoint/2010/main" val="2033266408"/>
-      </p:ext>
-    </p:extLst>
-  </p:cSld>
-  <p:clrMapOvr>
-    <a:masterClrMapping/>
-  </p:clrMapOvr>
-</p:sld>
-</file>
-
-<file path=ppt/slides/slide17.xml><?xml version="1.0" encoding="utf-8"?>
-<p:sld xmlns:a="http://schemas.openxmlformats.org/drawingml/2006/main" xmlns:r="http://schemas.openxmlformats.org/officeDocument/2006/relationships" xmlns:p="http://schemas.openxmlformats.org/presentationml/2006/main">
-  <p:cSld>
-    <p:bg>
-      <p:bgPr>
-        <a:solidFill>
-          <a:srgbClr val="03989E"/>
-        </a:solidFill>
-        <a:effectLst/>
-      </p:bgPr>
-    </p:bg>
-    <p:spTree>
-      <p:nvGrpSpPr>
-        <p:cNvPr id="1" name="Shape 173"/>
-        <p:cNvGrpSpPr/>
-        <p:nvPr/>
-      </p:nvGrpSpPr>
-      <p:grpSpPr>
-        <a:xfrm>
-          <a:off x="0" y="0"/>
-          <a:ext cx="0" cy="0"/>
-          <a:chOff x="0" y="0"/>
-          <a:chExt cx="0" cy="0"/>
-        </a:xfrm>
-      </p:grpSpPr>
-      <p:pic>
-        <p:nvPicPr>
-          <p:cNvPr id="174" name="Google Shape;174;p9"/>
-          <p:cNvPicPr preferRelativeResize="0"/>
-          <p:nvPr/>
-        </p:nvPicPr>
-        <p:blipFill rotWithShape="1">
-          <a:blip r:embed="rId3">
-            <a:alphaModFix amt="9999"/>
-          </a:blip>
-          <a:srcRect/>
-          <a:stretch/>
-        </p:blipFill>
-        <p:spPr>
-          <a:xfrm rot="-5400000">
-            <a:off x="14304471" y="-2201874"/>
-            <a:ext cx="5534692" cy="5735432"/>
-          </a:xfrm>
-          <a:prstGeom prst="rect">
-            <a:avLst/>
-          </a:prstGeom>
-          <a:noFill/>
-          <a:ln>
-            <a:noFill/>
-          </a:ln>
-        </p:spPr>
-      </p:pic>
-      <p:pic>
-        <p:nvPicPr>
-          <p:cNvPr id="175" name="Google Shape;175;p9"/>
-          <p:cNvPicPr preferRelativeResize="0"/>
-          <p:nvPr/>
-        </p:nvPicPr>
-        <p:blipFill rotWithShape="1">
-          <a:blip r:embed="rId3">
-            <a:alphaModFix/>
-          </a:blip>
-          <a:srcRect/>
-          <a:stretch/>
-        </p:blipFill>
-        <p:spPr>
-          <a:xfrm rot="-8234702">
-            <a:off x="362240" y="7896477"/>
-            <a:ext cx="2628319" cy="2723647"/>
-          </a:xfrm>
-          <a:prstGeom prst="rect">
-            <a:avLst/>
-          </a:prstGeom>
-          <a:noFill/>
-          <a:ln>
-            <a:noFill/>
-          </a:ln>
-        </p:spPr>
-      </p:pic>
-      <p:pic>
-        <p:nvPicPr>
-          <p:cNvPr id="176" name="Google Shape;176;p9"/>
-          <p:cNvPicPr preferRelativeResize="0"/>
-          <p:nvPr/>
-        </p:nvPicPr>
-        <p:blipFill rotWithShape="1">
-          <a:blip r:embed="rId3">
-            <a:alphaModFix amt="9999"/>
-          </a:blip>
-          <a:srcRect/>
-          <a:stretch/>
-        </p:blipFill>
-        <p:spPr>
-          <a:xfrm rot="-9653010">
-            <a:off x="-2710651" y="-2116072"/>
-            <a:ext cx="8774102" cy="9092333"/>
-          </a:xfrm>
-          <a:prstGeom prst="rect">
-            <a:avLst/>
-          </a:prstGeom>
-          <a:noFill/>
-          <a:ln>
-            <a:noFill/>
-          </a:ln>
-        </p:spPr>
-      </p:pic>
-      <p:pic>
-        <p:nvPicPr>
-          <p:cNvPr id="177" name="Google Shape;177;p9"/>
-          <p:cNvPicPr preferRelativeResize="0"/>
-          <p:nvPr/>
-        </p:nvPicPr>
-        <p:blipFill rotWithShape="1">
-          <a:blip r:embed="rId3">
-            <a:alphaModFix amt="9999"/>
-          </a:blip>
-          <a:srcRect/>
-          <a:stretch/>
-        </p:blipFill>
-        <p:spPr>
-          <a:xfrm rot="-896806">
-            <a:off x="-1451748" y="4448377"/>
-            <a:ext cx="6599197" cy="6838546"/>
-          </a:xfrm>
-          <a:prstGeom prst="rect">
-            <a:avLst/>
-          </a:prstGeom>
-          <a:noFill/>
-          <a:ln>
-            <a:noFill/>
-          </a:ln>
-        </p:spPr>
-      </p:pic>
-      <p:sp>
-        <p:nvSpPr>
-          <p:cNvPr id="178" name="Google Shape;178;p9"/>
-          <p:cNvSpPr/>
-          <p:nvPr/>
-        </p:nvSpPr>
-        <p:spPr>
-          <a:xfrm>
-            <a:off x="1189884" y="8919663"/>
-            <a:ext cx="1175830" cy="1181100"/>
-          </a:xfrm>
-          <a:custGeom>
-            <a:avLst/>
-            <a:gdLst/>
-            <a:ahLst/>
-            <a:cxnLst/>
-            <a:rect l="l" t="t" r="r" b="b"/>
-            <a:pathLst>
-              <a:path w="6321665" h="6350000" extrusionOk="0">
-                <a:moveTo>
-                  <a:pt x="3160833" y="0"/>
-                </a:moveTo>
-                <a:lnTo>
-                  <a:pt x="3160833" y="0"/>
-                </a:lnTo>
-                <a:cubicBezTo>
-                  <a:pt x="4908795" y="7817"/>
-                  <a:pt x="6321666" y="1427021"/>
-                  <a:pt x="6321666" y="3175000"/>
-                </a:cubicBezTo>
-                <a:cubicBezTo>
-                  <a:pt x="6321666" y="4922979"/>
-                  <a:pt x="4908795" y="6342183"/>
-                  <a:pt x="3160833" y="6350000"/>
-                </a:cubicBezTo>
-                <a:cubicBezTo>
-                  <a:pt x="1412871" y="6342183"/>
-                  <a:pt x="0" y="4922979"/>
-                  <a:pt x="0" y="3175000"/>
-                </a:cubicBezTo>
-                <a:cubicBezTo>
-                  <a:pt x="0" y="1427021"/>
-                  <a:pt x="1412871" y="7817"/>
-                  <a:pt x="3160833" y="0"/>
-                </a:cubicBezTo>
-                <a:close/>
-              </a:path>
-            </a:pathLst>
-          </a:custGeom>
-          <a:solidFill>
-            <a:srgbClr val="04345C"/>
-          </a:solidFill>
-          <a:ln>
-            <a:noFill/>
-          </a:ln>
-        </p:spPr>
-        <p:txBody>
-          <a:bodyPr spcFirstLastPara="1" wrap="square" lIns="91425" tIns="91425" rIns="91425" bIns="91425" anchor="ctr" anchorCtr="0">
-            <a:noAutofit/>
-          </a:bodyPr>
-          <a:lstStyle/>
-          <a:p>
-            <a:pPr marL="0" lvl="0" indent="0" algn="l" rtl="0">
-              <a:spcBef>
-                <a:spcPts val="0"/>
-              </a:spcBef>
-              <a:spcAft>
-                <a:spcPts val="0"/>
-              </a:spcAft>
-              <a:buNone/>
-            </a:pPr>
-            <a:endParaRPr/>
-          </a:p>
-        </p:txBody>
-      </p:sp>
-      <p:sp>
-        <p:nvSpPr>
-          <p:cNvPr id="179" name="Google Shape;179;p9"/>
-          <p:cNvSpPr txBox="1"/>
-          <p:nvPr/>
-        </p:nvSpPr>
-        <p:spPr>
-          <a:xfrm>
-            <a:off x="8713346" y="3385563"/>
-            <a:ext cx="7912200" cy="738900"/>
-          </a:xfrm>
-          <a:prstGeom prst="rect">
-            <a:avLst/>
-          </a:prstGeom>
-          <a:noFill/>
-          <a:ln>
-            <a:noFill/>
-          </a:ln>
-        </p:spPr>
-        <p:txBody>
-          <a:bodyPr spcFirstLastPara="1" wrap="square" lIns="0" tIns="0" rIns="0" bIns="0" anchor="t" anchorCtr="0">
-            <a:spAutoFit/>
-          </a:bodyPr>
-          <a:lstStyle/>
-          <a:p>
-            <a:pPr marL="0" marR="0" lvl="0" indent="0" algn="ctr" rtl="0">
-              <a:lnSpc>
-                <a:spcPct val="119979"/>
-              </a:lnSpc>
-              <a:spcBef>
-                <a:spcPts val="0"/>
-              </a:spcBef>
-              <a:spcAft>
-                <a:spcPts val="0"/>
-              </a:spcAft>
-              <a:buNone/>
-            </a:pPr>
-            <a:r>
-              <a:rPr lang="en-US" sz="4800" b="1" i="0" u="none" strike="noStrike" cap="none">
-                <a:solidFill>
-                  <a:srgbClr val="0000FF"/>
-                </a:solidFill>
-                <a:latin typeface="Poppins"/>
-                <a:ea typeface="Poppins"/>
-                <a:cs typeface="Poppins"/>
-                <a:sym typeface="Poppins"/>
-              </a:rPr>
-              <a:t>CONCLUSÕES</a:t>
-            </a:r>
-            <a:endParaRPr>
-              <a:solidFill>
-                <a:srgbClr val="0000FF"/>
-              </a:solidFill>
-            </a:endParaRPr>
-          </a:p>
-        </p:txBody>
-      </p:sp>
-      <p:sp>
-        <p:nvSpPr>
-          <p:cNvPr id="180" name="Google Shape;180;p9"/>
-          <p:cNvSpPr txBox="1"/>
-          <p:nvPr/>
-        </p:nvSpPr>
-        <p:spPr>
-          <a:xfrm>
-            <a:off x="8713346" y="4420431"/>
-            <a:ext cx="8546100" cy="3877985"/>
-          </a:xfrm>
-          <a:prstGeom prst="rect">
-            <a:avLst/>
-          </a:prstGeom>
-          <a:noFill/>
-          <a:ln>
-            <a:noFill/>
-          </a:ln>
-        </p:spPr>
-        <p:txBody>
-          <a:bodyPr spcFirstLastPara="1" wrap="square" lIns="0" tIns="0" rIns="0" bIns="0" anchor="t" anchorCtr="0">
-            <a:spAutoFit/>
-          </a:bodyPr>
-          <a:lstStyle/>
-          <a:p>
-            <a:pPr marL="0" marR="0" lvl="0" indent="0" algn="ctr" rtl="0">
-              <a:lnSpc>
-                <a:spcPct val="120000"/>
-              </a:lnSpc>
-              <a:spcBef>
-                <a:spcPts val="0"/>
-              </a:spcBef>
-              <a:spcAft>
-                <a:spcPts val="0"/>
-              </a:spcAft>
-              <a:buNone/>
-            </a:pPr>
-            <a:r>
-              <a:rPr lang="en-US" sz="3500" b="1" dirty="0" err="1">
-                <a:solidFill>
-                  <a:srgbClr val="FFFFFF"/>
-                </a:solidFill>
-                <a:latin typeface="Poppins"/>
-                <a:ea typeface="Poppins"/>
-                <a:cs typeface="Poppins"/>
-                <a:sym typeface="Poppins"/>
-              </a:rPr>
-              <a:t>Espera</a:t>
-            </a:r>
-            <a:r>
-              <a:rPr lang="en-US" sz="3500" b="1" i="0" u="none" strike="noStrike" cap="none" dirty="0">
-                <a:solidFill>
-                  <a:srgbClr val="FFFFFF"/>
-                </a:solidFill>
-                <a:latin typeface="Poppins"/>
-                <a:ea typeface="Poppins"/>
-                <a:cs typeface="Poppins"/>
-                <a:sym typeface="Poppins"/>
-              </a:rPr>
-              <a:t>-se </a:t>
-            </a:r>
-            <a:r>
-              <a:rPr lang="en-US" sz="3500" b="1" dirty="0">
-                <a:solidFill>
-                  <a:srgbClr val="FFFFFF"/>
-                </a:solidFill>
-                <a:latin typeface="Poppins"/>
-                <a:ea typeface="Poppins"/>
-                <a:cs typeface="Poppins"/>
-                <a:sym typeface="Poppins"/>
-              </a:rPr>
-              <a:t>que, </a:t>
-            </a:r>
-            <a:r>
-              <a:rPr lang="en-US" sz="3500" b="1" dirty="0" err="1">
-                <a:solidFill>
-                  <a:srgbClr val="FFFFFF"/>
-                </a:solidFill>
-                <a:latin typeface="Poppins"/>
-                <a:ea typeface="Poppins"/>
-                <a:cs typeface="Poppins"/>
-                <a:sym typeface="Poppins"/>
-              </a:rPr>
-              <a:t>eventualmente</a:t>
-            </a:r>
-            <a:r>
-              <a:rPr lang="en-US" sz="3500" b="1" i="0" u="none" strike="noStrike" cap="none" dirty="0">
-                <a:solidFill>
-                  <a:srgbClr val="FFFFFF"/>
-                </a:solidFill>
-                <a:latin typeface="Poppins"/>
-                <a:ea typeface="Poppins"/>
-                <a:cs typeface="Poppins"/>
-                <a:sym typeface="Poppins"/>
-              </a:rPr>
-              <a:t>, o </a:t>
-            </a:r>
-            <a:r>
-              <a:rPr lang="en-US" sz="3500" b="1" i="0" u="none" strike="noStrike" cap="none" dirty="0" err="1">
-                <a:solidFill>
-                  <a:srgbClr val="FFFFFF"/>
-                </a:solidFill>
-                <a:latin typeface="Poppins"/>
-                <a:ea typeface="Poppins"/>
-                <a:cs typeface="Poppins"/>
-                <a:sym typeface="Poppins"/>
-              </a:rPr>
-              <a:t>sistema</a:t>
-            </a:r>
-            <a:r>
-              <a:rPr lang="en-US" sz="3500" b="1" i="0" u="none" strike="noStrike" cap="none" dirty="0">
-                <a:solidFill>
-                  <a:srgbClr val="FFFFFF"/>
-                </a:solidFill>
-                <a:latin typeface="Poppins"/>
-                <a:ea typeface="Poppins"/>
-                <a:cs typeface="Poppins"/>
-                <a:sym typeface="Poppins"/>
-              </a:rPr>
-              <a:t> IFS</a:t>
-            </a:r>
-            <a:r>
-              <a:rPr lang="en-US" sz="3500" b="1" dirty="0">
-                <a:solidFill>
-                  <a:srgbClr val="FFFFFF"/>
-                </a:solidFill>
-                <a:latin typeface="Poppins"/>
-                <a:ea typeface="Poppins"/>
-                <a:cs typeface="Poppins"/>
-                <a:sym typeface="Poppins"/>
-              </a:rPr>
-              <a:t>P LIFE </a:t>
-            </a:r>
-            <a:r>
-              <a:rPr lang="en-US" sz="3500" b="1" i="0" u="none" strike="noStrike" cap="none" dirty="0" err="1">
-                <a:solidFill>
-                  <a:srgbClr val="FFFFFF"/>
-                </a:solidFill>
-                <a:latin typeface="Poppins"/>
-                <a:ea typeface="Poppins"/>
-                <a:cs typeface="Poppins"/>
-                <a:sym typeface="Poppins"/>
-              </a:rPr>
-              <a:t>possa</a:t>
-            </a:r>
-            <a:r>
-              <a:rPr lang="en-US" sz="3500" b="1" i="0" u="none" strike="noStrike" cap="none" dirty="0">
-                <a:solidFill>
-                  <a:srgbClr val="FFFFFF"/>
-                </a:solidFill>
-                <a:latin typeface="Poppins"/>
-                <a:ea typeface="Poppins"/>
-                <a:cs typeface="Poppins"/>
-                <a:sym typeface="Poppins"/>
-              </a:rPr>
-              <a:t> </a:t>
-            </a:r>
-            <a:r>
-              <a:rPr lang="en-US" sz="3500" b="1" i="0" u="none" strike="noStrike" cap="none" dirty="0" err="1">
-                <a:solidFill>
-                  <a:srgbClr val="FFFFFF"/>
-                </a:solidFill>
-                <a:latin typeface="Poppins"/>
-                <a:ea typeface="Poppins"/>
-                <a:cs typeface="Poppins"/>
-                <a:sym typeface="Poppins"/>
-              </a:rPr>
-              <a:t>ajudar</a:t>
-            </a:r>
-            <a:r>
-              <a:rPr lang="en-US" sz="3500" b="1" i="0" u="none" strike="noStrike" cap="none" dirty="0">
-                <a:solidFill>
-                  <a:srgbClr val="FFFFFF"/>
-                </a:solidFill>
-                <a:latin typeface="Poppins"/>
-                <a:ea typeface="Poppins"/>
-                <a:cs typeface="Poppins"/>
-                <a:sym typeface="Poppins"/>
-              </a:rPr>
-              <a:t> a </a:t>
-            </a:r>
-            <a:r>
-              <a:rPr lang="en-US" sz="3500" b="1" i="0" u="none" strike="noStrike" cap="none" dirty="0" err="1">
-                <a:solidFill>
-                  <a:srgbClr val="FFFFFF"/>
-                </a:solidFill>
-                <a:latin typeface="Poppins"/>
-                <a:ea typeface="Poppins"/>
-                <a:cs typeface="Poppins"/>
-                <a:sym typeface="Poppins"/>
-              </a:rPr>
-              <a:t>otimizar</a:t>
-            </a:r>
-            <a:r>
-              <a:rPr lang="en-US" sz="3500" b="1" i="0" u="none" strike="noStrike" cap="none" dirty="0">
-                <a:solidFill>
-                  <a:srgbClr val="FFFFFF"/>
-                </a:solidFill>
-                <a:latin typeface="Poppins"/>
-                <a:ea typeface="Poppins"/>
-                <a:cs typeface="Poppins"/>
-                <a:sym typeface="Poppins"/>
-              </a:rPr>
-              <a:t> </a:t>
-            </a:r>
-            <a:r>
-              <a:rPr lang="en-US" sz="3500" b="1" i="0" u="none" strike="noStrike" cap="none" dirty="0" err="1">
-                <a:solidFill>
-                  <a:srgbClr val="FFFFFF"/>
-                </a:solidFill>
-                <a:latin typeface="Poppins"/>
-                <a:ea typeface="Poppins"/>
-                <a:cs typeface="Poppins"/>
-                <a:sym typeface="Poppins"/>
-              </a:rPr>
-              <a:t>diversas</a:t>
-            </a:r>
-            <a:r>
-              <a:rPr lang="en-US" sz="3500" b="1" i="0" u="none" strike="noStrike" cap="none" dirty="0">
-                <a:solidFill>
-                  <a:srgbClr val="FFFFFF"/>
-                </a:solidFill>
-                <a:latin typeface="Poppins"/>
-                <a:ea typeface="Poppins"/>
-                <a:cs typeface="Poppins"/>
-                <a:sym typeface="Poppins"/>
-              </a:rPr>
-              <a:t> </a:t>
-            </a:r>
-            <a:r>
-              <a:rPr lang="en-US" sz="3500" b="1" dirty="0" err="1">
-                <a:solidFill>
-                  <a:srgbClr val="FFFFFF"/>
-                </a:solidFill>
-                <a:latin typeface="Poppins"/>
-                <a:ea typeface="Poppins"/>
-                <a:cs typeface="Poppins"/>
-                <a:sym typeface="Poppins"/>
-              </a:rPr>
-              <a:t>farmácias</a:t>
-            </a:r>
-            <a:r>
-              <a:rPr lang="en-US" sz="3500" b="1" dirty="0">
-                <a:solidFill>
-                  <a:srgbClr val="FFFFFF"/>
-                </a:solidFill>
-                <a:latin typeface="Poppins"/>
-                <a:ea typeface="Poppins"/>
-                <a:cs typeface="Poppins"/>
-                <a:sym typeface="Poppins"/>
-              </a:rPr>
-              <a:t>. </a:t>
-            </a:r>
-            <a:endParaRPr sz="3500" b="1" dirty="0">
-              <a:solidFill>
-                <a:srgbClr val="FFFFFF"/>
-              </a:solidFill>
-              <a:latin typeface="Poppins"/>
-              <a:ea typeface="Poppins"/>
-              <a:cs typeface="Poppins"/>
-              <a:sym typeface="Poppins"/>
-            </a:endParaRPr>
-          </a:p>
-          <a:p>
-            <a:pPr marL="0" marR="0" lvl="0" indent="0" algn="ctr" rtl="0">
-              <a:lnSpc>
-                <a:spcPct val="120000"/>
-              </a:lnSpc>
-              <a:spcBef>
-                <a:spcPts val="0"/>
-              </a:spcBef>
-              <a:spcAft>
-                <a:spcPts val="0"/>
-              </a:spcAft>
-              <a:buNone/>
-            </a:pPr>
-            <a:endParaRPr sz="3500" b="1" dirty="0">
-              <a:solidFill>
-                <a:srgbClr val="FFFFFF"/>
-              </a:solidFill>
-              <a:latin typeface="Poppins"/>
-              <a:ea typeface="Poppins"/>
-              <a:cs typeface="Poppins"/>
-              <a:sym typeface="Poppins"/>
-            </a:endParaRPr>
-          </a:p>
-          <a:p>
-            <a:pPr marL="0" marR="0" lvl="0" indent="0" algn="ctr" rtl="0">
-              <a:lnSpc>
-                <a:spcPct val="120000"/>
-              </a:lnSpc>
-              <a:spcBef>
-                <a:spcPts val="0"/>
-              </a:spcBef>
-              <a:spcAft>
-                <a:spcPts val="0"/>
-              </a:spcAft>
-              <a:buNone/>
-            </a:pPr>
-            <a:r>
-              <a:rPr lang="en-US" sz="3500" b="1" dirty="0">
-                <a:solidFill>
-                  <a:srgbClr val="FFFFFF"/>
-                </a:solidFill>
-                <a:latin typeface="Poppins"/>
-                <a:ea typeface="Poppins"/>
-                <a:cs typeface="Poppins"/>
-                <a:sym typeface="Poppins"/>
-              </a:rPr>
-              <a:t>Vamos </a:t>
-            </a:r>
-            <a:r>
-              <a:rPr lang="en-US" sz="3500" b="1" dirty="0" err="1">
-                <a:solidFill>
-                  <a:srgbClr val="FFFFFF"/>
-                </a:solidFill>
-                <a:latin typeface="Poppins"/>
-                <a:ea typeface="Poppins"/>
-                <a:cs typeface="Poppins"/>
-                <a:sym typeface="Poppins"/>
-              </a:rPr>
-              <a:t>ao</a:t>
-            </a:r>
-            <a:r>
-              <a:rPr lang="en-US" sz="3500" b="1" dirty="0">
-                <a:solidFill>
-                  <a:srgbClr val="FFFFFF"/>
-                </a:solidFill>
-                <a:latin typeface="Poppins"/>
-                <a:ea typeface="Poppins"/>
-                <a:cs typeface="Poppins"/>
-                <a:sym typeface="Poppins"/>
-              </a:rPr>
-              <a:t> funcionamento do Sistema;</a:t>
-            </a:r>
-            <a:endParaRPr sz="3500" b="1" dirty="0">
-              <a:solidFill>
-                <a:srgbClr val="FFFFFF"/>
-              </a:solidFill>
-              <a:latin typeface="Poppins"/>
-              <a:ea typeface="Poppins"/>
-              <a:cs typeface="Poppins"/>
-              <a:sym typeface="Poppins"/>
-            </a:endParaRPr>
-          </a:p>
-        </p:txBody>
-      </p:sp>
-      <p:pic>
-        <p:nvPicPr>
-          <p:cNvPr id="181" name="Google Shape;181;p9"/>
-          <p:cNvPicPr preferRelativeResize="0"/>
-          <p:nvPr/>
-        </p:nvPicPr>
-        <p:blipFill rotWithShape="1">
-          <a:blip r:embed="rId4">
-            <a:alphaModFix/>
-          </a:blip>
-          <a:srcRect/>
-          <a:stretch/>
-        </p:blipFill>
-        <p:spPr>
-          <a:xfrm>
-            <a:off x="419273" y="52214"/>
-            <a:ext cx="2061665" cy="2386186"/>
-          </a:xfrm>
-          <a:prstGeom prst="rect">
-            <a:avLst/>
-          </a:prstGeom>
-          <a:noFill/>
-          <a:ln>
-            <a:noFill/>
-          </a:ln>
-        </p:spPr>
-      </p:pic>
-      <p:pic>
-        <p:nvPicPr>
-          <p:cNvPr id="182" name="Google Shape;182;p9"/>
-          <p:cNvPicPr preferRelativeResize="0"/>
-          <p:nvPr/>
-        </p:nvPicPr>
-        <p:blipFill>
-          <a:blip r:embed="rId5">
-            <a:alphaModFix/>
-          </a:blip>
-          <a:stretch>
-            <a:fillRect/>
-          </a:stretch>
-        </p:blipFill>
-        <p:spPr>
-          <a:xfrm>
-            <a:off x="1349506" y="1555824"/>
-            <a:ext cx="7363850" cy="7363850"/>
-          </a:xfrm>
-          <a:prstGeom prst="rect">
-            <a:avLst/>
-          </a:prstGeom>
-          <a:noFill/>
-          <a:ln>
-            <a:noFill/>
-          </a:ln>
-        </p:spPr>
-      </p:pic>
-      <p:pic>
-        <p:nvPicPr>
-          <p:cNvPr id="2" name="Imagem 1">
-            <a:extLst>
-              <a:ext uri="{FF2B5EF4-FFF2-40B4-BE49-F238E27FC236}">
-                <a16:creationId xmlns:a16="http://schemas.microsoft.com/office/drawing/2014/main" id="{D11E36F3-398C-C7D5-F497-9F104CA8FDA7}"/>
-              </a:ext>
-            </a:extLst>
-          </p:cNvPr>
-          <p:cNvPicPr>
-            <a:picLocks noChangeAspect="1"/>
-          </p:cNvPicPr>
-          <p:nvPr/>
-        </p:nvPicPr>
-        <p:blipFill>
-          <a:blip r:embed="rId6"/>
-          <a:stretch>
-            <a:fillRect/>
-          </a:stretch>
-        </p:blipFill>
-        <p:spPr>
-          <a:xfrm>
-            <a:off x="12162154" y="8534195"/>
-            <a:ext cx="5792838" cy="1448210"/>
-          </a:xfrm>
-          <a:prstGeom prst="rect">
-            <a:avLst/>
-          </a:prstGeom>
-        </p:spPr>
-      </p:pic>
-    </p:spTree>
-  </p:cSld>
-  <p:clrMapOvr>
-    <a:masterClrMapping/>
-  </p:clrMapOvr>
-</p:sld>
-</file>
-
-<file path=ppt/slides/slide18.xml><?xml version="1.0" encoding="utf-8"?>
-<p:sld xmlns:a="http://schemas.openxmlformats.org/drawingml/2006/main" xmlns:r="http://schemas.openxmlformats.org/officeDocument/2006/relationships" xmlns:p="http://schemas.openxmlformats.org/presentationml/2006/main">
-  <p:cSld>
-    <p:bg>
-      <p:bgPr>
-        <a:solidFill>
-          <a:srgbClr val="03989E"/>
-        </a:solidFill>
-        <a:effectLst/>
-      </p:bgPr>
-    </p:bg>
-    <p:spTree>
-      <p:nvGrpSpPr>
-        <p:cNvPr id="1" name="Shape 186"/>
-        <p:cNvGrpSpPr/>
-        <p:nvPr/>
-      </p:nvGrpSpPr>
-      <p:grpSpPr>
-        <a:xfrm>
-          <a:off x="0" y="0"/>
-          <a:ext cx="0" cy="0"/>
-          <a:chOff x="0" y="0"/>
-          <a:chExt cx="0" cy="0"/>
-        </a:xfrm>
-      </p:grpSpPr>
-      <p:pic>
-        <p:nvPicPr>
-          <p:cNvPr id="187" name="Google Shape;187;p10"/>
-          <p:cNvPicPr preferRelativeResize="0"/>
-          <p:nvPr/>
-        </p:nvPicPr>
-        <p:blipFill rotWithShape="1">
-          <a:blip r:embed="rId3">
-            <a:alphaModFix amt="9999"/>
-          </a:blip>
-          <a:srcRect/>
-          <a:stretch/>
-        </p:blipFill>
-        <p:spPr>
-          <a:xfrm rot="-896806">
-            <a:off x="12926737" y="4235275"/>
-            <a:ext cx="6599197" cy="6838546"/>
-          </a:xfrm>
-          <a:prstGeom prst="rect">
-            <a:avLst/>
-          </a:prstGeom>
-          <a:noFill/>
-          <a:ln>
-            <a:noFill/>
-          </a:ln>
-        </p:spPr>
-      </p:pic>
-      <p:pic>
-        <p:nvPicPr>
-          <p:cNvPr id="188" name="Google Shape;188;p10"/>
-          <p:cNvPicPr preferRelativeResize="0"/>
-          <p:nvPr/>
-        </p:nvPicPr>
-        <p:blipFill rotWithShape="1">
-          <a:blip r:embed="rId3">
-            <a:alphaModFix/>
-          </a:blip>
-          <a:srcRect/>
-          <a:stretch/>
-        </p:blipFill>
-        <p:spPr>
-          <a:xfrm rot="-1017176">
-            <a:off x="15522361" y="7239341"/>
-            <a:ext cx="2628319" cy="2723647"/>
-          </a:xfrm>
-          <a:prstGeom prst="rect">
-            <a:avLst/>
-          </a:prstGeom>
-          <a:noFill/>
-          <a:ln>
-            <a:noFill/>
-          </a:ln>
-        </p:spPr>
-      </p:pic>
-      <p:pic>
-        <p:nvPicPr>
-          <p:cNvPr id="189" name="Google Shape;189;p10"/>
-          <p:cNvPicPr preferRelativeResize="0"/>
-          <p:nvPr/>
-        </p:nvPicPr>
-        <p:blipFill rotWithShape="1">
-          <a:blip r:embed="rId4">
-            <a:alphaModFix/>
-          </a:blip>
-          <a:srcRect/>
-          <a:stretch/>
-        </p:blipFill>
-        <p:spPr>
-          <a:xfrm>
-            <a:off x="9649828" y="574495"/>
-            <a:ext cx="7607339" cy="7607339"/>
-          </a:xfrm>
-          <a:prstGeom prst="rect">
-            <a:avLst/>
-          </a:prstGeom>
-          <a:noFill/>
-          <a:ln>
-            <a:noFill/>
-          </a:ln>
-        </p:spPr>
-      </p:pic>
-      <p:sp>
-        <p:nvSpPr>
-          <p:cNvPr id="190" name="Google Shape;190;p10"/>
-          <p:cNvSpPr txBox="1"/>
-          <p:nvPr/>
-        </p:nvSpPr>
-        <p:spPr>
-          <a:xfrm>
-            <a:off x="260240" y="2690300"/>
-            <a:ext cx="9780900" cy="769500"/>
-          </a:xfrm>
-          <a:prstGeom prst="rect">
-            <a:avLst/>
-          </a:prstGeom>
-          <a:noFill/>
-          <a:ln>
-            <a:noFill/>
-          </a:ln>
-        </p:spPr>
-        <p:txBody>
-          <a:bodyPr spcFirstLastPara="1" wrap="square" lIns="0" tIns="0" rIns="0" bIns="0" anchor="t" anchorCtr="0">
-            <a:spAutoFit/>
-          </a:bodyPr>
-          <a:lstStyle/>
-          <a:p>
-            <a:pPr marL="0" marR="0" lvl="0" indent="0" algn="ctr" rtl="0">
-              <a:lnSpc>
-                <a:spcPct val="120000"/>
-              </a:lnSpc>
-              <a:spcBef>
-                <a:spcPts val="0"/>
-              </a:spcBef>
-              <a:spcAft>
-                <a:spcPts val="0"/>
-              </a:spcAft>
-              <a:buNone/>
-            </a:pPr>
-            <a:r>
-              <a:rPr lang="en-US" sz="5000" b="1" i="0" u="none" strike="noStrike" cap="none">
-                <a:solidFill>
-                  <a:srgbClr val="0000FF"/>
-                </a:solidFill>
-                <a:latin typeface="Poppins"/>
-                <a:ea typeface="Poppins"/>
-                <a:cs typeface="Poppins"/>
-                <a:sym typeface="Poppins"/>
-              </a:rPr>
-              <a:t>AGRADECIMENTOS</a:t>
-            </a:r>
-            <a:endParaRPr>
-              <a:solidFill>
-                <a:srgbClr val="0000FF"/>
-              </a:solidFill>
-            </a:endParaRPr>
-          </a:p>
-        </p:txBody>
-      </p:sp>
-      <p:sp>
-        <p:nvSpPr>
-          <p:cNvPr id="191" name="Google Shape;191;p10"/>
-          <p:cNvSpPr txBox="1"/>
-          <p:nvPr/>
-        </p:nvSpPr>
-        <p:spPr>
-          <a:xfrm>
-            <a:off x="260240" y="4349589"/>
-            <a:ext cx="9780900" cy="3877985"/>
-          </a:xfrm>
-          <a:prstGeom prst="rect">
-            <a:avLst/>
-          </a:prstGeom>
-          <a:noFill/>
-          <a:ln>
-            <a:noFill/>
-          </a:ln>
-        </p:spPr>
-        <p:txBody>
-          <a:bodyPr spcFirstLastPara="1" wrap="square" lIns="0" tIns="0" rIns="0" bIns="0" anchor="t" anchorCtr="0">
-            <a:spAutoFit/>
-          </a:bodyPr>
-          <a:lstStyle/>
-          <a:p>
-            <a:pPr marL="647700" marR="0" lvl="1" indent="-323850" algn="ctr" rtl="0">
-              <a:lnSpc>
-                <a:spcPct val="120000"/>
-              </a:lnSpc>
-              <a:spcBef>
-                <a:spcPts val="0"/>
-              </a:spcBef>
-              <a:spcAft>
-                <a:spcPts val="0"/>
-              </a:spcAft>
-              <a:buClr>
-                <a:srgbClr val="FFFFFF"/>
-              </a:buClr>
-              <a:buSzPts val="3000"/>
-              <a:buFont typeface="Arial"/>
-              <a:buChar char="•"/>
-            </a:pPr>
-            <a:r>
-              <a:rPr lang="en-US" sz="3000" b="1" u="none" strike="noStrike" cap="none" dirty="0" err="1">
-                <a:solidFill>
-                  <a:srgbClr val="FFFFFF"/>
-                </a:solidFill>
-                <a:latin typeface="Poppins"/>
-                <a:ea typeface="Poppins"/>
-                <a:cs typeface="Poppins"/>
-                <a:sym typeface="Poppins"/>
-              </a:rPr>
-              <a:t>Agradecemos</a:t>
-            </a:r>
-            <a:r>
-              <a:rPr lang="en-US" sz="3000" b="1" u="none" strike="noStrike" cap="none" dirty="0">
-                <a:solidFill>
-                  <a:srgbClr val="FFFFFF"/>
-                </a:solidFill>
-                <a:latin typeface="Poppins"/>
-                <a:ea typeface="Poppins"/>
-                <a:cs typeface="Poppins"/>
-                <a:sym typeface="Poppins"/>
-              </a:rPr>
-              <a:t> </a:t>
-            </a:r>
-            <a:r>
-              <a:rPr lang="en-US" sz="3000" b="1" u="none" strike="noStrike" cap="none" dirty="0" err="1">
-                <a:solidFill>
-                  <a:srgbClr val="FFFFFF"/>
-                </a:solidFill>
-                <a:latin typeface="Poppins"/>
-                <a:ea typeface="Poppins"/>
-                <a:cs typeface="Poppins"/>
-                <a:sym typeface="Poppins"/>
-              </a:rPr>
-              <a:t>ao</a:t>
-            </a:r>
-            <a:r>
-              <a:rPr lang="en-US" sz="3000" b="1" u="none" strike="noStrike" cap="none" dirty="0">
-                <a:solidFill>
-                  <a:srgbClr val="FFFFFF"/>
-                </a:solidFill>
-                <a:latin typeface="Poppins"/>
-                <a:ea typeface="Poppins"/>
-                <a:cs typeface="Poppins"/>
-                <a:sym typeface="Poppins"/>
-              </a:rPr>
-              <a:t> IFSP – </a:t>
-            </a:r>
-            <a:r>
-              <a:rPr lang="en-US" sz="3000" b="1" dirty="0">
-                <a:solidFill>
-                  <a:srgbClr val="FFFFFF"/>
-                </a:solidFill>
-                <a:latin typeface="Poppins"/>
-                <a:ea typeface="Poppins"/>
-                <a:cs typeface="Poppins"/>
-                <a:sym typeface="Poppins"/>
-              </a:rPr>
-              <a:t>Campus</a:t>
-            </a:r>
-            <a:r>
-              <a:rPr lang="en-US" sz="3000" b="1" u="none" strike="noStrike" cap="none" dirty="0">
-                <a:solidFill>
-                  <a:srgbClr val="FFFFFF"/>
-                </a:solidFill>
-                <a:latin typeface="Poppins"/>
-                <a:ea typeface="Poppins"/>
-                <a:cs typeface="Poppins"/>
-                <a:sym typeface="Poppins"/>
-              </a:rPr>
-              <a:t> Presidente </a:t>
-            </a:r>
-            <a:r>
-              <a:rPr lang="en-US" sz="3000" b="1" u="none" strike="noStrike" cap="none" dirty="0" err="1">
-                <a:solidFill>
-                  <a:srgbClr val="FFFFFF"/>
-                </a:solidFill>
-                <a:latin typeface="Poppins"/>
-                <a:ea typeface="Poppins"/>
-                <a:cs typeface="Poppins"/>
-                <a:sym typeface="Poppins"/>
-              </a:rPr>
-              <a:t>Epitácio</a:t>
-            </a:r>
-            <a:r>
-              <a:rPr lang="en-US" sz="3000" b="1" u="none" strike="noStrike" cap="none" dirty="0">
-                <a:solidFill>
-                  <a:srgbClr val="FFFFFF"/>
-                </a:solidFill>
-                <a:latin typeface="Poppins"/>
-                <a:ea typeface="Poppins"/>
-                <a:cs typeface="Poppins"/>
-                <a:sym typeface="Poppins"/>
-              </a:rPr>
-              <a:t> pela </a:t>
-            </a:r>
-            <a:r>
-              <a:rPr lang="en-US" sz="3000" b="1" u="none" strike="noStrike" cap="none" dirty="0" err="1">
-                <a:solidFill>
-                  <a:srgbClr val="FFFFFF"/>
-                </a:solidFill>
-                <a:latin typeface="Poppins"/>
-                <a:ea typeface="Poppins"/>
-                <a:cs typeface="Poppins"/>
-                <a:sym typeface="Poppins"/>
-              </a:rPr>
-              <a:t>infraestrutura</a:t>
-            </a:r>
-            <a:r>
-              <a:rPr lang="en-US" sz="3000" b="1" u="none" strike="noStrike" cap="none" dirty="0">
-                <a:solidFill>
-                  <a:srgbClr val="FFFFFF"/>
-                </a:solidFill>
-                <a:latin typeface="Poppins"/>
-                <a:ea typeface="Poppins"/>
-                <a:cs typeface="Poppins"/>
-                <a:sym typeface="Poppins"/>
-              </a:rPr>
-              <a:t> e </a:t>
-            </a:r>
-            <a:r>
-              <a:rPr lang="en-US" sz="3000" b="1" u="none" strike="noStrike" cap="none" dirty="0" err="1">
-                <a:solidFill>
-                  <a:srgbClr val="FFFFFF"/>
-                </a:solidFill>
-                <a:latin typeface="Poppins"/>
-                <a:ea typeface="Poppins"/>
-                <a:cs typeface="Poppins"/>
-                <a:sym typeface="Poppins"/>
-              </a:rPr>
-              <a:t>suporte</a:t>
-            </a:r>
-            <a:r>
-              <a:rPr lang="en-US" sz="3000" b="1" u="none" strike="noStrike" cap="none" dirty="0">
-                <a:solidFill>
-                  <a:srgbClr val="FFFFFF"/>
-                </a:solidFill>
-                <a:latin typeface="Poppins"/>
-                <a:ea typeface="Poppins"/>
-                <a:cs typeface="Poppins"/>
-                <a:sym typeface="Poppins"/>
-              </a:rPr>
-              <a:t> </a:t>
-            </a:r>
-            <a:r>
-              <a:rPr lang="en-US" sz="3000" b="1" u="none" strike="noStrike" cap="none" dirty="0" err="1">
-                <a:solidFill>
-                  <a:srgbClr val="FFFFFF"/>
-                </a:solidFill>
-                <a:latin typeface="Poppins"/>
-                <a:ea typeface="Poppins"/>
-                <a:cs typeface="Poppins"/>
-                <a:sym typeface="Poppins"/>
-              </a:rPr>
-              <a:t>fornecidos</a:t>
-            </a:r>
-            <a:r>
-              <a:rPr lang="en-US" sz="3000" b="1" u="none" strike="noStrike" cap="none" dirty="0">
-                <a:solidFill>
-                  <a:srgbClr val="FFFFFF"/>
-                </a:solidFill>
-                <a:latin typeface="Poppins"/>
-                <a:ea typeface="Poppins"/>
-                <a:cs typeface="Poppins"/>
-                <a:sym typeface="Poppins"/>
-              </a:rPr>
-              <a:t>. </a:t>
-            </a:r>
-            <a:endParaRPr b="1" dirty="0"/>
-          </a:p>
-          <a:p>
-            <a:pPr marL="0" marR="0" lvl="0" indent="0" algn="ctr" rtl="0">
-              <a:lnSpc>
-                <a:spcPct val="120000"/>
-              </a:lnSpc>
-              <a:spcBef>
-                <a:spcPts val="0"/>
-              </a:spcBef>
-              <a:spcAft>
-                <a:spcPts val="0"/>
-              </a:spcAft>
-              <a:buNone/>
-            </a:pPr>
-            <a:endParaRPr sz="3000" b="1" u="none" strike="noStrike" cap="none" dirty="0">
-              <a:solidFill>
-                <a:srgbClr val="FFFFFF"/>
-              </a:solidFill>
-              <a:latin typeface="Poppins"/>
-              <a:ea typeface="Poppins"/>
-              <a:cs typeface="Poppins"/>
-              <a:sym typeface="Poppins"/>
-            </a:endParaRPr>
-          </a:p>
-          <a:p>
-            <a:pPr marL="647700" marR="0" lvl="1" indent="-323850" algn="ctr" rtl="0">
-              <a:lnSpc>
-                <a:spcPct val="120000"/>
-              </a:lnSpc>
-              <a:spcBef>
-                <a:spcPts val="0"/>
-              </a:spcBef>
-              <a:spcAft>
-                <a:spcPts val="0"/>
-              </a:spcAft>
-              <a:buClr>
-                <a:srgbClr val="FFFFFF"/>
-              </a:buClr>
-              <a:buSzPts val="3000"/>
-              <a:buFont typeface="Arial"/>
-              <a:buChar char="•"/>
-            </a:pPr>
-            <a:r>
-              <a:rPr lang="en-US" sz="3000" b="1" u="none" strike="noStrike" cap="none" dirty="0" err="1">
-                <a:solidFill>
-                  <a:srgbClr val="FFFFFF"/>
-                </a:solidFill>
-                <a:latin typeface="Poppins"/>
-                <a:ea typeface="Poppins"/>
-                <a:cs typeface="Poppins"/>
-                <a:sym typeface="Poppins"/>
-              </a:rPr>
-              <a:t>Agradecem</a:t>
-            </a:r>
-            <a:r>
-              <a:rPr lang="en-US" sz="3000" b="1" u="none" strike="noStrike" cap="none" dirty="0">
-                <a:solidFill>
-                  <a:srgbClr val="FFFFFF"/>
-                </a:solidFill>
-                <a:latin typeface="Poppins"/>
-                <a:ea typeface="Poppins"/>
-                <a:cs typeface="Poppins"/>
-                <a:sym typeface="Poppins"/>
-              </a:rPr>
-              <a:t>, </a:t>
-            </a:r>
-            <a:r>
-              <a:rPr lang="en-US" sz="3000" b="1" u="none" strike="noStrike" cap="none" dirty="0" err="1">
-                <a:solidFill>
-                  <a:srgbClr val="FFFFFF"/>
-                </a:solidFill>
-                <a:latin typeface="Poppins"/>
-                <a:ea typeface="Poppins"/>
-                <a:cs typeface="Poppins"/>
-                <a:sym typeface="Poppins"/>
-              </a:rPr>
-              <a:t>também</a:t>
-            </a:r>
-            <a:r>
-              <a:rPr lang="en-US" sz="3000" b="1" u="none" strike="noStrike" cap="none" dirty="0">
-                <a:solidFill>
-                  <a:srgbClr val="FFFFFF"/>
-                </a:solidFill>
-                <a:latin typeface="Poppins"/>
-                <a:ea typeface="Poppins"/>
-                <a:cs typeface="Poppins"/>
-                <a:sym typeface="Poppins"/>
-              </a:rPr>
-              <a:t>, a </a:t>
-            </a:r>
-            <a:r>
-              <a:rPr lang="en-US" sz="3000" b="1" u="none" strike="noStrike" cap="none" dirty="0" err="1">
-                <a:solidFill>
-                  <a:srgbClr val="FFFFFF"/>
-                </a:solidFill>
-                <a:latin typeface="Poppins"/>
-                <a:ea typeface="Poppins"/>
-                <a:cs typeface="Poppins"/>
-                <a:sym typeface="Poppins"/>
-              </a:rPr>
-              <a:t>todos</a:t>
-            </a:r>
-            <a:r>
-              <a:rPr lang="en-US" sz="3000" b="1" u="none" strike="noStrike" cap="none" dirty="0">
-                <a:solidFill>
-                  <a:srgbClr val="FFFFFF"/>
-                </a:solidFill>
-                <a:latin typeface="Poppins"/>
-                <a:ea typeface="Poppins"/>
-                <a:cs typeface="Poppins"/>
-                <a:sym typeface="Poppins"/>
-              </a:rPr>
-              <a:t> </a:t>
-            </a:r>
-            <a:r>
-              <a:rPr lang="en-US" sz="3000" b="1" u="none" strike="noStrike" cap="none" dirty="0" err="1">
-                <a:solidFill>
-                  <a:srgbClr val="FFFFFF"/>
-                </a:solidFill>
-                <a:latin typeface="Poppins"/>
-                <a:ea typeface="Poppins"/>
-                <a:cs typeface="Poppins"/>
-                <a:sym typeface="Poppins"/>
-              </a:rPr>
-              <a:t>os</a:t>
-            </a:r>
-            <a:r>
-              <a:rPr lang="en-US" sz="3000" b="1" u="none" strike="noStrike" cap="none" dirty="0">
-                <a:solidFill>
-                  <a:srgbClr val="FFFFFF"/>
-                </a:solidFill>
-                <a:latin typeface="Poppins"/>
-                <a:ea typeface="Poppins"/>
-                <a:cs typeface="Poppins"/>
-                <a:sym typeface="Poppins"/>
-              </a:rPr>
-              <a:t> </a:t>
-            </a:r>
-            <a:r>
-              <a:rPr lang="en-US" sz="3000" b="1" u="none" strike="noStrike" cap="none" dirty="0" err="1">
-                <a:solidFill>
-                  <a:srgbClr val="FFFFFF"/>
-                </a:solidFill>
-                <a:latin typeface="Poppins"/>
-                <a:ea typeface="Poppins"/>
-                <a:cs typeface="Poppins"/>
-                <a:sym typeface="Poppins"/>
-              </a:rPr>
-              <a:t>professores</a:t>
-            </a:r>
-            <a:r>
-              <a:rPr lang="en-US" sz="3000" b="1" u="none" strike="noStrike" cap="none" dirty="0">
-                <a:solidFill>
-                  <a:srgbClr val="FFFFFF"/>
-                </a:solidFill>
-                <a:latin typeface="Poppins"/>
-                <a:ea typeface="Poppins"/>
-                <a:cs typeface="Poppins"/>
-                <a:sym typeface="Poppins"/>
-              </a:rPr>
-              <a:t> das </a:t>
-            </a:r>
-            <a:r>
-              <a:rPr lang="en-US" sz="3000" b="1" u="none" strike="noStrike" cap="none" dirty="0" err="1">
-                <a:solidFill>
-                  <a:srgbClr val="FFFFFF"/>
-                </a:solidFill>
-                <a:latin typeface="Poppins"/>
-                <a:ea typeface="Poppins"/>
-                <a:cs typeface="Poppins"/>
-                <a:sym typeface="Poppins"/>
-              </a:rPr>
-              <a:t>disciplinas</a:t>
-            </a:r>
-            <a:r>
-              <a:rPr lang="en-US" sz="3000" b="1" u="none" strike="noStrike" cap="none" dirty="0">
-                <a:solidFill>
-                  <a:srgbClr val="FFFFFF"/>
-                </a:solidFill>
-                <a:latin typeface="Poppins"/>
-                <a:ea typeface="Poppins"/>
-                <a:cs typeface="Poppins"/>
-                <a:sym typeface="Poppins"/>
-              </a:rPr>
-              <a:t> </a:t>
-            </a:r>
-            <a:r>
-              <a:rPr lang="en-US" sz="3000" b="1" u="none" strike="noStrike" cap="none" dirty="0" err="1">
-                <a:solidFill>
-                  <a:srgbClr val="FFFFFF"/>
-                </a:solidFill>
-                <a:latin typeface="Poppins"/>
-                <a:ea typeface="Poppins"/>
-                <a:cs typeface="Poppins"/>
-                <a:sym typeface="Poppins"/>
-              </a:rPr>
-              <a:t>técnicas</a:t>
-            </a:r>
-            <a:r>
-              <a:rPr lang="en-US" sz="3000" b="1" u="none" strike="noStrike" cap="none" dirty="0">
-                <a:solidFill>
-                  <a:srgbClr val="FFFFFF"/>
-                </a:solidFill>
-                <a:latin typeface="Poppins"/>
-                <a:ea typeface="Poppins"/>
-                <a:cs typeface="Poppins"/>
-                <a:sym typeface="Poppins"/>
-              </a:rPr>
-              <a:t> do </a:t>
-            </a:r>
-            <a:r>
-              <a:rPr lang="en-US" sz="3000" b="1" u="none" strike="noStrike" cap="none" dirty="0" err="1">
-                <a:solidFill>
-                  <a:srgbClr val="FFFFFF"/>
-                </a:solidFill>
-                <a:latin typeface="Poppins"/>
-                <a:ea typeface="Poppins"/>
-                <a:cs typeface="Poppins"/>
-                <a:sym typeface="Poppins"/>
-              </a:rPr>
-              <a:t>Curso</a:t>
-            </a:r>
-            <a:r>
-              <a:rPr lang="en-US" sz="3000" b="1" u="none" strike="noStrike" cap="none" dirty="0">
-                <a:solidFill>
-                  <a:srgbClr val="FFFFFF"/>
-                </a:solidFill>
-                <a:latin typeface="Poppins"/>
-                <a:ea typeface="Poppins"/>
-                <a:cs typeface="Poppins"/>
-                <a:sym typeface="Poppins"/>
-              </a:rPr>
-              <a:t> Técnico </a:t>
-            </a:r>
-            <a:r>
-              <a:rPr lang="en-US" sz="3000" b="1" u="none" strike="noStrike" cap="none" dirty="0" err="1">
-                <a:solidFill>
-                  <a:srgbClr val="FFFFFF"/>
-                </a:solidFill>
-                <a:latin typeface="Poppins"/>
-                <a:ea typeface="Poppins"/>
-                <a:cs typeface="Poppins"/>
-                <a:sym typeface="Poppins"/>
-              </a:rPr>
-              <a:t>Integrado</a:t>
-            </a:r>
-            <a:r>
-              <a:rPr lang="en-US" sz="3000" b="1" u="none" strike="noStrike" cap="none" dirty="0">
-                <a:solidFill>
-                  <a:srgbClr val="FFFFFF"/>
-                </a:solidFill>
-                <a:latin typeface="Poppins"/>
-                <a:ea typeface="Poppins"/>
-                <a:cs typeface="Poppins"/>
-                <a:sym typeface="Poppins"/>
-              </a:rPr>
-              <a:t> </a:t>
-            </a:r>
-            <a:r>
-              <a:rPr lang="en-US" sz="3000" b="1" u="none" strike="noStrike" cap="none" dirty="0" err="1">
-                <a:solidFill>
-                  <a:srgbClr val="FFFFFF"/>
-                </a:solidFill>
-                <a:latin typeface="Poppins"/>
-                <a:ea typeface="Poppins"/>
-                <a:cs typeface="Poppins"/>
-                <a:sym typeface="Poppins"/>
-              </a:rPr>
-              <a:t>em</a:t>
-            </a:r>
-            <a:r>
-              <a:rPr lang="en-US" sz="3000" b="1" u="none" strike="noStrike" cap="none" dirty="0">
-                <a:solidFill>
-                  <a:srgbClr val="FFFFFF"/>
-                </a:solidFill>
-                <a:latin typeface="Poppins"/>
-                <a:ea typeface="Poppins"/>
-                <a:cs typeface="Poppins"/>
-                <a:sym typeface="Poppins"/>
-              </a:rPr>
-              <a:t> </a:t>
-            </a:r>
-            <a:r>
-              <a:rPr lang="en-US" sz="3000" b="1" u="none" strike="noStrike" cap="none" dirty="0" err="1">
-                <a:solidFill>
-                  <a:srgbClr val="FFFFFF"/>
-                </a:solidFill>
-                <a:latin typeface="Poppins"/>
-                <a:ea typeface="Poppins"/>
-                <a:cs typeface="Poppins"/>
-                <a:sym typeface="Poppins"/>
-              </a:rPr>
-              <a:t>Informática</a:t>
-            </a:r>
-            <a:r>
-              <a:rPr lang="en-US" sz="3000" b="1" u="none" strike="noStrike" cap="none" dirty="0">
-                <a:solidFill>
-                  <a:srgbClr val="FFFFFF"/>
-                </a:solidFill>
-                <a:latin typeface="Poppins"/>
-                <a:ea typeface="Poppins"/>
-                <a:cs typeface="Poppins"/>
-                <a:sym typeface="Poppins"/>
-              </a:rPr>
-              <a:t>, </a:t>
-            </a:r>
-            <a:endParaRPr b="1" dirty="0"/>
-          </a:p>
-        </p:txBody>
-      </p:sp>
-      <p:pic>
-        <p:nvPicPr>
-          <p:cNvPr id="192" name="Google Shape;192;p10"/>
-          <p:cNvPicPr preferRelativeResize="0"/>
-          <p:nvPr/>
-        </p:nvPicPr>
-        <p:blipFill rotWithShape="1">
-          <a:blip r:embed="rId5">
-            <a:alphaModFix/>
-          </a:blip>
-          <a:srcRect/>
-          <a:stretch/>
-        </p:blipFill>
-        <p:spPr>
-          <a:xfrm>
-            <a:off x="419273" y="52214"/>
-            <a:ext cx="2061665" cy="2386186"/>
-          </a:xfrm>
-          <a:prstGeom prst="rect">
-            <a:avLst/>
-          </a:prstGeom>
-          <a:noFill/>
-          <a:ln>
-            <a:noFill/>
-          </a:ln>
-        </p:spPr>
-      </p:pic>
-      <p:pic>
-        <p:nvPicPr>
-          <p:cNvPr id="2" name="Imagem 1">
-            <a:extLst>
-              <a:ext uri="{FF2B5EF4-FFF2-40B4-BE49-F238E27FC236}">
-                <a16:creationId xmlns:a16="http://schemas.microsoft.com/office/drawing/2014/main" id="{72338A61-DEBC-1D1D-0C9C-30E8338D7E6B}"/>
-              </a:ext>
-            </a:extLst>
-          </p:cNvPr>
-          <p:cNvPicPr>
-            <a:picLocks noChangeAspect="1"/>
-          </p:cNvPicPr>
-          <p:nvPr/>
-        </p:nvPicPr>
-        <p:blipFill>
-          <a:blip r:embed="rId6"/>
-          <a:stretch>
-            <a:fillRect/>
-          </a:stretch>
-        </p:blipFill>
-        <p:spPr>
-          <a:xfrm>
-            <a:off x="12075889" y="224902"/>
-            <a:ext cx="5792838" cy="1448210"/>
-          </a:xfrm>
-          <a:prstGeom prst="rect">
-            <a:avLst/>
-          </a:prstGeom>
-        </p:spPr>
-      </p:pic>
-    </p:spTree>
-  </p:cSld>
-  <p:clrMapOvr>
-    <a:masterClrMapping/>
-  </p:clrMapOvr>
-</p:sld>
-</file>
-
-<file path=ppt/slides/slide19.xml><?xml version="1.0" encoding="utf-8"?>
-<p:sld xmlns:a="http://schemas.openxmlformats.org/drawingml/2006/main" xmlns:r="http://schemas.openxmlformats.org/officeDocument/2006/relationships" xmlns:p="http://schemas.openxmlformats.org/presentationml/2006/main">
-  <p:cSld>
-    <p:bg>
-      <p:bgPr>
-        <a:solidFill>
-          <a:srgbClr val="03989E"/>
-        </a:solidFill>
-        <a:effectLst/>
-      </p:bgPr>
-    </p:bg>
-    <p:spTree>
-      <p:nvGrpSpPr>
-        <p:cNvPr id="1" name="Shape 196"/>
-        <p:cNvGrpSpPr/>
-        <p:nvPr/>
-      </p:nvGrpSpPr>
-      <p:grpSpPr>
-        <a:xfrm>
-          <a:off x="0" y="0"/>
-          <a:ext cx="0" cy="0"/>
-          <a:chOff x="0" y="0"/>
-          <a:chExt cx="0" cy="0"/>
-        </a:xfrm>
-      </p:grpSpPr>
-      <p:pic>
-        <p:nvPicPr>
-          <p:cNvPr id="197" name="Google Shape;197;p11"/>
-          <p:cNvPicPr preferRelativeResize="0"/>
-          <p:nvPr/>
-        </p:nvPicPr>
-        <p:blipFill rotWithShape="1">
-          <a:blip r:embed="rId3">
-            <a:alphaModFix amt="9999"/>
-          </a:blip>
-          <a:srcRect/>
-          <a:stretch/>
-        </p:blipFill>
-        <p:spPr>
-          <a:xfrm rot="-5400000">
-            <a:off x="14304471" y="-2201874"/>
-            <a:ext cx="5534692" cy="5735432"/>
-          </a:xfrm>
-          <a:prstGeom prst="rect">
-            <a:avLst/>
-          </a:prstGeom>
-          <a:noFill/>
-          <a:ln>
-            <a:noFill/>
-          </a:ln>
-        </p:spPr>
-      </p:pic>
-      <p:pic>
-        <p:nvPicPr>
-          <p:cNvPr id="198" name="Google Shape;198;p11"/>
-          <p:cNvPicPr preferRelativeResize="0"/>
-          <p:nvPr/>
-        </p:nvPicPr>
-        <p:blipFill rotWithShape="1">
-          <a:blip r:embed="rId3">
-            <a:alphaModFix/>
-          </a:blip>
-          <a:srcRect/>
-          <a:stretch/>
-        </p:blipFill>
-        <p:spPr>
-          <a:xfrm rot="-8234702">
-            <a:off x="362240" y="7896477"/>
-            <a:ext cx="2628319" cy="2723647"/>
-          </a:xfrm>
-          <a:prstGeom prst="rect">
-            <a:avLst/>
-          </a:prstGeom>
-          <a:noFill/>
-          <a:ln>
-            <a:noFill/>
-          </a:ln>
-        </p:spPr>
-      </p:pic>
-      <p:pic>
-        <p:nvPicPr>
-          <p:cNvPr id="199" name="Google Shape;199;p11"/>
-          <p:cNvPicPr preferRelativeResize="0"/>
-          <p:nvPr/>
-        </p:nvPicPr>
-        <p:blipFill rotWithShape="1">
-          <a:blip r:embed="rId3">
-            <a:alphaModFix amt="9999"/>
-          </a:blip>
-          <a:srcRect/>
-          <a:stretch/>
-        </p:blipFill>
-        <p:spPr>
-          <a:xfrm rot="-9653010">
-            <a:off x="-2710651" y="-2116072"/>
-            <a:ext cx="8774102" cy="9092333"/>
-          </a:xfrm>
-          <a:prstGeom prst="rect">
-            <a:avLst/>
-          </a:prstGeom>
-          <a:noFill/>
-          <a:ln>
-            <a:noFill/>
-          </a:ln>
-        </p:spPr>
-      </p:pic>
-      <p:pic>
-        <p:nvPicPr>
-          <p:cNvPr id="200" name="Google Shape;200;p11"/>
-          <p:cNvPicPr preferRelativeResize="0"/>
-          <p:nvPr/>
-        </p:nvPicPr>
-        <p:blipFill rotWithShape="1">
-          <a:blip r:embed="rId3">
-            <a:alphaModFix amt="9999"/>
-          </a:blip>
-          <a:srcRect/>
-          <a:stretch/>
-        </p:blipFill>
-        <p:spPr>
-          <a:xfrm rot="-896806">
-            <a:off x="-1451748" y="4448377"/>
-            <a:ext cx="6599197" cy="6838546"/>
-          </a:xfrm>
-          <a:prstGeom prst="rect">
-            <a:avLst/>
-          </a:prstGeom>
-          <a:noFill/>
-          <a:ln>
-            <a:noFill/>
-          </a:ln>
-        </p:spPr>
-      </p:pic>
-      <p:sp>
-        <p:nvSpPr>
-          <p:cNvPr id="201" name="Google Shape;201;p11"/>
-          <p:cNvSpPr/>
-          <p:nvPr/>
-        </p:nvSpPr>
-        <p:spPr>
-          <a:xfrm>
-            <a:off x="1189884" y="8919663"/>
-            <a:ext cx="1175830" cy="1181100"/>
-          </a:xfrm>
-          <a:custGeom>
-            <a:avLst/>
-            <a:gdLst/>
-            <a:ahLst/>
-            <a:cxnLst/>
-            <a:rect l="l" t="t" r="r" b="b"/>
-            <a:pathLst>
-              <a:path w="6321665" h="6350000" extrusionOk="0">
-                <a:moveTo>
-                  <a:pt x="3160833" y="0"/>
-                </a:moveTo>
-                <a:lnTo>
-                  <a:pt x="3160833" y="0"/>
-                </a:lnTo>
-                <a:cubicBezTo>
-                  <a:pt x="4908795" y="7817"/>
-                  <a:pt x="6321666" y="1427021"/>
-                  <a:pt x="6321666" y="3175000"/>
-                </a:cubicBezTo>
-                <a:cubicBezTo>
-                  <a:pt x="6321666" y="4922979"/>
-                  <a:pt x="4908795" y="6342183"/>
-                  <a:pt x="3160833" y="6350000"/>
-                </a:cubicBezTo>
-                <a:cubicBezTo>
-                  <a:pt x="1412871" y="6342183"/>
-                  <a:pt x="0" y="4922979"/>
-                  <a:pt x="0" y="3175000"/>
-                </a:cubicBezTo>
-                <a:cubicBezTo>
-                  <a:pt x="0" y="1427021"/>
-                  <a:pt x="1412871" y="7817"/>
-                  <a:pt x="3160833" y="0"/>
-                </a:cubicBezTo>
-                <a:close/>
-              </a:path>
-            </a:pathLst>
-          </a:custGeom>
-          <a:solidFill>
-            <a:srgbClr val="04345C"/>
-          </a:solidFill>
-          <a:ln>
-            <a:noFill/>
-          </a:ln>
-        </p:spPr>
-        <p:txBody>
-          <a:bodyPr spcFirstLastPara="1" wrap="square" lIns="91425" tIns="91425" rIns="91425" bIns="91425" anchor="ctr" anchorCtr="0">
-            <a:noAutofit/>
-          </a:bodyPr>
-          <a:lstStyle/>
-          <a:p>
-            <a:pPr marL="0" lvl="0" indent="0" algn="l" rtl="0">
-              <a:spcBef>
-                <a:spcPts val="0"/>
-              </a:spcBef>
-              <a:spcAft>
-                <a:spcPts val="0"/>
-              </a:spcAft>
-              <a:buNone/>
-            </a:pPr>
-            <a:endParaRPr/>
-          </a:p>
-        </p:txBody>
-      </p:sp>
-      <p:sp>
-        <p:nvSpPr>
-          <p:cNvPr id="202" name="Google Shape;202;p11"/>
-          <p:cNvSpPr txBox="1"/>
-          <p:nvPr/>
-        </p:nvSpPr>
-        <p:spPr>
-          <a:xfrm>
-            <a:off x="2480938" y="1658624"/>
-            <a:ext cx="14273975" cy="886397"/>
-          </a:xfrm>
-          <a:prstGeom prst="rect">
-            <a:avLst/>
-          </a:prstGeom>
-          <a:noFill/>
-          <a:ln>
-            <a:noFill/>
-          </a:ln>
-        </p:spPr>
-        <p:txBody>
-          <a:bodyPr spcFirstLastPara="1" wrap="square" lIns="0" tIns="0" rIns="0" bIns="0" anchor="t" anchorCtr="0">
-            <a:spAutoFit/>
-          </a:bodyPr>
-          <a:lstStyle/>
-          <a:p>
-            <a:pPr marL="0" marR="0" lvl="0" indent="0" algn="ctr" rtl="0">
-              <a:lnSpc>
-                <a:spcPct val="119979"/>
-              </a:lnSpc>
-              <a:spcBef>
-                <a:spcPts val="0"/>
-              </a:spcBef>
-              <a:spcAft>
-                <a:spcPts val="0"/>
-              </a:spcAft>
-              <a:buNone/>
-            </a:pPr>
-            <a:r>
-              <a:rPr lang="en-US" sz="4800" b="1" i="0" u="none" strike="noStrike" cap="none" dirty="0">
-                <a:solidFill>
-                  <a:srgbClr val="0000FF"/>
-                </a:solidFill>
-                <a:latin typeface="Poppins"/>
-                <a:ea typeface="Poppins"/>
-                <a:cs typeface="Poppins"/>
-                <a:sym typeface="Poppins"/>
-              </a:rPr>
-              <a:t>REFERÊNCIAS</a:t>
-            </a:r>
-            <a:endParaRPr dirty="0">
-              <a:solidFill>
-                <a:srgbClr val="0000FF"/>
-              </a:solidFill>
-            </a:endParaRPr>
-          </a:p>
-        </p:txBody>
-      </p:sp>
-      <p:sp>
-        <p:nvSpPr>
-          <p:cNvPr id="203" name="Google Shape;203;p11"/>
-          <p:cNvSpPr txBox="1"/>
-          <p:nvPr/>
-        </p:nvSpPr>
-        <p:spPr>
-          <a:xfrm>
-            <a:off x="1189884" y="2487245"/>
-            <a:ext cx="17098116" cy="7109639"/>
-          </a:xfrm>
-          <a:prstGeom prst="rect">
-            <a:avLst/>
-          </a:prstGeom>
-          <a:noFill/>
-          <a:ln>
-            <a:noFill/>
-          </a:ln>
-        </p:spPr>
-        <p:txBody>
-          <a:bodyPr spcFirstLastPara="1" wrap="square" lIns="0" tIns="0" rIns="0" bIns="0" anchor="t" anchorCtr="0">
-            <a:spAutoFit/>
-          </a:bodyPr>
-          <a:lstStyle/>
-          <a:p>
-            <a:pPr marL="0" marR="0" lvl="0" indent="0" algn="ctr" rtl="0">
-              <a:lnSpc>
-                <a:spcPct val="120000"/>
-              </a:lnSpc>
-              <a:spcBef>
-                <a:spcPts val="0"/>
-              </a:spcBef>
-              <a:spcAft>
-                <a:spcPts val="0"/>
-              </a:spcAft>
-              <a:buNone/>
-            </a:pPr>
-            <a:r>
-              <a:rPr lang="pt-BR" sz="3500" b="1" i="0" u="none" strike="noStrike" cap="none" dirty="0">
-                <a:solidFill>
-                  <a:srgbClr val="FFFFFF"/>
-                </a:solidFill>
-                <a:latin typeface="Poppins"/>
-                <a:ea typeface="Poppins"/>
-                <a:cs typeface="Poppins"/>
-                <a:sym typeface="Poppins"/>
-              </a:rPr>
-              <a:t>HEUSER, Carlos Alberto. Projeto de banco de dados: 6.ed. </a:t>
-            </a:r>
-          </a:p>
-          <a:p>
-            <a:pPr marL="0" marR="0" lvl="0" indent="0" algn="ctr" rtl="0">
-              <a:lnSpc>
-                <a:spcPct val="120000"/>
-              </a:lnSpc>
-              <a:spcBef>
-                <a:spcPts val="0"/>
-              </a:spcBef>
-              <a:spcAft>
-                <a:spcPts val="0"/>
-              </a:spcAft>
-              <a:buNone/>
-            </a:pPr>
-            <a:r>
-              <a:rPr lang="pt-BR" sz="3500" b="1" i="0" u="none" strike="noStrike" cap="none" dirty="0">
-                <a:solidFill>
-                  <a:srgbClr val="FFFFFF"/>
-                </a:solidFill>
-                <a:latin typeface="Poppins"/>
-                <a:ea typeface="Poppins"/>
-                <a:cs typeface="Poppins"/>
-                <a:sym typeface="Poppins"/>
-              </a:rPr>
-              <a:t>Porto Alegre: Bookman, 2009.</a:t>
-            </a:r>
-          </a:p>
-          <a:p>
-            <a:pPr marL="0" marR="0" lvl="0" indent="0" algn="ctr" rtl="0">
-              <a:lnSpc>
-                <a:spcPct val="120000"/>
-              </a:lnSpc>
-              <a:spcBef>
-                <a:spcPts val="0"/>
-              </a:spcBef>
-              <a:spcAft>
-                <a:spcPts val="0"/>
-              </a:spcAft>
-              <a:buNone/>
-            </a:pPr>
-            <a:endParaRPr lang="pt-BR" sz="3500" b="1" i="0" u="none" strike="noStrike" cap="none" dirty="0">
-              <a:solidFill>
-                <a:srgbClr val="FFFFFF"/>
-              </a:solidFill>
-              <a:latin typeface="Poppins"/>
-              <a:ea typeface="Poppins"/>
-              <a:cs typeface="Poppins"/>
-              <a:sym typeface="Poppins"/>
-            </a:endParaRPr>
-          </a:p>
-          <a:p>
-            <a:pPr marL="0" marR="0" lvl="0" indent="0" algn="ctr" rtl="0">
-              <a:lnSpc>
-                <a:spcPct val="120000"/>
-              </a:lnSpc>
-              <a:spcBef>
-                <a:spcPts val="0"/>
-              </a:spcBef>
-              <a:spcAft>
-                <a:spcPts val="0"/>
-              </a:spcAft>
-              <a:buNone/>
-            </a:pPr>
-            <a:r>
-              <a:rPr lang="pt-BR" sz="3500" b="1" i="0" u="none" strike="noStrike" cap="none" dirty="0">
-                <a:solidFill>
-                  <a:srgbClr val="FFFFFF"/>
-                </a:solidFill>
-                <a:latin typeface="Poppins"/>
-                <a:ea typeface="Poppins"/>
-                <a:cs typeface="Poppins"/>
-                <a:sym typeface="Poppins"/>
-              </a:rPr>
-              <a:t>DEITEL; DEITEL, 2010. Java: como programar. 8ª ed. </a:t>
-            </a:r>
-          </a:p>
-          <a:p>
-            <a:pPr marL="0" marR="0" lvl="0" indent="0" algn="ctr" rtl="0">
-              <a:lnSpc>
-                <a:spcPct val="120000"/>
-              </a:lnSpc>
-              <a:spcBef>
-                <a:spcPts val="0"/>
-              </a:spcBef>
-              <a:spcAft>
-                <a:spcPts val="0"/>
-              </a:spcAft>
-              <a:buNone/>
-            </a:pPr>
-            <a:r>
-              <a:rPr lang="pt-BR" sz="3500" b="1" i="0" u="none" strike="noStrike" cap="none" dirty="0">
-                <a:solidFill>
-                  <a:srgbClr val="FFFFFF"/>
-                </a:solidFill>
-                <a:latin typeface="Poppins"/>
-                <a:ea typeface="Poppins"/>
-                <a:cs typeface="Poppins"/>
-                <a:sym typeface="Poppins"/>
-              </a:rPr>
-              <a:t>São Paulo: Pearson </a:t>
-            </a:r>
-            <a:r>
-              <a:rPr lang="pt-BR" sz="3500" b="1" i="0" u="none" strike="noStrike" cap="none" dirty="0" err="1">
-                <a:solidFill>
-                  <a:srgbClr val="FFFFFF"/>
-                </a:solidFill>
-                <a:latin typeface="Poppins"/>
-                <a:ea typeface="Poppins"/>
-                <a:cs typeface="Poppins"/>
-                <a:sym typeface="Poppins"/>
-              </a:rPr>
-              <a:t>Education</a:t>
-            </a:r>
-            <a:r>
-              <a:rPr lang="pt-BR" sz="3500" b="1" i="0" u="none" strike="noStrike" cap="none" dirty="0">
-                <a:solidFill>
-                  <a:srgbClr val="FFFFFF"/>
-                </a:solidFill>
-                <a:latin typeface="Poppins"/>
-                <a:ea typeface="Poppins"/>
-                <a:cs typeface="Poppins"/>
-                <a:sym typeface="Poppins"/>
-              </a:rPr>
-              <a:t> do Brasil, 2010.</a:t>
-            </a:r>
-          </a:p>
-          <a:p>
-            <a:pPr marL="0" marR="0" lvl="0" indent="0" algn="ctr" rtl="0">
-              <a:lnSpc>
-                <a:spcPct val="120000"/>
-              </a:lnSpc>
-              <a:spcBef>
-                <a:spcPts val="0"/>
-              </a:spcBef>
-              <a:spcAft>
-                <a:spcPts val="0"/>
-              </a:spcAft>
-              <a:buNone/>
-            </a:pPr>
-            <a:endParaRPr lang="pt-BR" sz="3500" b="1" i="0" u="none" strike="noStrike" cap="none" dirty="0">
-              <a:solidFill>
-                <a:srgbClr val="FFFFFF"/>
-              </a:solidFill>
-              <a:latin typeface="Poppins"/>
-              <a:ea typeface="Poppins"/>
-              <a:cs typeface="Poppins"/>
-              <a:sym typeface="Poppins"/>
-            </a:endParaRPr>
-          </a:p>
-          <a:p>
-            <a:pPr marL="0" marR="0" lvl="0" indent="0" algn="ctr" rtl="0">
-              <a:lnSpc>
-                <a:spcPct val="120000"/>
-              </a:lnSpc>
-              <a:spcBef>
-                <a:spcPts val="0"/>
-              </a:spcBef>
-              <a:spcAft>
-                <a:spcPts val="0"/>
-              </a:spcAft>
-              <a:buNone/>
-            </a:pPr>
-            <a:r>
-              <a:rPr lang="pt-BR" sz="3500" b="1" i="0" u="none" strike="noStrike" cap="none" dirty="0">
-                <a:solidFill>
-                  <a:srgbClr val="FFFFFF"/>
-                </a:solidFill>
-                <a:latin typeface="Poppins"/>
-                <a:ea typeface="Poppins"/>
-                <a:cs typeface="Poppins"/>
-                <a:sym typeface="Poppins"/>
-              </a:rPr>
-              <a:t>GUEDES, G. T. A. UML 2 - Uma abordagem prática. </a:t>
-            </a:r>
-            <a:r>
-              <a:rPr lang="pt-BR" sz="3500" b="1" i="0" u="none" strike="noStrike" cap="none" dirty="0" err="1">
-                <a:solidFill>
-                  <a:srgbClr val="FFFFFF"/>
-                </a:solidFill>
-                <a:latin typeface="Poppins"/>
-                <a:ea typeface="Poppins"/>
-                <a:cs typeface="Poppins"/>
-                <a:sym typeface="Poppins"/>
-              </a:rPr>
-              <a:t>Novatec</a:t>
-            </a:r>
-            <a:r>
-              <a:rPr lang="pt-BR" sz="3500" b="1" i="0" u="none" strike="noStrike" cap="none" dirty="0">
-                <a:solidFill>
-                  <a:srgbClr val="FFFFFF"/>
-                </a:solidFill>
-                <a:latin typeface="Poppins"/>
-                <a:ea typeface="Poppins"/>
-                <a:cs typeface="Poppins"/>
-                <a:sym typeface="Poppins"/>
-              </a:rPr>
-              <a:t> </a:t>
-            </a:r>
-          </a:p>
-          <a:p>
-            <a:pPr marL="0" marR="0" lvl="0" indent="0" algn="ctr" rtl="0">
-              <a:lnSpc>
-                <a:spcPct val="120000"/>
-              </a:lnSpc>
-              <a:spcBef>
-                <a:spcPts val="0"/>
-              </a:spcBef>
-              <a:spcAft>
-                <a:spcPts val="0"/>
-              </a:spcAft>
-              <a:buNone/>
-            </a:pPr>
-            <a:r>
-              <a:rPr lang="pt-BR" sz="3500" b="1" i="0" u="none" strike="noStrike" cap="none" dirty="0">
-                <a:solidFill>
-                  <a:srgbClr val="FFFFFF"/>
-                </a:solidFill>
-                <a:latin typeface="Poppins"/>
-                <a:ea typeface="Poppins"/>
-                <a:cs typeface="Poppins"/>
-                <a:sym typeface="Poppins"/>
-              </a:rPr>
-              <a:t>Editora, 2018.</a:t>
-            </a:r>
-          </a:p>
-          <a:p>
-            <a:pPr marL="0" marR="0" lvl="0" indent="0" algn="ctr" rtl="0">
-              <a:lnSpc>
-                <a:spcPct val="120000"/>
-              </a:lnSpc>
-              <a:spcBef>
-                <a:spcPts val="0"/>
-              </a:spcBef>
-              <a:spcAft>
-                <a:spcPts val="0"/>
-              </a:spcAft>
-              <a:buNone/>
-            </a:pPr>
-            <a:endParaRPr lang="pt-BR" sz="3500" b="1" i="0" u="none" strike="noStrike" cap="none" dirty="0">
-              <a:solidFill>
-                <a:srgbClr val="FFFFFF"/>
-              </a:solidFill>
-              <a:latin typeface="Poppins"/>
-              <a:ea typeface="Poppins"/>
-              <a:cs typeface="Poppins"/>
-              <a:sym typeface="Poppins"/>
-            </a:endParaRPr>
-          </a:p>
-          <a:p>
-            <a:pPr marL="0" marR="0" lvl="0" indent="0" algn="ctr" rtl="0">
-              <a:lnSpc>
-                <a:spcPct val="120000"/>
-              </a:lnSpc>
-              <a:spcBef>
-                <a:spcPts val="0"/>
-              </a:spcBef>
-              <a:spcAft>
-                <a:spcPts val="0"/>
-              </a:spcAft>
-              <a:buNone/>
-            </a:pPr>
-            <a:r>
-              <a:rPr lang="pt-BR" sz="3500" b="1" i="0" u="none" strike="noStrike" cap="none" dirty="0">
-                <a:solidFill>
-                  <a:srgbClr val="FFFFFF"/>
-                </a:solidFill>
-                <a:latin typeface="Poppins"/>
-                <a:ea typeface="Poppins"/>
-                <a:cs typeface="Poppins"/>
-                <a:sym typeface="Poppins"/>
-              </a:rPr>
-              <a:t>NEVES, Pedro M. C.; RUAS, Rui </a:t>
-            </a:r>
-            <a:r>
-              <a:rPr lang="pt-BR" sz="3500" b="1" i="0" u="none" strike="noStrike" cap="none" dirty="0" err="1">
-                <a:solidFill>
-                  <a:srgbClr val="FFFFFF"/>
-                </a:solidFill>
-                <a:latin typeface="Poppins"/>
-                <a:ea typeface="Poppins"/>
-                <a:cs typeface="Poppins"/>
-                <a:sym typeface="Poppins"/>
-              </a:rPr>
-              <a:t>p.F</a:t>
-            </a:r>
-            <a:r>
-              <a:rPr lang="pt-BR" sz="3500" b="1" i="0" u="none" strike="noStrike" cap="none" dirty="0">
-                <a:solidFill>
-                  <a:srgbClr val="FFFFFF"/>
-                </a:solidFill>
-                <a:latin typeface="Poppins"/>
-                <a:ea typeface="Poppins"/>
-                <a:cs typeface="Poppins"/>
-                <a:sym typeface="Poppins"/>
-              </a:rPr>
-              <a:t> O guia prático do </a:t>
-            </a:r>
-          </a:p>
-          <a:p>
-            <a:pPr marL="0" marR="0" lvl="0" indent="0" algn="ctr" rtl="0">
-              <a:lnSpc>
-                <a:spcPct val="120000"/>
-              </a:lnSpc>
-              <a:spcBef>
-                <a:spcPts val="0"/>
-              </a:spcBef>
-              <a:spcAft>
-                <a:spcPts val="0"/>
-              </a:spcAft>
-              <a:buNone/>
-            </a:pPr>
-            <a:r>
-              <a:rPr lang="pt-BR" sz="3500" b="1" i="0" u="none" strike="noStrike" cap="none" dirty="0">
-                <a:solidFill>
-                  <a:srgbClr val="FFFFFF"/>
-                </a:solidFill>
-                <a:latin typeface="Poppins"/>
-                <a:ea typeface="Poppins"/>
-                <a:cs typeface="Poppins"/>
-                <a:sym typeface="Poppins"/>
-              </a:rPr>
-              <a:t>MySQL. 2005. </a:t>
-            </a:r>
-            <a:r>
-              <a:rPr lang="pt-BR" sz="3500" b="1" i="0" u="none" strike="noStrike" cap="none" dirty="0" err="1">
-                <a:solidFill>
-                  <a:srgbClr val="FFFFFF"/>
-                </a:solidFill>
-                <a:latin typeface="Poppins"/>
-                <a:ea typeface="Poppins"/>
-                <a:cs typeface="Poppins"/>
-                <a:sym typeface="Poppins"/>
-              </a:rPr>
-              <a:t>Dísponivel</a:t>
-            </a:r>
-            <a:r>
-              <a:rPr lang="pt-BR" sz="3500" b="1" i="0" u="none" strike="noStrike" cap="none" dirty="0">
-                <a:solidFill>
-                  <a:srgbClr val="FFFFFF"/>
-                </a:solidFill>
-                <a:latin typeface="Poppins"/>
-                <a:ea typeface="Poppins"/>
-                <a:cs typeface="Poppins"/>
-                <a:sym typeface="Poppins"/>
-              </a:rPr>
-              <a:t> em: Acesso em 09 set. 2019</a:t>
-            </a:r>
-            <a:endParaRPr lang="pt-BR" dirty="0"/>
-          </a:p>
-        </p:txBody>
-      </p:sp>
-      <p:pic>
-        <p:nvPicPr>
-          <p:cNvPr id="204" name="Google Shape;204;p11"/>
-          <p:cNvPicPr preferRelativeResize="0"/>
-          <p:nvPr/>
-        </p:nvPicPr>
-        <p:blipFill rotWithShape="1">
-          <a:blip r:embed="rId4">
-            <a:alphaModFix/>
-          </a:blip>
-          <a:srcRect/>
-          <a:stretch/>
-        </p:blipFill>
-        <p:spPr>
-          <a:xfrm>
-            <a:off x="419273" y="52214"/>
-            <a:ext cx="2061665" cy="2386186"/>
-          </a:xfrm>
-          <a:prstGeom prst="rect">
-            <a:avLst/>
-          </a:prstGeom>
-          <a:noFill/>
-          <a:ln>
-            <a:noFill/>
-          </a:ln>
-        </p:spPr>
-      </p:pic>
-      <p:pic>
-        <p:nvPicPr>
-          <p:cNvPr id="2" name="Imagem 1">
-            <a:extLst>
-              <a:ext uri="{FF2B5EF4-FFF2-40B4-BE49-F238E27FC236}">
-                <a16:creationId xmlns:a16="http://schemas.microsoft.com/office/drawing/2014/main" id="{9C2FD1C9-8603-C01F-9658-44B27673DD84}"/>
-              </a:ext>
-            </a:extLst>
-          </p:cNvPr>
-          <p:cNvPicPr>
-            <a:picLocks noChangeAspect="1"/>
-          </p:cNvPicPr>
-          <p:nvPr/>
-        </p:nvPicPr>
-        <p:blipFill>
-          <a:blip r:embed="rId5"/>
-          <a:stretch>
-            <a:fillRect/>
-          </a:stretch>
-        </p:blipFill>
-        <p:spPr>
-          <a:xfrm>
-            <a:off x="12075889" y="224902"/>
-            <a:ext cx="5792838" cy="1448210"/>
-          </a:xfrm>
-          <a:prstGeom prst="rect">
-            <a:avLst/>
-          </a:prstGeom>
-        </p:spPr>
-      </p:pic>
     </p:spTree>
   </p:cSld>
   <p:clrMapOvr>
@@ -16586,36 +12857,6 @@
           </a:ln>
         </p:spPr>
       </p:pic>
-      <p:pic>
-        <p:nvPicPr>
-          <p:cNvPr id="2" name="Imagem 1">
-            <a:extLst>
-              <a:ext uri="{FF2B5EF4-FFF2-40B4-BE49-F238E27FC236}">
-                <a16:creationId xmlns:a16="http://schemas.microsoft.com/office/drawing/2014/main" id="{3A1A4E7B-16EA-D4AC-5D97-C9DE1ECB984F}"/>
-              </a:ext>
-            </a:extLst>
-          </p:cNvPr>
-          <p:cNvPicPr>
-            <a:picLocks noChangeAspect="1"/>
-          </p:cNvPicPr>
-          <p:nvPr/>
-        </p:nvPicPr>
-        <p:blipFill>
-          <a:blip r:embed="rId6"/>
-          <a:stretch>
-            <a:fillRect/>
-          </a:stretch>
-        </p:blipFill>
-        <p:spPr>
-          <a:xfrm>
-            <a:off x="12075889" y="224902"/>
-            <a:ext cx="5792838" cy="1448210"/>
-          </a:xfrm>
-          <a:prstGeom prst="rect">
-            <a:avLst/>
-          </a:prstGeom>
-        </p:spPr>
-      </p:pic>
     </p:spTree>
   </p:cSld>
   <p:clrMapOvr>
@@ -17022,36 +13263,6 @@
           <a:ln>
             <a:noFill/>
           </a:ln>
-        </p:spPr>
-      </p:pic>
-      <p:pic>
-        <p:nvPicPr>
-          <p:cNvPr id="2" name="Imagem 1">
-            <a:extLst>
-              <a:ext uri="{FF2B5EF4-FFF2-40B4-BE49-F238E27FC236}">
-                <a16:creationId xmlns:a16="http://schemas.microsoft.com/office/drawing/2014/main" id="{77FACE1A-9E17-DAF3-9780-F86B974B82E6}"/>
-              </a:ext>
-            </a:extLst>
-          </p:cNvPr>
-          <p:cNvPicPr>
-            <a:picLocks noChangeAspect="1"/>
-          </p:cNvPicPr>
-          <p:nvPr/>
-        </p:nvPicPr>
-        <p:blipFill>
-          <a:blip r:embed="rId6"/>
-          <a:stretch>
-            <a:fillRect/>
-          </a:stretch>
-        </p:blipFill>
-        <p:spPr>
-          <a:xfrm>
-            <a:off x="12075889" y="224902"/>
-            <a:ext cx="5792838" cy="1448210"/>
-          </a:xfrm>
-          <a:prstGeom prst="rect">
-            <a:avLst/>
-          </a:prstGeom>
         </p:spPr>
       </p:pic>
     </p:spTree>
@@ -17436,36 +13647,6 @@
           <a:ln>
             <a:noFill/>
           </a:ln>
-        </p:spPr>
-      </p:pic>
-      <p:pic>
-        <p:nvPicPr>
-          <p:cNvPr id="2" name="Imagem 1">
-            <a:extLst>
-              <a:ext uri="{FF2B5EF4-FFF2-40B4-BE49-F238E27FC236}">
-                <a16:creationId xmlns:a16="http://schemas.microsoft.com/office/drawing/2014/main" id="{87D0D106-58F3-B988-0D19-053FECAD194A}"/>
-              </a:ext>
-            </a:extLst>
-          </p:cNvPr>
-          <p:cNvPicPr>
-            <a:picLocks noChangeAspect="1"/>
-          </p:cNvPicPr>
-          <p:nvPr/>
-        </p:nvPicPr>
-        <p:blipFill>
-          <a:blip r:embed="rId6"/>
-          <a:stretch>
-            <a:fillRect/>
-          </a:stretch>
-        </p:blipFill>
-        <p:spPr>
-          <a:xfrm>
-            <a:off x="12075889" y="224902"/>
-            <a:ext cx="5792838" cy="1448210"/>
-          </a:xfrm>
-          <a:prstGeom prst="rect">
-            <a:avLst/>
-          </a:prstGeom>
         </p:spPr>
       </p:pic>
     </p:spTree>
@@ -18082,36 +14263,6 @@
           </a:ln>
         </p:spPr>
       </p:pic>
-      <p:pic>
-        <p:nvPicPr>
-          <p:cNvPr id="3" name="Imagem 2">
-            <a:extLst>
-              <a:ext uri="{FF2B5EF4-FFF2-40B4-BE49-F238E27FC236}">
-                <a16:creationId xmlns:a16="http://schemas.microsoft.com/office/drawing/2014/main" id="{3532A75A-AF9B-CDDB-1A86-E62E27C20C9A}"/>
-              </a:ext>
-            </a:extLst>
-          </p:cNvPr>
-          <p:cNvPicPr>
-            <a:picLocks noChangeAspect="1"/>
-          </p:cNvPicPr>
-          <p:nvPr/>
-        </p:nvPicPr>
-        <p:blipFill>
-          <a:blip r:embed="rId6"/>
-          <a:stretch>
-            <a:fillRect/>
-          </a:stretch>
-        </p:blipFill>
-        <p:spPr>
-          <a:xfrm>
-            <a:off x="12075889" y="224902"/>
-            <a:ext cx="5792838" cy="1448210"/>
-          </a:xfrm>
-          <a:prstGeom prst="rect">
-            <a:avLst/>
-          </a:prstGeom>
-        </p:spPr>
-      </p:pic>
     </p:spTree>
   </p:cSld>
   <p:clrMapOvr>
@@ -18366,36 +14517,6 @@
           </a:p>
         </p:txBody>
       </p:sp>
-      <p:pic>
-        <p:nvPicPr>
-          <p:cNvPr id="2" name="Imagem 1">
-            <a:extLst>
-              <a:ext uri="{FF2B5EF4-FFF2-40B4-BE49-F238E27FC236}">
-                <a16:creationId xmlns:a16="http://schemas.microsoft.com/office/drawing/2014/main" id="{5F9A2060-C6E9-53AE-B7A5-CF601047F90A}"/>
-              </a:ext>
-            </a:extLst>
-          </p:cNvPr>
-          <p:cNvPicPr>
-            <a:picLocks noChangeAspect="1"/>
-          </p:cNvPicPr>
-          <p:nvPr/>
-        </p:nvPicPr>
-        <p:blipFill>
-          <a:blip r:embed="rId6"/>
-          <a:stretch>
-            <a:fillRect/>
-          </a:stretch>
-        </p:blipFill>
-        <p:spPr>
-          <a:xfrm>
-            <a:off x="12071756" y="142329"/>
-            <a:ext cx="5792838" cy="1448210"/>
-          </a:xfrm>
-          <a:prstGeom prst="rect">
-            <a:avLst/>
-          </a:prstGeom>
-        </p:spPr>
-      </p:pic>
     </p:spTree>
   </p:cSld>
   <p:clrMapOvr>
@@ -18417,7 +14538,7 @@
     </p:bg>
     <p:spTree>
       <p:nvGrpSpPr>
-        <p:cNvPr id="1" name="Shape 163"/>
+        <p:cNvPr id="1" name="Shape 173"/>
         <p:cNvGrpSpPr/>
         <p:nvPr/>
       </p:nvGrpSpPr>
@@ -18431,7 +14552,34 @@
       </p:grpSpPr>
       <p:pic>
         <p:nvPicPr>
-          <p:cNvPr id="167" name="Google Shape;167;g1e4423acacb_0_22"/>
+          <p:cNvPr id="174" name="Google Shape;174;p9"/>
+          <p:cNvPicPr preferRelativeResize="0"/>
+          <p:nvPr/>
+        </p:nvPicPr>
+        <p:blipFill rotWithShape="1">
+          <a:blip r:embed="rId3">
+            <a:alphaModFix amt="9999"/>
+          </a:blip>
+          <a:srcRect/>
+          <a:stretch/>
+        </p:blipFill>
+        <p:spPr>
+          <a:xfrm rot="-5400000">
+            <a:off x="14304471" y="-2201874"/>
+            <a:ext cx="5534692" cy="5735432"/>
+          </a:xfrm>
+          <a:prstGeom prst="rect">
+            <a:avLst/>
+          </a:prstGeom>
+          <a:noFill/>
+          <a:ln>
+            <a:noFill/>
+          </a:ln>
+        </p:spPr>
+      </p:pic>
+      <p:pic>
+        <p:nvPicPr>
+          <p:cNvPr id="175" name="Google Shape;175;p9"/>
           <p:cNvPicPr preferRelativeResize="0"/>
           <p:nvPr/>
         </p:nvPicPr>
@@ -18443,9 +14591,63 @@
           <a:stretch/>
         </p:blipFill>
         <p:spPr>
-          <a:xfrm>
-            <a:off x="225787" y="0"/>
-            <a:ext cx="2061665" cy="2386186"/>
+          <a:xfrm rot="-8234702">
+            <a:off x="362240" y="7896477"/>
+            <a:ext cx="2628319" cy="2723647"/>
+          </a:xfrm>
+          <a:prstGeom prst="rect">
+            <a:avLst/>
+          </a:prstGeom>
+          <a:noFill/>
+          <a:ln>
+            <a:noFill/>
+          </a:ln>
+        </p:spPr>
+      </p:pic>
+      <p:pic>
+        <p:nvPicPr>
+          <p:cNvPr id="176" name="Google Shape;176;p9"/>
+          <p:cNvPicPr preferRelativeResize="0"/>
+          <p:nvPr/>
+        </p:nvPicPr>
+        <p:blipFill rotWithShape="1">
+          <a:blip r:embed="rId3">
+            <a:alphaModFix amt="9999"/>
+          </a:blip>
+          <a:srcRect/>
+          <a:stretch/>
+        </p:blipFill>
+        <p:spPr>
+          <a:xfrm rot="-9653010">
+            <a:off x="-2710651" y="-2116072"/>
+            <a:ext cx="8774102" cy="9092333"/>
+          </a:xfrm>
+          <a:prstGeom prst="rect">
+            <a:avLst/>
+          </a:prstGeom>
+          <a:noFill/>
+          <a:ln>
+            <a:noFill/>
+          </a:ln>
+        </p:spPr>
+      </p:pic>
+      <p:pic>
+        <p:nvPicPr>
+          <p:cNvPr id="177" name="Google Shape;177;p9"/>
+          <p:cNvPicPr preferRelativeResize="0"/>
+          <p:nvPr/>
+        </p:nvPicPr>
+        <p:blipFill rotWithShape="1">
+          <a:blip r:embed="rId3">
+            <a:alphaModFix amt="9999"/>
+          </a:blip>
+          <a:srcRect/>
+          <a:stretch/>
+        </p:blipFill>
+        <p:spPr>
+          <a:xfrm rot="-896806">
+            <a:off x="-1451748" y="4448377"/>
+            <a:ext cx="6599197" cy="6838546"/>
           </a:xfrm>
           <a:prstGeom prst="rect">
             <a:avLst/>
@@ -18458,14 +14660,146 @@
       </p:pic>
       <p:sp>
         <p:nvSpPr>
-          <p:cNvPr id="168" name="Google Shape;168;g1e4423acacb_0_22"/>
+          <p:cNvPr id="178" name="Google Shape;178;p9"/>
+          <p:cNvSpPr/>
+          <p:nvPr/>
+        </p:nvSpPr>
+        <p:spPr>
+          <a:xfrm>
+            <a:off x="1189884" y="8919663"/>
+            <a:ext cx="1175830" cy="1181100"/>
+          </a:xfrm>
+          <a:custGeom>
+            <a:avLst/>
+            <a:gdLst/>
+            <a:ahLst/>
+            <a:cxnLst/>
+            <a:rect l="l" t="t" r="r" b="b"/>
+            <a:pathLst>
+              <a:path w="6321665" h="6350000" extrusionOk="0">
+                <a:moveTo>
+                  <a:pt x="3160833" y="0"/>
+                </a:moveTo>
+                <a:lnTo>
+                  <a:pt x="3160833" y="0"/>
+                </a:lnTo>
+                <a:cubicBezTo>
+                  <a:pt x="4908795" y="7817"/>
+                  <a:pt x="6321666" y="1427021"/>
+                  <a:pt x="6321666" y="3175000"/>
+                </a:cubicBezTo>
+                <a:cubicBezTo>
+                  <a:pt x="6321666" y="4922979"/>
+                  <a:pt x="4908795" y="6342183"/>
+                  <a:pt x="3160833" y="6350000"/>
+                </a:cubicBezTo>
+                <a:cubicBezTo>
+                  <a:pt x="1412871" y="6342183"/>
+                  <a:pt x="0" y="4922979"/>
+                  <a:pt x="0" y="3175000"/>
+                </a:cubicBezTo>
+                <a:cubicBezTo>
+                  <a:pt x="0" y="1427021"/>
+                  <a:pt x="1412871" y="7817"/>
+                  <a:pt x="3160833" y="0"/>
+                </a:cubicBezTo>
+                <a:close/>
+              </a:path>
+            </a:pathLst>
+          </a:custGeom>
+          <a:solidFill>
+            <a:srgbClr val="04345C"/>
+          </a:solidFill>
+          <a:ln>
+            <a:noFill/>
+          </a:ln>
+        </p:spPr>
+        <p:txBody>
+          <a:bodyPr spcFirstLastPara="1" wrap="square" lIns="91425" tIns="91425" rIns="91425" bIns="91425" anchor="ctr" anchorCtr="0">
+            <a:noAutofit/>
+          </a:bodyPr>
+          <a:lstStyle/>
+          <a:p>
+            <a:pPr marL="0" lvl="0" indent="0" algn="l" rtl="0">
+              <a:spcBef>
+                <a:spcPts val="0"/>
+              </a:spcBef>
+              <a:spcAft>
+                <a:spcPts val="0"/>
+              </a:spcAft>
+              <a:buNone/>
+            </a:pPr>
+            <a:endParaRPr/>
+          </a:p>
+        </p:txBody>
+      </p:sp>
+      <p:sp>
+        <p:nvSpPr>
+          <p:cNvPr id="179" name="Google Shape;179;p9"/>
           <p:cNvSpPr txBox="1"/>
           <p:nvPr/>
         </p:nvSpPr>
         <p:spPr>
           <a:xfrm>
-            <a:off x="2857950" y="1462856"/>
-            <a:ext cx="12572100" cy="923330"/>
+            <a:off x="8713346" y="3385563"/>
+            <a:ext cx="7912200" cy="738900"/>
+          </a:xfrm>
+          <a:prstGeom prst="rect">
+            <a:avLst/>
+          </a:prstGeom>
+          <a:noFill/>
+          <a:ln>
+            <a:noFill/>
+          </a:ln>
+        </p:spPr>
+        <p:txBody>
+          <a:bodyPr spcFirstLastPara="1" wrap="square" lIns="0" tIns="0" rIns="0" bIns="0" anchor="t" anchorCtr="0">
+            <a:spAutoFit/>
+          </a:bodyPr>
+          <a:lstStyle/>
+          <a:p>
+            <a:pPr marL="0" marR="0" lvl="0" indent="0" algn="ctr" rtl="0">
+              <a:lnSpc>
+                <a:spcPct val="119979"/>
+              </a:lnSpc>
+              <a:spcBef>
+                <a:spcPts val="0"/>
+              </a:spcBef>
+              <a:spcAft>
+                <a:spcPts val="0"/>
+              </a:spcAft>
+              <a:buNone/>
+            </a:pPr>
+            <a:r>
+              <a:rPr lang="en-US" sz="4800" b="1" i="0" u="none" strike="noStrike" cap="none">
+                <a:solidFill>
+                  <a:srgbClr val="0000FF"/>
+                </a:solidFill>
+                <a:latin typeface="Poppins"/>
+                <a:ea typeface="Poppins"/>
+                <a:cs typeface="Poppins"/>
+                <a:sym typeface="Poppins"/>
+              </a:rPr>
+              <a:t>CONCLUSÕES</a:t>
+            </a:r>
+            <a:endParaRPr>
+              <a:solidFill>
+                <a:srgbClr val="0000FF"/>
+              </a:solidFill>
+            </a:endParaRPr>
+          </a:p>
+        </p:txBody>
+      </p:sp>
+      <p:sp>
+        <p:nvSpPr>
+          <p:cNvPr id="180" name="Google Shape;180;p9"/>
+          <p:cNvSpPr txBox="1"/>
+          <p:nvPr/>
+        </p:nvSpPr>
+        <p:spPr>
+          <a:xfrm>
+            <a:off x="8713346" y="4420431"/>
+            <a:ext cx="8546100" cy="3877985"/>
           </a:xfrm>
           <a:prstGeom prst="rect">
             <a:avLst/>
@@ -18494,83 +14828,368 @@
               <a:buNone/>
             </a:pPr>
             <a:r>
-              <a:rPr lang="en-US" sz="5000" b="1" i="0" u="none" strike="noStrike" cap="none" dirty="0">
-                <a:solidFill>
-                  <a:srgbClr val="0000FF"/>
+              <a:rPr lang="en-US" sz="3500" b="1" dirty="0" err="1">
+                <a:solidFill>
+                  <a:srgbClr val="FFFFFF"/>
                 </a:solidFill>
                 <a:latin typeface="Poppins"/>
                 <a:ea typeface="Poppins"/>
                 <a:cs typeface="Poppins"/>
                 <a:sym typeface="Poppins"/>
               </a:rPr>
-              <a:t>RESULTADOS</a:t>
+              <a:t>Espera</a:t>
             </a:r>
-            <a:endParaRPr dirty="0">
+            <a:r>
+              <a:rPr lang="en-US" sz="3500" b="1" i="0" u="none" strike="noStrike" cap="none" dirty="0">
+                <a:solidFill>
+                  <a:srgbClr val="FFFFFF"/>
+                </a:solidFill>
+                <a:latin typeface="Poppins"/>
+                <a:ea typeface="Poppins"/>
+                <a:cs typeface="Poppins"/>
+                <a:sym typeface="Poppins"/>
+              </a:rPr>
+              <a:t>-se </a:t>
+            </a:r>
+            <a:r>
+              <a:rPr lang="en-US" sz="3500" b="1" dirty="0">
+                <a:solidFill>
+                  <a:srgbClr val="FFFFFF"/>
+                </a:solidFill>
+                <a:latin typeface="Poppins"/>
+                <a:ea typeface="Poppins"/>
+                <a:cs typeface="Poppins"/>
+                <a:sym typeface="Poppins"/>
+              </a:rPr>
+              <a:t>que, </a:t>
+            </a:r>
+            <a:r>
+              <a:rPr lang="en-US" sz="3500" b="1" dirty="0" err="1">
+                <a:solidFill>
+                  <a:srgbClr val="FFFFFF"/>
+                </a:solidFill>
+                <a:latin typeface="Poppins"/>
+                <a:ea typeface="Poppins"/>
+                <a:cs typeface="Poppins"/>
+                <a:sym typeface="Poppins"/>
+              </a:rPr>
+              <a:t>eventualmente</a:t>
+            </a:r>
+            <a:r>
+              <a:rPr lang="en-US" sz="3500" b="1" i="0" u="none" strike="noStrike" cap="none" dirty="0">
+                <a:solidFill>
+                  <a:srgbClr val="FFFFFF"/>
+                </a:solidFill>
+                <a:latin typeface="Poppins"/>
+                <a:ea typeface="Poppins"/>
+                <a:cs typeface="Poppins"/>
+                <a:sym typeface="Poppins"/>
+              </a:rPr>
+              <a:t>, o </a:t>
+            </a:r>
+            <a:r>
+              <a:rPr lang="en-US" sz="3500" b="1" i="0" u="none" strike="noStrike" cap="none" dirty="0" err="1">
+                <a:solidFill>
+                  <a:srgbClr val="FFFFFF"/>
+                </a:solidFill>
+                <a:latin typeface="Poppins"/>
+                <a:ea typeface="Poppins"/>
+                <a:cs typeface="Poppins"/>
+                <a:sym typeface="Poppins"/>
+              </a:rPr>
+              <a:t>sistema</a:t>
+            </a:r>
+            <a:r>
+              <a:rPr lang="en-US" sz="3500" b="1" i="0" u="none" strike="noStrike" cap="none" dirty="0">
+                <a:solidFill>
+                  <a:srgbClr val="FFFFFF"/>
+                </a:solidFill>
+                <a:latin typeface="Poppins"/>
+                <a:ea typeface="Poppins"/>
+                <a:cs typeface="Poppins"/>
+                <a:sym typeface="Poppins"/>
+              </a:rPr>
+              <a:t> IFS</a:t>
+            </a:r>
+            <a:r>
+              <a:rPr lang="en-US" sz="3500" b="1" dirty="0">
+                <a:solidFill>
+                  <a:srgbClr val="FFFFFF"/>
+                </a:solidFill>
+                <a:latin typeface="Poppins"/>
+                <a:ea typeface="Poppins"/>
+                <a:cs typeface="Poppins"/>
+                <a:sym typeface="Poppins"/>
+              </a:rPr>
+              <a:t>P LIFE </a:t>
+            </a:r>
+            <a:r>
+              <a:rPr lang="en-US" sz="3500" b="1" i="0" u="none" strike="noStrike" cap="none" dirty="0" err="1">
+                <a:solidFill>
+                  <a:srgbClr val="FFFFFF"/>
+                </a:solidFill>
+                <a:latin typeface="Poppins"/>
+                <a:ea typeface="Poppins"/>
+                <a:cs typeface="Poppins"/>
+                <a:sym typeface="Poppins"/>
+              </a:rPr>
+              <a:t>possa</a:t>
+            </a:r>
+            <a:r>
+              <a:rPr lang="en-US" sz="3500" b="1" i="0" u="none" strike="noStrike" cap="none" dirty="0">
+                <a:solidFill>
+                  <a:srgbClr val="FFFFFF"/>
+                </a:solidFill>
+                <a:latin typeface="Poppins"/>
+                <a:ea typeface="Poppins"/>
+                <a:cs typeface="Poppins"/>
+                <a:sym typeface="Poppins"/>
+              </a:rPr>
+              <a:t> </a:t>
+            </a:r>
+            <a:r>
+              <a:rPr lang="en-US" sz="3500" b="1" i="0" u="none" strike="noStrike" cap="none" dirty="0" err="1">
+                <a:solidFill>
+                  <a:srgbClr val="FFFFFF"/>
+                </a:solidFill>
+                <a:latin typeface="Poppins"/>
+                <a:ea typeface="Poppins"/>
+                <a:cs typeface="Poppins"/>
+                <a:sym typeface="Poppins"/>
+              </a:rPr>
+              <a:t>ajudar</a:t>
+            </a:r>
+            <a:r>
+              <a:rPr lang="en-US" sz="3500" b="1" i="0" u="none" strike="noStrike" cap="none" dirty="0">
+                <a:solidFill>
+                  <a:srgbClr val="FFFFFF"/>
+                </a:solidFill>
+                <a:latin typeface="Poppins"/>
+                <a:ea typeface="Poppins"/>
+                <a:cs typeface="Poppins"/>
+                <a:sym typeface="Poppins"/>
+              </a:rPr>
+              <a:t> a </a:t>
+            </a:r>
+            <a:r>
+              <a:rPr lang="en-US" sz="3500" b="1" i="0" u="none" strike="noStrike" cap="none" dirty="0" err="1">
+                <a:solidFill>
+                  <a:srgbClr val="FFFFFF"/>
+                </a:solidFill>
+                <a:latin typeface="Poppins"/>
+                <a:ea typeface="Poppins"/>
+                <a:cs typeface="Poppins"/>
+                <a:sym typeface="Poppins"/>
+              </a:rPr>
+              <a:t>otimizar</a:t>
+            </a:r>
+            <a:r>
+              <a:rPr lang="en-US" sz="3500" b="1" i="0" u="none" strike="noStrike" cap="none" dirty="0">
+                <a:solidFill>
+                  <a:srgbClr val="FFFFFF"/>
+                </a:solidFill>
+                <a:latin typeface="Poppins"/>
+                <a:ea typeface="Poppins"/>
+                <a:cs typeface="Poppins"/>
+                <a:sym typeface="Poppins"/>
+              </a:rPr>
+              <a:t> </a:t>
+            </a:r>
+            <a:r>
+              <a:rPr lang="en-US" sz="3500" b="1" i="0" u="none" strike="noStrike" cap="none" dirty="0" err="1">
+                <a:solidFill>
+                  <a:srgbClr val="FFFFFF"/>
+                </a:solidFill>
+                <a:latin typeface="Poppins"/>
+                <a:ea typeface="Poppins"/>
+                <a:cs typeface="Poppins"/>
+                <a:sym typeface="Poppins"/>
+              </a:rPr>
+              <a:t>diversas</a:t>
+            </a:r>
+            <a:r>
+              <a:rPr lang="en-US" sz="3500" b="1" i="0" u="none" strike="noStrike" cap="none" dirty="0">
+                <a:solidFill>
+                  <a:srgbClr val="FFFFFF"/>
+                </a:solidFill>
+                <a:latin typeface="Poppins"/>
+                <a:ea typeface="Poppins"/>
+                <a:cs typeface="Poppins"/>
+                <a:sym typeface="Poppins"/>
+              </a:rPr>
+              <a:t> </a:t>
+            </a:r>
+            <a:r>
+              <a:rPr lang="en-US" sz="3500" b="1" dirty="0" err="1">
+                <a:solidFill>
+                  <a:srgbClr val="FFFFFF"/>
+                </a:solidFill>
+                <a:latin typeface="Poppins"/>
+                <a:ea typeface="Poppins"/>
+                <a:cs typeface="Poppins"/>
+                <a:sym typeface="Poppins"/>
+              </a:rPr>
+              <a:t>farmácias</a:t>
+            </a:r>
+            <a:r>
+              <a:rPr lang="en-US" sz="3500" b="1" dirty="0">
+                <a:solidFill>
+                  <a:srgbClr val="FFFFFF"/>
+                </a:solidFill>
+                <a:latin typeface="Poppins"/>
+                <a:ea typeface="Poppins"/>
+                <a:cs typeface="Poppins"/>
+                <a:sym typeface="Poppins"/>
+              </a:rPr>
+              <a:t>. </a:t>
+            </a:r>
+            <a:endParaRPr sz="3500" b="1" dirty="0">
               <a:solidFill>
-                <a:srgbClr val="0000FF"/>
+                <a:srgbClr val="FFFFFF"/>
               </a:solidFill>
+              <a:latin typeface="Poppins"/>
+              <a:ea typeface="Poppins"/>
+              <a:cs typeface="Poppins"/>
+              <a:sym typeface="Poppins"/>
+            </a:endParaRPr>
+          </a:p>
+          <a:p>
+            <a:pPr marL="0" marR="0" lvl="0" indent="0" algn="ctr" rtl="0">
+              <a:lnSpc>
+                <a:spcPct val="120000"/>
+              </a:lnSpc>
+              <a:spcBef>
+                <a:spcPts val="0"/>
+              </a:spcBef>
+              <a:spcAft>
+                <a:spcPts val="0"/>
+              </a:spcAft>
+              <a:buNone/>
+            </a:pPr>
+            <a:endParaRPr sz="3500" b="1" dirty="0">
+              <a:solidFill>
+                <a:srgbClr val="FFFFFF"/>
+              </a:solidFill>
+              <a:latin typeface="Poppins"/>
+              <a:ea typeface="Poppins"/>
+              <a:cs typeface="Poppins"/>
+              <a:sym typeface="Poppins"/>
+            </a:endParaRPr>
+          </a:p>
+          <a:p>
+            <a:pPr marL="0" marR="0" lvl="0" indent="0" algn="ctr" rtl="0">
+              <a:lnSpc>
+                <a:spcPct val="120000"/>
+              </a:lnSpc>
+              <a:spcBef>
+                <a:spcPts val="0"/>
+              </a:spcBef>
+              <a:spcAft>
+                <a:spcPts val="0"/>
+              </a:spcAft>
+              <a:buNone/>
+            </a:pPr>
+            <a:r>
+              <a:rPr lang="en-US" sz="3500" b="1" dirty="0">
+                <a:solidFill>
+                  <a:srgbClr val="FFFFFF"/>
+                </a:solidFill>
+                <a:latin typeface="Poppins"/>
+                <a:ea typeface="Poppins"/>
+                <a:cs typeface="Poppins"/>
+                <a:sym typeface="Poppins"/>
+              </a:rPr>
+              <a:t>Vamos </a:t>
+            </a:r>
+            <a:r>
+              <a:rPr lang="en-US" sz="3500" b="1" dirty="0" err="1">
+                <a:solidFill>
+                  <a:srgbClr val="FFFFFF"/>
+                </a:solidFill>
+                <a:latin typeface="Poppins"/>
+                <a:ea typeface="Poppins"/>
+                <a:cs typeface="Poppins"/>
+                <a:sym typeface="Poppins"/>
+              </a:rPr>
+              <a:t>ao</a:t>
+            </a:r>
+            <a:r>
+              <a:rPr lang="en-US" sz="3500" b="1" dirty="0">
+                <a:solidFill>
+                  <a:srgbClr val="FFFFFF"/>
+                </a:solidFill>
+                <a:latin typeface="Poppins"/>
+                <a:ea typeface="Poppins"/>
+                <a:cs typeface="Poppins"/>
+                <a:sym typeface="Poppins"/>
+              </a:rPr>
+              <a:t> funcionamento do Sistema;</a:t>
+            </a:r>
+            <a:endParaRPr sz="3500" b="1" dirty="0">
+              <a:solidFill>
+                <a:srgbClr val="FFFFFF"/>
+              </a:solidFill>
+              <a:latin typeface="Poppins"/>
+              <a:ea typeface="Poppins"/>
+              <a:cs typeface="Poppins"/>
+              <a:sym typeface="Poppins"/>
             </a:endParaRPr>
           </a:p>
         </p:txBody>
       </p:sp>
       <p:pic>
         <p:nvPicPr>
-          <p:cNvPr id="3" name="Imagem 2">
-            <a:extLst>
-              <a:ext uri="{FF2B5EF4-FFF2-40B4-BE49-F238E27FC236}">
-                <a16:creationId xmlns:a16="http://schemas.microsoft.com/office/drawing/2014/main" id="{FFE9AB9B-03F0-73E4-750E-1C6BA712E67B}"/>
-              </a:ext>
-            </a:extLst>
-          </p:cNvPr>
-          <p:cNvPicPr>
-            <a:picLocks noChangeAspect="1"/>
-          </p:cNvPicPr>
+          <p:cNvPr id="181" name="Google Shape;181;p9"/>
+          <p:cNvPicPr preferRelativeResize="0"/>
+          <p:nvPr/>
+        </p:nvPicPr>
+        <p:blipFill rotWithShape="1">
+          <a:blip r:embed="rId4">
+            <a:alphaModFix/>
+          </a:blip>
+          <a:srcRect/>
+          <a:stretch/>
+        </p:blipFill>
+        <p:spPr>
+          <a:xfrm>
+            <a:off x="419273" y="52214"/>
+            <a:ext cx="2061665" cy="2386186"/>
+          </a:xfrm>
+          <a:prstGeom prst="rect">
+            <a:avLst/>
+          </a:prstGeom>
+          <a:noFill/>
+          <a:ln>
+            <a:noFill/>
+          </a:ln>
+        </p:spPr>
+      </p:pic>
+      <p:pic>
+        <p:nvPicPr>
+          <p:cNvPr id="182" name="Google Shape;182;p9"/>
+          <p:cNvPicPr preferRelativeResize="0"/>
           <p:nvPr/>
         </p:nvPicPr>
         <p:blipFill>
-          <a:blip r:embed="rId4"/>
+          <a:blip r:embed="rId5">
+            <a:alphaModFix/>
+          </a:blip>
           <a:stretch>
             <a:fillRect/>
           </a:stretch>
         </p:blipFill>
         <p:spPr>
           <a:xfrm>
-            <a:off x="12075889" y="224902"/>
-            <a:ext cx="5792838" cy="1448210"/>
+            <a:off x="1349506" y="1555824"/>
+            <a:ext cx="7363850" cy="7363850"/>
           </a:xfrm>
           <a:prstGeom prst="rect">
             <a:avLst/>
           </a:prstGeom>
-        </p:spPr>
-      </p:pic>
-      <p:pic>
-        <p:nvPicPr>
-          <p:cNvPr id="6" name="Imagem 5">
-            <a:extLst>
-              <a:ext uri="{FF2B5EF4-FFF2-40B4-BE49-F238E27FC236}">
-                <a16:creationId xmlns:a16="http://schemas.microsoft.com/office/drawing/2014/main" id="{D6B546F4-ECD9-236E-377F-989CB4251DBF}"/>
-              </a:ext>
-            </a:extLst>
-          </p:cNvPr>
-          <p:cNvPicPr>
-            <a:picLocks noChangeAspect="1"/>
-          </p:cNvPicPr>
-          <p:nvPr/>
-        </p:nvPicPr>
-        <p:blipFill>
-          <a:blip r:embed="rId5"/>
-          <a:stretch>
-            <a:fillRect/>
-          </a:stretch>
-        </p:blipFill>
-        <p:spPr>
-          <a:xfrm>
-            <a:off x="0" y="-1"/>
-            <a:ext cx="18288000" cy="10287001"/>
-          </a:xfrm>
-          <a:prstGeom prst="rect">
-            <a:avLst/>
-          </a:prstGeom>
+          <a:noFill/>
+          <a:ln>
+            <a:noFill/>
+          </a:ln>
         </p:spPr>
       </p:pic>
     </p:spTree>
@@ -18584,9 +15203,17 @@
 <file path=ppt/slides/slide8.xml><?xml version="1.0" encoding="utf-8"?>
 <p:sld xmlns:a="http://schemas.openxmlformats.org/drawingml/2006/main" xmlns:r="http://schemas.openxmlformats.org/officeDocument/2006/relationships" xmlns:p="http://schemas.openxmlformats.org/presentationml/2006/main">
   <p:cSld>
+    <p:bg>
+      <p:bgPr>
+        <a:solidFill>
+          <a:srgbClr val="03989E"/>
+        </a:solidFill>
+        <a:effectLst/>
+      </p:bgPr>
+    </p:bg>
     <p:spTree>
       <p:nvGrpSpPr>
-        <p:cNvPr id="1" name="Shape 163"/>
+        <p:cNvPr id="1" name="Shape 186"/>
         <p:cNvGrpSpPr/>
         <p:nvPr/>
       </p:nvGrpSpPr>
@@ -18600,40 +15227,691 @@
       </p:grpSpPr>
       <p:pic>
         <p:nvPicPr>
-          <p:cNvPr id="4" name="Imagem 3">
-            <a:extLst>
-              <a:ext uri="{FF2B5EF4-FFF2-40B4-BE49-F238E27FC236}">
-                <a16:creationId xmlns:a16="http://schemas.microsoft.com/office/drawing/2014/main" id="{CDF19CB9-AC1C-1760-4A7A-37169EB5B596}"/>
-              </a:ext>
-            </a:extLst>
-          </p:cNvPr>
-          <p:cNvPicPr>
-            <a:picLocks noChangeAspect="1"/>
-          </p:cNvPicPr>
+          <p:cNvPr id="187" name="Google Shape;187;p10"/>
+          <p:cNvPicPr preferRelativeResize="0"/>
           <p:nvPr/>
         </p:nvPicPr>
-        <p:blipFill>
-          <a:blip r:embed="rId3"/>
-          <a:stretch>
-            <a:fillRect/>
-          </a:stretch>
+        <p:blipFill rotWithShape="1">
+          <a:blip r:embed="rId3">
+            <a:alphaModFix amt="9999"/>
+          </a:blip>
+          <a:srcRect/>
+          <a:stretch/>
         </p:blipFill>
         <p:spPr>
-          <a:xfrm>
-            <a:off x="0" y="118534"/>
-            <a:ext cx="18288000" cy="10168466"/>
+          <a:xfrm rot="-896806">
+            <a:off x="12926737" y="4235275"/>
+            <a:ext cx="6599197" cy="6838546"/>
           </a:xfrm>
           <a:prstGeom prst="rect">
             <a:avLst/>
           </a:prstGeom>
+          <a:noFill/>
+          <a:ln>
+            <a:noFill/>
+          </a:ln>
+        </p:spPr>
+      </p:pic>
+      <p:pic>
+        <p:nvPicPr>
+          <p:cNvPr id="188" name="Google Shape;188;p10"/>
+          <p:cNvPicPr preferRelativeResize="0"/>
+          <p:nvPr/>
+        </p:nvPicPr>
+        <p:blipFill rotWithShape="1">
+          <a:blip r:embed="rId3">
+            <a:alphaModFix/>
+          </a:blip>
+          <a:srcRect/>
+          <a:stretch/>
+        </p:blipFill>
+        <p:spPr>
+          <a:xfrm rot="-1017176">
+            <a:off x="15522361" y="7239341"/>
+            <a:ext cx="2628319" cy="2723647"/>
+          </a:xfrm>
+          <a:prstGeom prst="rect">
+            <a:avLst/>
+          </a:prstGeom>
+          <a:noFill/>
+          <a:ln>
+            <a:noFill/>
+          </a:ln>
+        </p:spPr>
+      </p:pic>
+      <p:pic>
+        <p:nvPicPr>
+          <p:cNvPr id="189" name="Google Shape;189;p10"/>
+          <p:cNvPicPr preferRelativeResize="0"/>
+          <p:nvPr/>
+        </p:nvPicPr>
+        <p:blipFill rotWithShape="1">
+          <a:blip r:embed="rId4">
+            <a:alphaModFix/>
+          </a:blip>
+          <a:srcRect/>
+          <a:stretch/>
+        </p:blipFill>
+        <p:spPr>
+          <a:xfrm>
+            <a:off x="9649828" y="574495"/>
+            <a:ext cx="7607339" cy="7607339"/>
+          </a:xfrm>
+          <a:prstGeom prst="rect">
+            <a:avLst/>
+          </a:prstGeom>
+          <a:noFill/>
+          <a:ln>
+            <a:noFill/>
+          </a:ln>
+        </p:spPr>
+      </p:pic>
+      <p:sp>
+        <p:nvSpPr>
+          <p:cNvPr id="190" name="Google Shape;190;p10"/>
+          <p:cNvSpPr txBox="1"/>
+          <p:nvPr/>
+        </p:nvSpPr>
+        <p:spPr>
+          <a:xfrm>
+            <a:off x="260240" y="2690300"/>
+            <a:ext cx="9780900" cy="769500"/>
+          </a:xfrm>
+          <a:prstGeom prst="rect">
+            <a:avLst/>
+          </a:prstGeom>
+          <a:noFill/>
+          <a:ln>
+            <a:noFill/>
+          </a:ln>
+        </p:spPr>
+        <p:txBody>
+          <a:bodyPr spcFirstLastPara="1" wrap="square" lIns="0" tIns="0" rIns="0" bIns="0" anchor="t" anchorCtr="0">
+            <a:spAutoFit/>
+          </a:bodyPr>
+          <a:lstStyle/>
+          <a:p>
+            <a:pPr marL="0" marR="0" lvl="0" indent="0" algn="ctr" rtl="0">
+              <a:lnSpc>
+                <a:spcPct val="120000"/>
+              </a:lnSpc>
+              <a:spcBef>
+                <a:spcPts val="0"/>
+              </a:spcBef>
+              <a:spcAft>
+                <a:spcPts val="0"/>
+              </a:spcAft>
+              <a:buNone/>
+            </a:pPr>
+            <a:r>
+              <a:rPr lang="en-US" sz="5000" b="1" i="0" u="none" strike="noStrike" cap="none">
+                <a:solidFill>
+                  <a:srgbClr val="0000FF"/>
+                </a:solidFill>
+                <a:latin typeface="Poppins"/>
+                <a:ea typeface="Poppins"/>
+                <a:cs typeface="Poppins"/>
+                <a:sym typeface="Poppins"/>
+              </a:rPr>
+              <a:t>AGRADECIMENTOS</a:t>
+            </a:r>
+            <a:endParaRPr>
+              <a:solidFill>
+                <a:srgbClr val="0000FF"/>
+              </a:solidFill>
+            </a:endParaRPr>
+          </a:p>
+        </p:txBody>
+      </p:sp>
+      <p:sp>
+        <p:nvSpPr>
+          <p:cNvPr id="191" name="Google Shape;191;p10"/>
+          <p:cNvSpPr txBox="1"/>
+          <p:nvPr/>
+        </p:nvSpPr>
+        <p:spPr>
+          <a:xfrm>
+            <a:off x="260240" y="4349589"/>
+            <a:ext cx="9780900" cy="3877985"/>
+          </a:xfrm>
+          <a:prstGeom prst="rect">
+            <a:avLst/>
+          </a:prstGeom>
+          <a:noFill/>
+          <a:ln>
+            <a:noFill/>
+          </a:ln>
+        </p:spPr>
+        <p:txBody>
+          <a:bodyPr spcFirstLastPara="1" wrap="square" lIns="0" tIns="0" rIns="0" bIns="0" anchor="t" anchorCtr="0">
+            <a:spAutoFit/>
+          </a:bodyPr>
+          <a:lstStyle/>
+          <a:p>
+            <a:pPr marL="647700" marR="0" lvl="1" indent="-323850" algn="ctr" rtl="0">
+              <a:lnSpc>
+                <a:spcPct val="120000"/>
+              </a:lnSpc>
+              <a:spcBef>
+                <a:spcPts val="0"/>
+              </a:spcBef>
+              <a:spcAft>
+                <a:spcPts val="0"/>
+              </a:spcAft>
+              <a:buClr>
+                <a:srgbClr val="FFFFFF"/>
+              </a:buClr>
+              <a:buSzPts val="3000"/>
+              <a:buFont typeface="Arial"/>
+              <a:buChar char="•"/>
+            </a:pPr>
+            <a:r>
+              <a:rPr lang="en-US" sz="3000" b="1" u="none" strike="noStrike" cap="none" dirty="0" err="1">
+                <a:solidFill>
+                  <a:srgbClr val="FFFFFF"/>
+                </a:solidFill>
+                <a:latin typeface="Poppins"/>
+                <a:ea typeface="Poppins"/>
+                <a:cs typeface="Poppins"/>
+                <a:sym typeface="Poppins"/>
+              </a:rPr>
+              <a:t>Agradecemos</a:t>
+            </a:r>
+            <a:r>
+              <a:rPr lang="en-US" sz="3000" b="1" u="none" strike="noStrike" cap="none" dirty="0">
+                <a:solidFill>
+                  <a:srgbClr val="FFFFFF"/>
+                </a:solidFill>
+                <a:latin typeface="Poppins"/>
+                <a:ea typeface="Poppins"/>
+                <a:cs typeface="Poppins"/>
+                <a:sym typeface="Poppins"/>
+              </a:rPr>
+              <a:t> </a:t>
+            </a:r>
+            <a:r>
+              <a:rPr lang="en-US" sz="3000" b="1" u="none" strike="noStrike" cap="none" dirty="0" err="1">
+                <a:solidFill>
+                  <a:srgbClr val="FFFFFF"/>
+                </a:solidFill>
+                <a:latin typeface="Poppins"/>
+                <a:ea typeface="Poppins"/>
+                <a:cs typeface="Poppins"/>
+                <a:sym typeface="Poppins"/>
+              </a:rPr>
+              <a:t>ao</a:t>
+            </a:r>
+            <a:r>
+              <a:rPr lang="en-US" sz="3000" b="1" u="none" strike="noStrike" cap="none" dirty="0">
+                <a:solidFill>
+                  <a:srgbClr val="FFFFFF"/>
+                </a:solidFill>
+                <a:latin typeface="Poppins"/>
+                <a:ea typeface="Poppins"/>
+                <a:cs typeface="Poppins"/>
+                <a:sym typeface="Poppins"/>
+              </a:rPr>
+              <a:t> IFSP – </a:t>
+            </a:r>
+            <a:r>
+              <a:rPr lang="en-US" sz="3000" b="1" dirty="0">
+                <a:solidFill>
+                  <a:srgbClr val="FFFFFF"/>
+                </a:solidFill>
+                <a:latin typeface="Poppins"/>
+                <a:ea typeface="Poppins"/>
+                <a:cs typeface="Poppins"/>
+                <a:sym typeface="Poppins"/>
+              </a:rPr>
+              <a:t>Campus</a:t>
+            </a:r>
+            <a:r>
+              <a:rPr lang="en-US" sz="3000" b="1" u="none" strike="noStrike" cap="none" dirty="0">
+                <a:solidFill>
+                  <a:srgbClr val="FFFFFF"/>
+                </a:solidFill>
+                <a:latin typeface="Poppins"/>
+                <a:ea typeface="Poppins"/>
+                <a:cs typeface="Poppins"/>
+                <a:sym typeface="Poppins"/>
+              </a:rPr>
+              <a:t> Presidente </a:t>
+            </a:r>
+            <a:r>
+              <a:rPr lang="en-US" sz="3000" b="1" u="none" strike="noStrike" cap="none" dirty="0" err="1">
+                <a:solidFill>
+                  <a:srgbClr val="FFFFFF"/>
+                </a:solidFill>
+                <a:latin typeface="Poppins"/>
+                <a:ea typeface="Poppins"/>
+                <a:cs typeface="Poppins"/>
+                <a:sym typeface="Poppins"/>
+              </a:rPr>
+              <a:t>Epitácio</a:t>
+            </a:r>
+            <a:r>
+              <a:rPr lang="en-US" sz="3000" b="1" u="none" strike="noStrike" cap="none" dirty="0">
+                <a:solidFill>
+                  <a:srgbClr val="FFFFFF"/>
+                </a:solidFill>
+                <a:latin typeface="Poppins"/>
+                <a:ea typeface="Poppins"/>
+                <a:cs typeface="Poppins"/>
+                <a:sym typeface="Poppins"/>
+              </a:rPr>
+              <a:t> pela </a:t>
+            </a:r>
+            <a:r>
+              <a:rPr lang="en-US" sz="3000" b="1" u="none" strike="noStrike" cap="none" dirty="0" err="1">
+                <a:solidFill>
+                  <a:srgbClr val="FFFFFF"/>
+                </a:solidFill>
+                <a:latin typeface="Poppins"/>
+                <a:ea typeface="Poppins"/>
+                <a:cs typeface="Poppins"/>
+                <a:sym typeface="Poppins"/>
+              </a:rPr>
+              <a:t>infraestrutura</a:t>
+            </a:r>
+            <a:r>
+              <a:rPr lang="en-US" sz="3000" b="1" u="none" strike="noStrike" cap="none" dirty="0">
+                <a:solidFill>
+                  <a:srgbClr val="FFFFFF"/>
+                </a:solidFill>
+                <a:latin typeface="Poppins"/>
+                <a:ea typeface="Poppins"/>
+                <a:cs typeface="Poppins"/>
+                <a:sym typeface="Poppins"/>
+              </a:rPr>
+              <a:t> e </a:t>
+            </a:r>
+            <a:r>
+              <a:rPr lang="en-US" sz="3000" b="1" u="none" strike="noStrike" cap="none" dirty="0" err="1">
+                <a:solidFill>
+                  <a:srgbClr val="FFFFFF"/>
+                </a:solidFill>
+                <a:latin typeface="Poppins"/>
+                <a:ea typeface="Poppins"/>
+                <a:cs typeface="Poppins"/>
+                <a:sym typeface="Poppins"/>
+              </a:rPr>
+              <a:t>suporte</a:t>
+            </a:r>
+            <a:r>
+              <a:rPr lang="en-US" sz="3000" b="1" u="none" strike="noStrike" cap="none" dirty="0">
+                <a:solidFill>
+                  <a:srgbClr val="FFFFFF"/>
+                </a:solidFill>
+                <a:latin typeface="Poppins"/>
+                <a:ea typeface="Poppins"/>
+                <a:cs typeface="Poppins"/>
+                <a:sym typeface="Poppins"/>
+              </a:rPr>
+              <a:t> </a:t>
+            </a:r>
+            <a:r>
+              <a:rPr lang="en-US" sz="3000" b="1" u="none" strike="noStrike" cap="none" dirty="0" err="1">
+                <a:solidFill>
+                  <a:srgbClr val="FFFFFF"/>
+                </a:solidFill>
+                <a:latin typeface="Poppins"/>
+                <a:ea typeface="Poppins"/>
+                <a:cs typeface="Poppins"/>
+                <a:sym typeface="Poppins"/>
+              </a:rPr>
+              <a:t>fornecidos</a:t>
+            </a:r>
+            <a:r>
+              <a:rPr lang="en-US" sz="3000" b="1" u="none" strike="noStrike" cap="none" dirty="0">
+                <a:solidFill>
+                  <a:srgbClr val="FFFFFF"/>
+                </a:solidFill>
+                <a:latin typeface="Poppins"/>
+                <a:ea typeface="Poppins"/>
+                <a:cs typeface="Poppins"/>
+                <a:sym typeface="Poppins"/>
+              </a:rPr>
+              <a:t>. </a:t>
+            </a:r>
+            <a:endParaRPr b="1" dirty="0"/>
+          </a:p>
+          <a:p>
+            <a:pPr marL="0" marR="0" lvl="0" indent="0" algn="ctr" rtl="0">
+              <a:lnSpc>
+                <a:spcPct val="120000"/>
+              </a:lnSpc>
+              <a:spcBef>
+                <a:spcPts val="0"/>
+              </a:spcBef>
+              <a:spcAft>
+                <a:spcPts val="0"/>
+              </a:spcAft>
+              <a:buNone/>
+            </a:pPr>
+            <a:endParaRPr sz="3000" b="1" u="none" strike="noStrike" cap="none" dirty="0">
+              <a:solidFill>
+                <a:srgbClr val="FFFFFF"/>
+              </a:solidFill>
+              <a:latin typeface="Poppins"/>
+              <a:ea typeface="Poppins"/>
+              <a:cs typeface="Poppins"/>
+              <a:sym typeface="Poppins"/>
+            </a:endParaRPr>
+          </a:p>
+          <a:p>
+            <a:pPr marL="647700" marR="0" lvl="1" indent="-323850" algn="ctr" rtl="0">
+              <a:lnSpc>
+                <a:spcPct val="120000"/>
+              </a:lnSpc>
+              <a:spcBef>
+                <a:spcPts val="0"/>
+              </a:spcBef>
+              <a:spcAft>
+                <a:spcPts val="0"/>
+              </a:spcAft>
+              <a:buClr>
+                <a:srgbClr val="FFFFFF"/>
+              </a:buClr>
+              <a:buSzPts val="3000"/>
+              <a:buFont typeface="Arial"/>
+              <a:buChar char="•"/>
+            </a:pPr>
+            <a:r>
+              <a:rPr lang="en-US" sz="3000" b="1" u="none" strike="noStrike" cap="none" dirty="0" err="1">
+                <a:solidFill>
+                  <a:srgbClr val="FFFFFF"/>
+                </a:solidFill>
+                <a:latin typeface="Poppins"/>
+                <a:ea typeface="Poppins"/>
+                <a:cs typeface="Poppins"/>
+                <a:sym typeface="Poppins"/>
+              </a:rPr>
+              <a:t>Agradecem</a:t>
+            </a:r>
+            <a:r>
+              <a:rPr lang="en-US" sz="3000" b="1" u="none" strike="noStrike" cap="none" dirty="0">
+                <a:solidFill>
+                  <a:srgbClr val="FFFFFF"/>
+                </a:solidFill>
+                <a:latin typeface="Poppins"/>
+                <a:ea typeface="Poppins"/>
+                <a:cs typeface="Poppins"/>
+                <a:sym typeface="Poppins"/>
+              </a:rPr>
+              <a:t>, </a:t>
+            </a:r>
+            <a:r>
+              <a:rPr lang="en-US" sz="3000" b="1" u="none" strike="noStrike" cap="none" dirty="0" err="1">
+                <a:solidFill>
+                  <a:srgbClr val="FFFFFF"/>
+                </a:solidFill>
+                <a:latin typeface="Poppins"/>
+                <a:ea typeface="Poppins"/>
+                <a:cs typeface="Poppins"/>
+                <a:sym typeface="Poppins"/>
+              </a:rPr>
+              <a:t>também</a:t>
+            </a:r>
+            <a:r>
+              <a:rPr lang="en-US" sz="3000" b="1" u="none" strike="noStrike" cap="none" dirty="0">
+                <a:solidFill>
+                  <a:srgbClr val="FFFFFF"/>
+                </a:solidFill>
+                <a:latin typeface="Poppins"/>
+                <a:ea typeface="Poppins"/>
+                <a:cs typeface="Poppins"/>
+                <a:sym typeface="Poppins"/>
+              </a:rPr>
+              <a:t>, a </a:t>
+            </a:r>
+            <a:r>
+              <a:rPr lang="en-US" sz="3000" b="1" u="none" strike="noStrike" cap="none" dirty="0" err="1">
+                <a:solidFill>
+                  <a:srgbClr val="FFFFFF"/>
+                </a:solidFill>
+                <a:latin typeface="Poppins"/>
+                <a:ea typeface="Poppins"/>
+                <a:cs typeface="Poppins"/>
+                <a:sym typeface="Poppins"/>
+              </a:rPr>
+              <a:t>todos</a:t>
+            </a:r>
+            <a:r>
+              <a:rPr lang="en-US" sz="3000" b="1" u="none" strike="noStrike" cap="none" dirty="0">
+                <a:solidFill>
+                  <a:srgbClr val="FFFFFF"/>
+                </a:solidFill>
+                <a:latin typeface="Poppins"/>
+                <a:ea typeface="Poppins"/>
+                <a:cs typeface="Poppins"/>
+                <a:sym typeface="Poppins"/>
+              </a:rPr>
+              <a:t> </a:t>
+            </a:r>
+            <a:r>
+              <a:rPr lang="en-US" sz="3000" b="1" u="none" strike="noStrike" cap="none" dirty="0" err="1">
+                <a:solidFill>
+                  <a:srgbClr val="FFFFFF"/>
+                </a:solidFill>
+                <a:latin typeface="Poppins"/>
+                <a:ea typeface="Poppins"/>
+                <a:cs typeface="Poppins"/>
+                <a:sym typeface="Poppins"/>
+              </a:rPr>
+              <a:t>os</a:t>
+            </a:r>
+            <a:r>
+              <a:rPr lang="en-US" sz="3000" b="1" u="none" strike="noStrike" cap="none" dirty="0">
+                <a:solidFill>
+                  <a:srgbClr val="FFFFFF"/>
+                </a:solidFill>
+                <a:latin typeface="Poppins"/>
+                <a:ea typeface="Poppins"/>
+                <a:cs typeface="Poppins"/>
+                <a:sym typeface="Poppins"/>
+              </a:rPr>
+              <a:t> </a:t>
+            </a:r>
+            <a:r>
+              <a:rPr lang="en-US" sz="3000" b="1" u="none" strike="noStrike" cap="none" dirty="0" err="1">
+                <a:solidFill>
+                  <a:srgbClr val="FFFFFF"/>
+                </a:solidFill>
+                <a:latin typeface="Poppins"/>
+                <a:ea typeface="Poppins"/>
+                <a:cs typeface="Poppins"/>
+                <a:sym typeface="Poppins"/>
+              </a:rPr>
+              <a:t>professores</a:t>
+            </a:r>
+            <a:r>
+              <a:rPr lang="en-US" sz="3000" b="1" u="none" strike="noStrike" cap="none" dirty="0">
+                <a:solidFill>
+                  <a:srgbClr val="FFFFFF"/>
+                </a:solidFill>
+                <a:latin typeface="Poppins"/>
+                <a:ea typeface="Poppins"/>
+                <a:cs typeface="Poppins"/>
+                <a:sym typeface="Poppins"/>
+              </a:rPr>
+              <a:t> das </a:t>
+            </a:r>
+            <a:r>
+              <a:rPr lang="en-US" sz="3000" b="1" u="none" strike="noStrike" cap="none" dirty="0" err="1">
+                <a:solidFill>
+                  <a:srgbClr val="FFFFFF"/>
+                </a:solidFill>
+                <a:latin typeface="Poppins"/>
+                <a:ea typeface="Poppins"/>
+                <a:cs typeface="Poppins"/>
+                <a:sym typeface="Poppins"/>
+              </a:rPr>
+              <a:t>disciplinas</a:t>
+            </a:r>
+            <a:r>
+              <a:rPr lang="en-US" sz="3000" b="1" u="none" strike="noStrike" cap="none" dirty="0">
+                <a:solidFill>
+                  <a:srgbClr val="FFFFFF"/>
+                </a:solidFill>
+                <a:latin typeface="Poppins"/>
+                <a:ea typeface="Poppins"/>
+                <a:cs typeface="Poppins"/>
+                <a:sym typeface="Poppins"/>
+              </a:rPr>
+              <a:t> </a:t>
+            </a:r>
+            <a:r>
+              <a:rPr lang="en-US" sz="3000" b="1" u="none" strike="noStrike" cap="none" dirty="0" err="1">
+                <a:solidFill>
+                  <a:srgbClr val="FFFFFF"/>
+                </a:solidFill>
+                <a:latin typeface="Poppins"/>
+                <a:ea typeface="Poppins"/>
+                <a:cs typeface="Poppins"/>
+                <a:sym typeface="Poppins"/>
+              </a:rPr>
+              <a:t>técnicas</a:t>
+            </a:r>
+            <a:r>
+              <a:rPr lang="en-US" sz="3000" b="1" u="none" strike="noStrike" cap="none" dirty="0">
+                <a:solidFill>
+                  <a:srgbClr val="FFFFFF"/>
+                </a:solidFill>
+                <a:latin typeface="Poppins"/>
+                <a:ea typeface="Poppins"/>
+                <a:cs typeface="Poppins"/>
+                <a:sym typeface="Poppins"/>
+              </a:rPr>
+              <a:t> do </a:t>
+            </a:r>
+            <a:r>
+              <a:rPr lang="en-US" sz="3000" b="1" u="none" strike="noStrike" cap="none" dirty="0" err="1">
+                <a:solidFill>
+                  <a:srgbClr val="FFFFFF"/>
+                </a:solidFill>
+                <a:latin typeface="Poppins"/>
+                <a:ea typeface="Poppins"/>
+                <a:cs typeface="Poppins"/>
+                <a:sym typeface="Poppins"/>
+              </a:rPr>
+              <a:t>Curso</a:t>
+            </a:r>
+            <a:r>
+              <a:rPr lang="en-US" sz="3000" b="1" u="none" strike="noStrike" cap="none" dirty="0">
+                <a:solidFill>
+                  <a:srgbClr val="FFFFFF"/>
+                </a:solidFill>
+                <a:latin typeface="Poppins"/>
+                <a:ea typeface="Poppins"/>
+                <a:cs typeface="Poppins"/>
+                <a:sym typeface="Poppins"/>
+              </a:rPr>
+              <a:t> Técnico </a:t>
+            </a:r>
+            <a:r>
+              <a:rPr lang="en-US" sz="3000" b="1" u="none" strike="noStrike" cap="none" dirty="0" err="1">
+                <a:solidFill>
+                  <a:srgbClr val="FFFFFF"/>
+                </a:solidFill>
+                <a:latin typeface="Poppins"/>
+                <a:ea typeface="Poppins"/>
+                <a:cs typeface="Poppins"/>
+                <a:sym typeface="Poppins"/>
+              </a:rPr>
+              <a:t>Integrado</a:t>
+            </a:r>
+            <a:r>
+              <a:rPr lang="en-US" sz="3000" b="1" u="none" strike="noStrike" cap="none" dirty="0">
+                <a:solidFill>
+                  <a:srgbClr val="FFFFFF"/>
+                </a:solidFill>
+                <a:latin typeface="Poppins"/>
+                <a:ea typeface="Poppins"/>
+                <a:cs typeface="Poppins"/>
+                <a:sym typeface="Poppins"/>
+              </a:rPr>
+              <a:t> </a:t>
+            </a:r>
+            <a:r>
+              <a:rPr lang="en-US" sz="3000" b="1" u="none" strike="noStrike" cap="none" dirty="0" err="1">
+                <a:solidFill>
+                  <a:srgbClr val="FFFFFF"/>
+                </a:solidFill>
+                <a:latin typeface="Poppins"/>
+                <a:ea typeface="Poppins"/>
+                <a:cs typeface="Poppins"/>
+                <a:sym typeface="Poppins"/>
+              </a:rPr>
+              <a:t>em</a:t>
+            </a:r>
+            <a:r>
+              <a:rPr lang="en-US" sz="3000" b="1" u="none" strike="noStrike" cap="none" dirty="0">
+                <a:solidFill>
+                  <a:srgbClr val="FFFFFF"/>
+                </a:solidFill>
+                <a:latin typeface="Poppins"/>
+                <a:ea typeface="Poppins"/>
+                <a:cs typeface="Poppins"/>
+                <a:sym typeface="Poppins"/>
+              </a:rPr>
+              <a:t> </a:t>
+            </a:r>
+            <a:r>
+              <a:rPr lang="en-US" sz="3000" b="1" u="none" strike="noStrike" cap="none" dirty="0" err="1">
+                <a:solidFill>
+                  <a:srgbClr val="FFFFFF"/>
+                </a:solidFill>
+                <a:latin typeface="Poppins"/>
+                <a:ea typeface="Poppins"/>
+                <a:cs typeface="Poppins"/>
+                <a:sym typeface="Poppins"/>
+              </a:rPr>
+              <a:t>Informática</a:t>
+            </a:r>
+            <a:r>
+              <a:rPr lang="en-US" sz="3000" b="1" u="none" strike="noStrike" cap="none" dirty="0">
+                <a:solidFill>
+                  <a:srgbClr val="FFFFFF"/>
+                </a:solidFill>
+                <a:latin typeface="Poppins"/>
+                <a:ea typeface="Poppins"/>
+                <a:cs typeface="Poppins"/>
+                <a:sym typeface="Poppins"/>
+              </a:rPr>
+              <a:t>, </a:t>
+            </a:r>
+            <a:endParaRPr b="1" dirty="0"/>
+          </a:p>
+        </p:txBody>
+      </p:sp>
+      <p:pic>
+        <p:nvPicPr>
+          <p:cNvPr id="192" name="Google Shape;192;p10"/>
+          <p:cNvPicPr preferRelativeResize="0"/>
+          <p:nvPr/>
+        </p:nvPicPr>
+        <p:blipFill rotWithShape="1">
+          <a:blip r:embed="rId5">
+            <a:alphaModFix/>
+          </a:blip>
+          <a:srcRect/>
+          <a:stretch/>
+        </p:blipFill>
+        <p:spPr>
+          <a:xfrm>
+            <a:off x="419273" y="52214"/>
+            <a:ext cx="2061665" cy="2386186"/>
+          </a:xfrm>
+          <a:prstGeom prst="rect">
+            <a:avLst/>
+          </a:prstGeom>
+          <a:noFill/>
+          <a:ln>
+            <a:noFill/>
+          </a:ln>
         </p:spPr>
       </p:pic>
     </p:spTree>
-    <p:extLst>
-      <p:ext uri="{BB962C8B-B14F-4D97-AF65-F5344CB8AC3E}">
-        <p14:creationId xmlns:p14="http://schemas.microsoft.com/office/powerpoint/2010/main" val="2661510193"/>
-      </p:ext>
-    </p:extLst>
   </p:cSld>
   <p:clrMapOvr>
     <a:masterClrMapping/>
@@ -18644,9 +15922,17 @@
 <file path=ppt/slides/slide9.xml><?xml version="1.0" encoding="utf-8"?>
 <p:sld xmlns:a="http://schemas.openxmlformats.org/drawingml/2006/main" xmlns:r="http://schemas.openxmlformats.org/officeDocument/2006/relationships" xmlns:p="http://schemas.openxmlformats.org/presentationml/2006/main">
   <p:cSld>
+    <p:bg>
+      <p:bgPr>
+        <a:solidFill>
+          <a:srgbClr val="03989E"/>
+        </a:solidFill>
+        <a:effectLst/>
+      </p:bgPr>
+    </p:bg>
     <p:spTree>
       <p:nvGrpSpPr>
-        <p:cNvPr id="1" name="Shape 163"/>
+        <p:cNvPr id="1" name="Shape 196"/>
         <p:cNvGrpSpPr/>
         <p:nvPr/>
       </p:nvGrpSpPr>
@@ -18660,40 +15946,672 @@
       </p:grpSpPr>
       <p:pic>
         <p:nvPicPr>
-          <p:cNvPr id="4" name="Imagem 3">
-            <a:extLst>
-              <a:ext uri="{FF2B5EF4-FFF2-40B4-BE49-F238E27FC236}">
-                <a16:creationId xmlns:a16="http://schemas.microsoft.com/office/drawing/2014/main" id="{2B8D54B7-9A60-64CF-397C-06CAF00B81BA}"/>
-              </a:ext>
-            </a:extLst>
-          </p:cNvPr>
-          <p:cNvPicPr>
-            <a:picLocks noChangeAspect="1"/>
-          </p:cNvPicPr>
+          <p:cNvPr id="197" name="Google Shape;197;p11"/>
+          <p:cNvPicPr preferRelativeResize="0"/>
           <p:nvPr/>
         </p:nvPicPr>
-        <p:blipFill>
-          <a:blip r:embed="rId3"/>
-          <a:stretch>
-            <a:fillRect/>
-          </a:stretch>
+        <p:blipFill rotWithShape="1">
+          <a:blip r:embed="rId3">
+            <a:alphaModFix amt="9999"/>
+          </a:blip>
+          <a:srcRect/>
+          <a:stretch/>
         </p:blipFill>
         <p:spPr>
-          <a:xfrm>
-            <a:off x="-495642" y="0"/>
-            <a:ext cx="19044378" cy="10287000"/>
+          <a:xfrm rot="-5400000">
+            <a:off x="14304471" y="-2201874"/>
+            <a:ext cx="5534692" cy="5735432"/>
           </a:xfrm>
           <a:prstGeom prst="rect">
             <a:avLst/>
           </a:prstGeom>
+          <a:noFill/>
+          <a:ln>
+            <a:noFill/>
+          </a:ln>
+        </p:spPr>
+      </p:pic>
+      <p:pic>
+        <p:nvPicPr>
+          <p:cNvPr id="198" name="Google Shape;198;p11"/>
+          <p:cNvPicPr preferRelativeResize="0"/>
+          <p:nvPr/>
+        </p:nvPicPr>
+        <p:blipFill rotWithShape="1">
+          <a:blip r:embed="rId3">
+            <a:alphaModFix/>
+          </a:blip>
+          <a:srcRect/>
+          <a:stretch/>
+        </p:blipFill>
+        <p:spPr>
+          <a:xfrm rot="-8234702">
+            <a:off x="362240" y="7896477"/>
+            <a:ext cx="2628319" cy="2723647"/>
+          </a:xfrm>
+          <a:prstGeom prst="rect">
+            <a:avLst/>
+          </a:prstGeom>
+          <a:noFill/>
+          <a:ln>
+            <a:noFill/>
+          </a:ln>
+        </p:spPr>
+      </p:pic>
+      <p:pic>
+        <p:nvPicPr>
+          <p:cNvPr id="199" name="Google Shape;199;p11"/>
+          <p:cNvPicPr preferRelativeResize="0"/>
+          <p:nvPr/>
+        </p:nvPicPr>
+        <p:blipFill rotWithShape="1">
+          <a:blip r:embed="rId3">
+            <a:alphaModFix amt="9999"/>
+          </a:blip>
+          <a:srcRect/>
+          <a:stretch/>
+        </p:blipFill>
+        <p:spPr>
+          <a:xfrm rot="-9653010">
+            <a:off x="-2710651" y="-2116072"/>
+            <a:ext cx="8774102" cy="9092333"/>
+          </a:xfrm>
+          <a:prstGeom prst="rect">
+            <a:avLst/>
+          </a:prstGeom>
+          <a:noFill/>
+          <a:ln>
+            <a:noFill/>
+          </a:ln>
+        </p:spPr>
+      </p:pic>
+      <p:pic>
+        <p:nvPicPr>
+          <p:cNvPr id="200" name="Google Shape;200;p11"/>
+          <p:cNvPicPr preferRelativeResize="0"/>
+          <p:nvPr/>
+        </p:nvPicPr>
+        <p:blipFill rotWithShape="1">
+          <a:blip r:embed="rId3">
+            <a:alphaModFix amt="9999"/>
+          </a:blip>
+          <a:srcRect/>
+          <a:stretch/>
+        </p:blipFill>
+        <p:spPr>
+          <a:xfrm rot="-896806">
+            <a:off x="-1451748" y="4448377"/>
+            <a:ext cx="6599197" cy="6838546"/>
+          </a:xfrm>
+          <a:prstGeom prst="rect">
+            <a:avLst/>
+          </a:prstGeom>
+          <a:noFill/>
+          <a:ln>
+            <a:noFill/>
+          </a:ln>
+        </p:spPr>
+      </p:pic>
+      <p:sp>
+        <p:nvSpPr>
+          <p:cNvPr id="201" name="Google Shape;201;p11"/>
+          <p:cNvSpPr/>
+          <p:nvPr/>
+        </p:nvSpPr>
+        <p:spPr>
+          <a:xfrm>
+            <a:off x="1189884" y="8919663"/>
+            <a:ext cx="1175830" cy="1181100"/>
+          </a:xfrm>
+          <a:custGeom>
+            <a:avLst/>
+            <a:gdLst/>
+            <a:ahLst/>
+            <a:cxnLst/>
+            <a:rect l="l" t="t" r="r" b="b"/>
+            <a:pathLst>
+              <a:path w="6321665" h="6350000" extrusionOk="0">
+                <a:moveTo>
+                  <a:pt x="3160833" y="0"/>
+                </a:moveTo>
+                <a:lnTo>
+                  <a:pt x="3160833" y="0"/>
+                </a:lnTo>
+                <a:cubicBezTo>
+                  <a:pt x="4908795" y="7817"/>
+                  <a:pt x="6321666" y="1427021"/>
+                  <a:pt x="6321666" y="3175000"/>
+                </a:cubicBezTo>
+                <a:cubicBezTo>
+                  <a:pt x="6321666" y="4922979"/>
+                  <a:pt x="4908795" y="6342183"/>
+                  <a:pt x="3160833" y="6350000"/>
+                </a:cubicBezTo>
+                <a:cubicBezTo>
+                  <a:pt x="1412871" y="6342183"/>
+                  <a:pt x="0" y="4922979"/>
+                  <a:pt x="0" y="3175000"/>
+                </a:cubicBezTo>
+                <a:cubicBezTo>
+                  <a:pt x="0" y="1427021"/>
+                  <a:pt x="1412871" y="7817"/>
+                  <a:pt x="3160833" y="0"/>
+                </a:cubicBezTo>
+                <a:close/>
+              </a:path>
+            </a:pathLst>
+          </a:custGeom>
+          <a:solidFill>
+            <a:srgbClr val="04345C"/>
+          </a:solidFill>
+          <a:ln>
+            <a:noFill/>
+          </a:ln>
+        </p:spPr>
+        <p:txBody>
+          <a:bodyPr spcFirstLastPara="1" wrap="square" lIns="91425" tIns="91425" rIns="91425" bIns="91425" anchor="ctr" anchorCtr="0">
+            <a:noAutofit/>
+          </a:bodyPr>
+          <a:lstStyle/>
+          <a:p>
+            <a:pPr marL="0" lvl="0" indent="0" algn="l" rtl="0">
+              <a:spcBef>
+                <a:spcPts val="0"/>
+              </a:spcBef>
+              <a:spcAft>
+                <a:spcPts val="0"/>
+              </a:spcAft>
+              <a:buNone/>
+            </a:pPr>
+            <a:endParaRPr/>
+          </a:p>
+        </p:txBody>
+      </p:sp>
+      <p:sp>
+        <p:nvSpPr>
+          <p:cNvPr id="202" name="Google Shape;202;p11"/>
+          <p:cNvSpPr txBox="1"/>
+          <p:nvPr/>
+        </p:nvSpPr>
+        <p:spPr>
+          <a:xfrm>
+            <a:off x="2480938" y="1658624"/>
+            <a:ext cx="14273975" cy="886397"/>
+          </a:xfrm>
+          <a:prstGeom prst="rect">
+            <a:avLst/>
+          </a:prstGeom>
+          <a:noFill/>
+          <a:ln>
+            <a:noFill/>
+          </a:ln>
+        </p:spPr>
+        <p:txBody>
+          <a:bodyPr spcFirstLastPara="1" wrap="square" lIns="0" tIns="0" rIns="0" bIns="0" anchor="t" anchorCtr="0">
+            <a:spAutoFit/>
+          </a:bodyPr>
+          <a:lstStyle/>
+          <a:p>
+            <a:pPr marL="0" marR="0" lvl="0" indent="0" algn="ctr" rtl="0">
+              <a:lnSpc>
+                <a:spcPct val="119979"/>
+              </a:lnSpc>
+              <a:spcBef>
+                <a:spcPts val="0"/>
+              </a:spcBef>
+              <a:spcAft>
+                <a:spcPts val="0"/>
+              </a:spcAft>
+              <a:buNone/>
+            </a:pPr>
+            <a:r>
+              <a:rPr lang="en-US" sz="4800" b="1" i="0" u="none" strike="noStrike" cap="none" dirty="0">
+                <a:solidFill>
+                  <a:srgbClr val="0000FF"/>
+                </a:solidFill>
+                <a:latin typeface="Poppins"/>
+                <a:ea typeface="Poppins"/>
+                <a:cs typeface="Poppins"/>
+                <a:sym typeface="Poppins"/>
+              </a:rPr>
+              <a:t>REFERÊNCIAS</a:t>
+            </a:r>
+            <a:endParaRPr dirty="0">
+              <a:solidFill>
+                <a:srgbClr val="0000FF"/>
+              </a:solidFill>
+            </a:endParaRPr>
+          </a:p>
+        </p:txBody>
+      </p:sp>
+      <p:sp>
+        <p:nvSpPr>
+          <p:cNvPr id="203" name="Google Shape;203;p11"/>
+          <p:cNvSpPr txBox="1"/>
+          <p:nvPr/>
+        </p:nvSpPr>
+        <p:spPr>
+          <a:xfrm>
+            <a:off x="1189884" y="2487245"/>
+            <a:ext cx="17098116" cy="7109639"/>
+          </a:xfrm>
+          <a:prstGeom prst="rect">
+            <a:avLst/>
+          </a:prstGeom>
+          <a:noFill/>
+          <a:ln>
+            <a:noFill/>
+          </a:ln>
+        </p:spPr>
+        <p:txBody>
+          <a:bodyPr spcFirstLastPara="1" wrap="square" lIns="0" tIns="0" rIns="0" bIns="0" anchor="t" anchorCtr="0">
+            <a:spAutoFit/>
+          </a:bodyPr>
+          <a:lstStyle/>
+          <a:p>
+            <a:pPr marL="0" marR="0" lvl="0" indent="0" algn="ctr" rtl="0">
+              <a:lnSpc>
+                <a:spcPct val="120000"/>
+              </a:lnSpc>
+              <a:spcBef>
+                <a:spcPts val="0"/>
+              </a:spcBef>
+              <a:spcAft>
+                <a:spcPts val="0"/>
+              </a:spcAft>
+              <a:buNone/>
+            </a:pPr>
+            <a:r>
+              <a:rPr lang="pt-BR" sz="3500" b="1" i="0" u="none" strike="noStrike" cap="none" dirty="0">
+                <a:solidFill>
+                  <a:srgbClr val="FFFFFF"/>
+                </a:solidFill>
+                <a:latin typeface="Poppins"/>
+                <a:ea typeface="Poppins"/>
+                <a:cs typeface="Poppins"/>
+                <a:sym typeface="Poppins"/>
+              </a:rPr>
+              <a:t>HEUSER, Carlos Alberto. Projeto de banco de dados: 6.ed. </a:t>
+            </a:r>
+          </a:p>
+          <a:p>
+            <a:pPr marL="0" marR="0" lvl="0" indent="0" algn="ctr" rtl="0">
+              <a:lnSpc>
+                <a:spcPct val="120000"/>
+              </a:lnSpc>
+              <a:spcBef>
+                <a:spcPts val="0"/>
+              </a:spcBef>
+              <a:spcAft>
+                <a:spcPts val="0"/>
+              </a:spcAft>
+              <a:buNone/>
+            </a:pPr>
+            <a:r>
+              <a:rPr lang="pt-BR" sz="3500" b="1" i="0" u="none" strike="noStrike" cap="none" dirty="0">
+                <a:solidFill>
+                  <a:srgbClr val="FFFFFF"/>
+                </a:solidFill>
+                <a:latin typeface="Poppins"/>
+                <a:ea typeface="Poppins"/>
+                <a:cs typeface="Poppins"/>
+                <a:sym typeface="Poppins"/>
+              </a:rPr>
+              <a:t>Porto Alegre: Bookman, 2009.</a:t>
+            </a:r>
+          </a:p>
+          <a:p>
+            <a:pPr marL="0" marR="0" lvl="0" indent="0" algn="ctr" rtl="0">
+              <a:lnSpc>
+                <a:spcPct val="120000"/>
+              </a:lnSpc>
+              <a:spcBef>
+                <a:spcPts val="0"/>
+              </a:spcBef>
+              <a:spcAft>
+                <a:spcPts val="0"/>
+              </a:spcAft>
+              <a:buNone/>
+            </a:pPr>
+            <a:endParaRPr lang="pt-BR" sz="3500" b="1" i="0" u="none" strike="noStrike" cap="none" dirty="0">
+              <a:solidFill>
+                <a:srgbClr val="FFFFFF"/>
+              </a:solidFill>
+              <a:latin typeface="Poppins"/>
+              <a:ea typeface="Poppins"/>
+              <a:cs typeface="Poppins"/>
+              <a:sym typeface="Poppins"/>
+            </a:endParaRPr>
+          </a:p>
+          <a:p>
+            <a:pPr marL="0" marR="0" lvl="0" indent="0" algn="ctr" rtl="0">
+              <a:lnSpc>
+                <a:spcPct val="120000"/>
+              </a:lnSpc>
+              <a:spcBef>
+                <a:spcPts val="0"/>
+              </a:spcBef>
+              <a:spcAft>
+                <a:spcPts val="0"/>
+              </a:spcAft>
+              <a:buNone/>
+            </a:pPr>
+            <a:r>
+              <a:rPr lang="pt-BR" sz="3500" b="1" i="0" u="none" strike="noStrike" cap="none" dirty="0">
+                <a:solidFill>
+                  <a:srgbClr val="FFFFFF"/>
+                </a:solidFill>
+                <a:latin typeface="Poppins"/>
+                <a:ea typeface="Poppins"/>
+                <a:cs typeface="Poppins"/>
+                <a:sym typeface="Poppins"/>
+              </a:rPr>
+              <a:t>DEITEL; DEITEL, 2010. Java: como programar. 8ª ed. </a:t>
+            </a:r>
+          </a:p>
+          <a:p>
+            <a:pPr marL="0" marR="0" lvl="0" indent="0" algn="ctr" rtl="0">
+              <a:lnSpc>
+                <a:spcPct val="120000"/>
+              </a:lnSpc>
+              <a:spcBef>
+                <a:spcPts val="0"/>
+              </a:spcBef>
+              <a:spcAft>
+                <a:spcPts val="0"/>
+              </a:spcAft>
+              <a:buNone/>
+            </a:pPr>
+            <a:r>
+              <a:rPr lang="pt-BR" sz="3500" b="1" i="0" u="none" strike="noStrike" cap="none" dirty="0">
+                <a:solidFill>
+                  <a:srgbClr val="FFFFFF"/>
+                </a:solidFill>
+                <a:latin typeface="Poppins"/>
+                <a:ea typeface="Poppins"/>
+                <a:cs typeface="Poppins"/>
+                <a:sym typeface="Poppins"/>
+              </a:rPr>
+              <a:t>São Paulo: Pearson </a:t>
+            </a:r>
+            <a:r>
+              <a:rPr lang="pt-BR" sz="3500" b="1" i="0" u="none" strike="noStrike" cap="none" dirty="0" err="1">
+                <a:solidFill>
+                  <a:srgbClr val="FFFFFF"/>
+                </a:solidFill>
+                <a:latin typeface="Poppins"/>
+                <a:ea typeface="Poppins"/>
+                <a:cs typeface="Poppins"/>
+                <a:sym typeface="Poppins"/>
+              </a:rPr>
+              <a:t>Education</a:t>
+            </a:r>
+            <a:r>
+              <a:rPr lang="pt-BR" sz="3500" b="1" i="0" u="none" strike="noStrike" cap="none" dirty="0">
+                <a:solidFill>
+                  <a:srgbClr val="FFFFFF"/>
+                </a:solidFill>
+                <a:latin typeface="Poppins"/>
+                <a:ea typeface="Poppins"/>
+                <a:cs typeface="Poppins"/>
+                <a:sym typeface="Poppins"/>
+              </a:rPr>
+              <a:t> do Brasil, 2010.</a:t>
+            </a:r>
+          </a:p>
+          <a:p>
+            <a:pPr marL="0" marR="0" lvl="0" indent="0" algn="ctr" rtl="0">
+              <a:lnSpc>
+                <a:spcPct val="120000"/>
+              </a:lnSpc>
+              <a:spcBef>
+                <a:spcPts val="0"/>
+              </a:spcBef>
+              <a:spcAft>
+                <a:spcPts val="0"/>
+              </a:spcAft>
+              <a:buNone/>
+            </a:pPr>
+            <a:endParaRPr lang="pt-BR" sz="3500" b="1" i="0" u="none" strike="noStrike" cap="none" dirty="0">
+              <a:solidFill>
+                <a:srgbClr val="FFFFFF"/>
+              </a:solidFill>
+              <a:latin typeface="Poppins"/>
+              <a:ea typeface="Poppins"/>
+              <a:cs typeface="Poppins"/>
+              <a:sym typeface="Poppins"/>
+            </a:endParaRPr>
+          </a:p>
+          <a:p>
+            <a:pPr marL="0" marR="0" lvl="0" indent="0" algn="ctr" rtl="0">
+              <a:lnSpc>
+                <a:spcPct val="120000"/>
+              </a:lnSpc>
+              <a:spcBef>
+                <a:spcPts val="0"/>
+              </a:spcBef>
+              <a:spcAft>
+                <a:spcPts val="0"/>
+              </a:spcAft>
+              <a:buNone/>
+            </a:pPr>
+            <a:r>
+              <a:rPr lang="pt-BR" sz="3500" b="1" i="0" u="none" strike="noStrike" cap="none" dirty="0">
+                <a:solidFill>
+                  <a:srgbClr val="FFFFFF"/>
+                </a:solidFill>
+                <a:latin typeface="Poppins"/>
+                <a:ea typeface="Poppins"/>
+                <a:cs typeface="Poppins"/>
+                <a:sym typeface="Poppins"/>
+              </a:rPr>
+              <a:t>GUEDES, G. T. A. UML 2 - Uma abordagem prática. </a:t>
+            </a:r>
+            <a:r>
+              <a:rPr lang="pt-BR" sz="3500" b="1" i="0" u="none" strike="noStrike" cap="none" dirty="0" err="1">
+                <a:solidFill>
+                  <a:srgbClr val="FFFFFF"/>
+                </a:solidFill>
+                <a:latin typeface="Poppins"/>
+                <a:ea typeface="Poppins"/>
+                <a:cs typeface="Poppins"/>
+                <a:sym typeface="Poppins"/>
+              </a:rPr>
+              <a:t>Novatec</a:t>
+            </a:r>
+            <a:r>
+              <a:rPr lang="pt-BR" sz="3500" b="1" i="0" u="none" strike="noStrike" cap="none" dirty="0">
+                <a:solidFill>
+                  <a:srgbClr val="FFFFFF"/>
+                </a:solidFill>
+                <a:latin typeface="Poppins"/>
+                <a:ea typeface="Poppins"/>
+                <a:cs typeface="Poppins"/>
+                <a:sym typeface="Poppins"/>
+              </a:rPr>
+              <a:t> </a:t>
+            </a:r>
+          </a:p>
+          <a:p>
+            <a:pPr marL="0" marR="0" lvl="0" indent="0" algn="ctr" rtl="0">
+              <a:lnSpc>
+                <a:spcPct val="120000"/>
+              </a:lnSpc>
+              <a:spcBef>
+                <a:spcPts val="0"/>
+              </a:spcBef>
+              <a:spcAft>
+                <a:spcPts val="0"/>
+              </a:spcAft>
+              <a:buNone/>
+            </a:pPr>
+            <a:r>
+              <a:rPr lang="pt-BR" sz="3500" b="1" i="0" u="none" strike="noStrike" cap="none" dirty="0">
+                <a:solidFill>
+                  <a:srgbClr val="FFFFFF"/>
+                </a:solidFill>
+                <a:latin typeface="Poppins"/>
+                <a:ea typeface="Poppins"/>
+                <a:cs typeface="Poppins"/>
+                <a:sym typeface="Poppins"/>
+              </a:rPr>
+              <a:t>Editora, 2018.</a:t>
+            </a:r>
+          </a:p>
+          <a:p>
+            <a:pPr marL="0" marR="0" lvl="0" indent="0" algn="ctr" rtl="0">
+              <a:lnSpc>
+                <a:spcPct val="120000"/>
+              </a:lnSpc>
+              <a:spcBef>
+                <a:spcPts val="0"/>
+              </a:spcBef>
+              <a:spcAft>
+                <a:spcPts val="0"/>
+              </a:spcAft>
+              <a:buNone/>
+            </a:pPr>
+            <a:endParaRPr lang="pt-BR" sz="3500" b="1" i="0" u="none" strike="noStrike" cap="none" dirty="0">
+              <a:solidFill>
+                <a:srgbClr val="FFFFFF"/>
+              </a:solidFill>
+              <a:latin typeface="Poppins"/>
+              <a:ea typeface="Poppins"/>
+              <a:cs typeface="Poppins"/>
+              <a:sym typeface="Poppins"/>
+            </a:endParaRPr>
+          </a:p>
+          <a:p>
+            <a:pPr marL="0" marR="0" lvl="0" indent="0" algn="ctr" rtl="0">
+              <a:lnSpc>
+                <a:spcPct val="120000"/>
+              </a:lnSpc>
+              <a:spcBef>
+                <a:spcPts val="0"/>
+              </a:spcBef>
+              <a:spcAft>
+                <a:spcPts val="0"/>
+              </a:spcAft>
+              <a:buNone/>
+            </a:pPr>
+            <a:r>
+              <a:rPr lang="pt-BR" sz="3500" b="1" i="0" u="none" strike="noStrike" cap="none" dirty="0">
+                <a:solidFill>
+                  <a:srgbClr val="FFFFFF"/>
+                </a:solidFill>
+                <a:latin typeface="Poppins"/>
+                <a:ea typeface="Poppins"/>
+                <a:cs typeface="Poppins"/>
+                <a:sym typeface="Poppins"/>
+              </a:rPr>
+              <a:t>NEVES, Pedro M. C.; RUAS, Rui </a:t>
+            </a:r>
+            <a:r>
+              <a:rPr lang="pt-BR" sz="3500" b="1" i="0" u="none" strike="noStrike" cap="none" dirty="0" err="1">
+                <a:solidFill>
+                  <a:srgbClr val="FFFFFF"/>
+                </a:solidFill>
+                <a:latin typeface="Poppins"/>
+                <a:ea typeface="Poppins"/>
+                <a:cs typeface="Poppins"/>
+                <a:sym typeface="Poppins"/>
+              </a:rPr>
+              <a:t>p.F</a:t>
+            </a:r>
+            <a:r>
+              <a:rPr lang="pt-BR" sz="3500" b="1" i="0" u="none" strike="noStrike" cap="none" dirty="0">
+                <a:solidFill>
+                  <a:srgbClr val="FFFFFF"/>
+                </a:solidFill>
+                <a:latin typeface="Poppins"/>
+                <a:ea typeface="Poppins"/>
+                <a:cs typeface="Poppins"/>
+                <a:sym typeface="Poppins"/>
+              </a:rPr>
+              <a:t> O guia prático do </a:t>
+            </a:r>
+          </a:p>
+          <a:p>
+            <a:pPr marL="0" marR="0" lvl="0" indent="0" algn="ctr" rtl="0">
+              <a:lnSpc>
+                <a:spcPct val="120000"/>
+              </a:lnSpc>
+              <a:spcBef>
+                <a:spcPts val="0"/>
+              </a:spcBef>
+              <a:spcAft>
+                <a:spcPts val="0"/>
+              </a:spcAft>
+              <a:buNone/>
+            </a:pPr>
+            <a:r>
+              <a:rPr lang="pt-BR" sz="3500" b="1" i="0" u="none" strike="noStrike" cap="none" dirty="0">
+                <a:solidFill>
+                  <a:srgbClr val="FFFFFF"/>
+                </a:solidFill>
+                <a:latin typeface="Poppins"/>
+                <a:ea typeface="Poppins"/>
+                <a:cs typeface="Poppins"/>
+                <a:sym typeface="Poppins"/>
+              </a:rPr>
+              <a:t>MySQL. 2005. </a:t>
+            </a:r>
+            <a:r>
+              <a:rPr lang="pt-BR" sz="3500" b="1" i="0" u="none" strike="noStrike" cap="none" dirty="0" err="1">
+                <a:solidFill>
+                  <a:srgbClr val="FFFFFF"/>
+                </a:solidFill>
+                <a:latin typeface="Poppins"/>
+                <a:ea typeface="Poppins"/>
+                <a:cs typeface="Poppins"/>
+                <a:sym typeface="Poppins"/>
+              </a:rPr>
+              <a:t>Dísponivel</a:t>
+            </a:r>
+            <a:r>
+              <a:rPr lang="pt-BR" sz="3500" b="1" i="0" u="none" strike="noStrike" cap="none" dirty="0">
+                <a:solidFill>
+                  <a:srgbClr val="FFFFFF"/>
+                </a:solidFill>
+                <a:latin typeface="Poppins"/>
+                <a:ea typeface="Poppins"/>
+                <a:cs typeface="Poppins"/>
+                <a:sym typeface="Poppins"/>
+              </a:rPr>
+              <a:t> em: Acesso em 09 set. 2019</a:t>
+            </a:r>
+            <a:endParaRPr lang="pt-BR" dirty="0"/>
+          </a:p>
+        </p:txBody>
+      </p:sp>
+      <p:pic>
+        <p:nvPicPr>
+          <p:cNvPr id="204" name="Google Shape;204;p11"/>
+          <p:cNvPicPr preferRelativeResize="0"/>
+          <p:nvPr/>
+        </p:nvPicPr>
+        <p:blipFill rotWithShape="1">
+          <a:blip r:embed="rId4">
+            <a:alphaModFix/>
+          </a:blip>
+          <a:srcRect/>
+          <a:stretch/>
+        </p:blipFill>
+        <p:spPr>
+          <a:xfrm>
+            <a:off x="419273" y="52214"/>
+            <a:ext cx="2061665" cy="2386186"/>
+          </a:xfrm>
+          <a:prstGeom prst="rect">
+            <a:avLst/>
+          </a:prstGeom>
+          <a:noFill/>
+          <a:ln>
+            <a:noFill/>
+          </a:ln>
         </p:spPr>
       </p:pic>
     </p:spTree>
-    <p:extLst>
-      <p:ext uri="{BB962C8B-B14F-4D97-AF65-F5344CB8AC3E}">
-        <p14:creationId xmlns:p14="http://schemas.microsoft.com/office/powerpoint/2010/main" val="169982191"/>
-      </p:ext>
-    </p:extLst>
   </p:cSld>
   <p:clrMapOvr>
     <a:masterClrMapping/>
